--- a/神大愛(崇拜版).pptx
+++ b/神大愛(崇拜版).pptx
@@ -2,14 +2,14 @@
 <file path=ppt/presentation.xml><?xml version="1.0" encoding="utf-8"?>
 <p:presentation xmlns:a="http://schemas.openxmlformats.org/drawingml/2006/main" xmlns:r="http://schemas.openxmlformats.org/officeDocument/2006/relationships" xmlns:p="http://schemas.openxmlformats.org/presentationml/2006/main" saveSubsetFonts="1">
   <p:sldMasterIdLst>
-    <p:sldMasterId id="2147483660" r:id="rId1"/>
+    <p:sldMasterId id="2147483672" r:id="rId1"/>
   </p:sldMasterIdLst>
   <p:sldIdLst>
     <p:sldId id="256" r:id="rId2"/>
     <p:sldId id="257" r:id="rId3"/>
     <p:sldId id="258" r:id="rId4"/>
   </p:sldIdLst>
-  <p:sldSz cx="9144000" cy="6858000" type="screen4x3"/>
+  <p:sldSz cx="12192000" cy="6858000"/>
   <p:notesSz cx="6858000" cy="9144000"/>
   <p:defaultTextStyle>
     <a:defPPr>
@@ -106,6 +106,22 @@
       </a:defRPr>
     </a:lvl9pPr>
   </p:defaultTextStyle>
+  <p:extLst>
+    <p:ext uri="{EFAFB233-063F-42B5-8137-9DF3F51BA10A}">
+      <p15:sldGuideLst xmlns:p15="http://schemas.microsoft.com/office/powerpoint/2012/main">
+        <p15:guide id="1" orient="horz" pos="2160" userDrawn="1">
+          <p15:clr>
+            <a:srgbClr val="A4A3A4"/>
+          </p15:clr>
+        </p15:guide>
+        <p15:guide id="2" pos="3840" userDrawn="1">
+          <p15:clr>
+            <a:srgbClr val="A4A3A4"/>
+          </p15:clr>
+        </p15:guide>
+      </p15:sldGuideLst>
+    </p:ext>
+  </p:extLst>
 </p:presentation>
 </file>
 
@@ -138,8 +154,8 @@
         </p:nvSpPr>
         <p:spPr>
           <a:xfrm>
-            <a:off x="685800" y="2130425"/>
-            <a:ext cx="7772400" cy="1470025"/>
+            <a:off x="914400" y="2130427"/>
+            <a:ext cx="10363200" cy="1470025"/>
           </a:xfrm>
         </p:spPr>
         <p:txBody>
@@ -147,8 +163,8 @@
           <a:lstStyle/>
           <a:p>
             <a:r>
-              <a:rPr lang="zh-TW" altLang="en-US" smtClean="0"/>
-              <a:t>按一下以編輯母片標題樣式</a:t>
+              <a:rPr lang="en-US" altLang="zh-TW" smtClean="0"/>
+              <a:t>Click to edit Master title style</a:t>
             </a:r>
             <a:endParaRPr lang="zh-TW" altLang="en-US"/>
           </a:p>
@@ -166,8 +182,8 @@
         </p:nvSpPr>
         <p:spPr>
           <a:xfrm>
-            <a:off x="1371600" y="3886200"/>
-            <a:ext cx="6400800" cy="1752600"/>
+            <a:off x="1828800" y="3886200"/>
+            <a:ext cx="8534400" cy="1752600"/>
           </a:xfrm>
         </p:spPr>
         <p:txBody>
@@ -266,8 +282,8 @@
           </a:lstStyle>
           <a:p>
             <a:r>
-              <a:rPr lang="zh-TW" altLang="en-US" smtClean="0"/>
-              <a:t>按一下以編輯母片副標題樣式</a:t>
+              <a:rPr lang="en-US" altLang="zh-TW" smtClean="0"/>
+              <a:t>Click to edit Master subtitle style</a:t>
             </a:r>
             <a:endParaRPr lang="zh-TW" altLang="en-US"/>
           </a:p>
@@ -290,7 +306,7 @@
           <a:p>
             <a:fld id="{AB55ABB3-4662-401A-B868-CB91799AF64C}" type="datetimeFigureOut">
               <a:rPr lang="zh-TW" altLang="en-US" smtClean="0"/>
-              <a:t>2017/9/16</a:t>
+              <a:t>2020/6/13</a:t>
             </a:fld>
             <a:endParaRPr lang="zh-TW" altLang="en-US"/>
           </a:p>
@@ -339,6 +355,11 @@
         </p:txBody>
       </p:sp>
     </p:spTree>
+    <p:extLst>
+      <p:ext uri="{BB962C8B-B14F-4D97-AF65-F5344CB8AC3E}">
+        <p14:creationId xmlns:p14="http://schemas.microsoft.com/office/powerpoint/2010/main" val="859403009"/>
+      </p:ext>
+    </p:extLst>
   </p:cSld>
   <p:clrMapOvr>
     <a:masterClrMapping/>
@@ -379,8 +400,8 @@
           <a:lstStyle/>
           <a:p>
             <a:r>
-              <a:rPr lang="zh-TW" altLang="en-US" smtClean="0"/>
-              <a:t>按一下以編輯母片標題樣式</a:t>
+              <a:rPr lang="en-US" altLang="zh-TW" smtClean="0"/>
+              <a:t>Click to edit Master title style</a:t>
             </a:r>
             <a:endParaRPr lang="zh-TW" altLang="en-US"/>
           </a:p>
@@ -403,36 +424,36 @@
           <a:p>
             <a:pPr lvl="0"/>
             <a:r>
-              <a:rPr lang="zh-TW" altLang="en-US" smtClean="0"/>
-              <a:t>按一下以編輯母片文字樣式</a:t>
+              <a:rPr lang="en-US" altLang="zh-TW" smtClean="0"/>
+              <a:t>Edit Master text styles</a:t>
             </a:r>
           </a:p>
           <a:p>
             <a:pPr lvl="1"/>
             <a:r>
-              <a:rPr lang="zh-TW" altLang="en-US" smtClean="0"/>
-              <a:t>第二層</a:t>
+              <a:rPr lang="en-US" altLang="zh-TW" smtClean="0"/>
+              <a:t>Second level</a:t>
             </a:r>
           </a:p>
           <a:p>
             <a:pPr lvl="2"/>
             <a:r>
-              <a:rPr lang="zh-TW" altLang="en-US" smtClean="0"/>
-              <a:t>第三層</a:t>
+              <a:rPr lang="en-US" altLang="zh-TW" smtClean="0"/>
+              <a:t>Third level</a:t>
             </a:r>
           </a:p>
           <a:p>
             <a:pPr lvl="3"/>
             <a:r>
-              <a:rPr lang="zh-TW" altLang="en-US" smtClean="0"/>
-              <a:t>第四層</a:t>
+              <a:rPr lang="en-US" altLang="zh-TW" smtClean="0"/>
+              <a:t>Fourth level</a:t>
             </a:r>
           </a:p>
           <a:p>
             <a:pPr lvl="4"/>
             <a:r>
-              <a:rPr lang="zh-TW" altLang="en-US" smtClean="0"/>
-              <a:t>第五層</a:t>
+              <a:rPr lang="en-US" altLang="zh-TW" smtClean="0"/>
+              <a:t>Fifth level</a:t>
             </a:r>
             <a:endParaRPr lang="zh-TW" altLang="en-US"/>
           </a:p>
@@ -455,7 +476,7 @@
           <a:p>
             <a:fld id="{AB55ABB3-4662-401A-B868-CB91799AF64C}" type="datetimeFigureOut">
               <a:rPr lang="zh-TW" altLang="en-US" smtClean="0"/>
-              <a:t>2017/9/16</a:t>
+              <a:t>2020/6/13</a:t>
             </a:fld>
             <a:endParaRPr lang="zh-TW" altLang="en-US"/>
           </a:p>
@@ -504,6 +525,11 @@
         </p:txBody>
       </p:sp>
     </p:spTree>
+    <p:extLst>
+      <p:ext uri="{BB962C8B-B14F-4D97-AF65-F5344CB8AC3E}">
+        <p14:creationId xmlns:p14="http://schemas.microsoft.com/office/powerpoint/2010/main" val="1335762487"/>
+      </p:ext>
+    </p:extLst>
   </p:cSld>
   <p:clrMapOvr>
     <a:masterClrMapping/>
@@ -540,8 +566,8 @@
         </p:nvSpPr>
         <p:spPr>
           <a:xfrm>
-            <a:off x="6629400" y="274638"/>
-            <a:ext cx="2057400" cy="5851525"/>
+            <a:off x="8839200" y="274640"/>
+            <a:ext cx="2743200" cy="5851525"/>
           </a:xfrm>
         </p:spPr>
         <p:txBody>
@@ -549,8 +575,8 @@
           <a:lstStyle/>
           <a:p>
             <a:r>
-              <a:rPr lang="zh-TW" altLang="en-US" smtClean="0"/>
-              <a:t>按一下以編輯母片標題樣式</a:t>
+              <a:rPr lang="en-US" altLang="zh-TW" smtClean="0"/>
+              <a:t>Click to edit Master title style</a:t>
             </a:r>
             <a:endParaRPr lang="zh-TW" altLang="en-US"/>
           </a:p>
@@ -568,8 +594,8 @@
         </p:nvSpPr>
         <p:spPr>
           <a:xfrm>
-            <a:off x="457200" y="274638"/>
-            <a:ext cx="6019800" cy="5851525"/>
+            <a:off x="609600" y="274640"/>
+            <a:ext cx="8026400" cy="5851525"/>
           </a:xfrm>
         </p:spPr>
         <p:txBody>
@@ -578,36 +604,36 @@
           <a:p>
             <a:pPr lvl="0"/>
             <a:r>
-              <a:rPr lang="zh-TW" altLang="en-US" smtClean="0"/>
-              <a:t>按一下以編輯母片文字樣式</a:t>
+              <a:rPr lang="en-US" altLang="zh-TW" smtClean="0"/>
+              <a:t>Edit Master text styles</a:t>
             </a:r>
           </a:p>
           <a:p>
             <a:pPr lvl="1"/>
             <a:r>
-              <a:rPr lang="zh-TW" altLang="en-US" smtClean="0"/>
-              <a:t>第二層</a:t>
+              <a:rPr lang="en-US" altLang="zh-TW" smtClean="0"/>
+              <a:t>Second level</a:t>
             </a:r>
           </a:p>
           <a:p>
             <a:pPr lvl="2"/>
             <a:r>
-              <a:rPr lang="zh-TW" altLang="en-US" smtClean="0"/>
-              <a:t>第三層</a:t>
+              <a:rPr lang="en-US" altLang="zh-TW" smtClean="0"/>
+              <a:t>Third level</a:t>
             </a:r>
           </a:p>
           <a:p>
             <a:pPr lvl="3"/>
             <a:r>
-              <a:rPr lang="zh-TW" altLang="en-US" smtClean="0"/>
-              <a:t>第四層</a:t>
+              <a:rPr lang="en-US" altLang="zh-TW" smtClean="0"/>
+              <a:t>Fourth level</a:t>
             </a:r>
           </a:p>
           <a:p>
             <a:pPr lvl="4"/>
             <a:r>
-              <a:rPr lang="zh-TW" altLang="en-US" smtClean="0"/>
-              <a:t>第五層</a:t>
+              <a:rPr lang="en-US" altLang="zh-TW" smtClean="0"/>
+              <a:t>Fifth level</a:t>
             </a:r>
             <a:endParaRPr lang="zh-TW" altLang="en-US"/>
           </a:p>
@@ -630,7 +656,7 @@
           <a:p>
             <a:fld id="{AB55ABB3-4662-401A-B868-CB91799AF64C}" type="datetimeFigureOut">
               <a:rPr lang="zh-TW" altLang="en-US" smtClean="0"/>
-              <a:t>2017/9/16</a:t>
+              <a:t>2020/6/13</a:t>
             </a:fld>
             <a:endParaRPr lang="zh-TW" altLang="en-US"/>
           </a:p>
@@ -679,6 +705,11 @@
         </p:txBody>
       </p:sp>
     </p:spTree>
+    <p:extLst>
+      <p:ext uri="{BB962C8B-B14F-4D97-AF65-F5344CB8AC3E}">
+        <p14:creationId xmlns:p14="http://schemas.microsoft.com/office/powerpoint/2010/main" val="765404767"/>
+      </p:ext>
+    </p:extLst>
   </p:cSld>
   <p:clrMapOvr>
     <a:masterClrMapping/>
@@ -719,8 +750,8 @@
           <a:lstStyle/>
           <a:p>
             <a:r>
-              <a:rPr lang="zh-TW" altLang="en-US" smtClean="0"/>
-              <a:t>按一下以編輯母片標題樣式</a:t>
+              <a:rPr lang="en-US" altLang="zh-TW" smtClean="0"/>
+              <a:t>Click to edit Master title style</a:t>
             </a:r>
             <a:endParaRPr lang="zh-TW" altLang="en-US"/>
           </a:p>
@@ -743,36 +774,36 @@
           <a:p>
             <a:pPr lvl="0"/>
             <a:r>
-              <a:rPr lang="zh-TW" altLang="en-US" smtClean="0"/>
-              <a:t>按一下以編輯母片文字樣式</a:t>
+              <a:rPr lang="en-US" altLang="zh-TW" smtClean="0"/>
+              <a:t>Edit Master text styles</a:t>
             </a:r>
           </a:p>
           <a:p>
             <a:pPr lvl="1"/>
             <a:r>
-              <a:rPr lang="zh-TW" altLang="en-US" smtClean="0"/>
-              <a:t>第二層</a:t>
+              <a:rPr lang="en-US" altLang="zh-TW" smtClean="0"/>
+              <a:t>Second level</a:t>
             </a:r>
           </a:p>
           <a:p>
             <a:pPr lvl="2"/>
             <a:r>
-              <a:rPr lang="zh-TW" altLang="en-US" smtClean="0"/>
-              <a:t>第三層</a:t>
+              <a:rPr lang="en-US" altLang="zh-TW" smtClean="0"/>
+              <a:t>Third level</a:t>
             </a:r>
           </a:p>
           <a:p>
             <a:pPr lvl="3"/>
             <a:r>
-              <a:rPr lang="zh-TW" altLang="en-US" smtClean="0"/>
-              <a:t>第四層</a:t>
+              <a:rPr lang="en-US" altLang="zh-TW" smtClean="0"/>
+              <a:t>Fourth level</a:t>
             </a:r>
           </a:p>
           <a:p>
             <a:pPr lvl="4"/>
             <a:r>
-              <a:rPr lang="zh-TW" altLang="en-US" smtClean="0"/>
-              <a:t>第五層</a:t>
+              <a:rPr lang="en-US" altLang="zh-TW" smtClean="0"/>
+              <a:t>Fifth level</a:t>
             </a:r>
             <a:endParaRPr lang="zh-TW" altLang="en-US"/>
           </a:p>
@@ -795,7 +826,7 @@
           <a:p>
             <a:fld id="{AB55ABB3-4662-401A-B868-CB91799AF64C}" type="datetimeFigureOut">
               <a:rPr lang="zh-TW" altLang="en-US" smtClean="0"/>
-              <a:t>2017/9/16</a:t>
+              <a:t>2020/6/13</a:t>
             </a:fld>
             <a:endParaRPr lang="zh-TW" altLang="en-US"/>
           </a:p>
@@ -844,6 +875,11 @@
         </p:txBody>
       </p:sp>
     </p:spTree>
+    <p:extLst>
+      <p:ext uri="{BB962C8B-B14F-4D97-AF65-F5344CB8AC3E}">
+        <p14:creationId xmlns:p14="http://schemas.microsoft.com/office/powerpoint/2010/main" val="3236337795"/>
+      </p:ext>
+    </p:extLst>
   </p:cSld>
   <p:clrMapOvr>
     <a:masterClrMapping/>
@@ -880,8 +916,8 @@
         </p:nvSpPr>
         <p:spPr>
           <a:xfrm>
-            <a:off x="722313" y="4406900"/>
-            <a:ext cx="7772400" cy="1362075"/>
+            <a:off x="963084" y="4406902"/>
+            <a:ext cx="10363200" cy="1362075"/>
           </a:xfrm>
         </p:spPr>
         <p:txBody>
@@ -893,8 +929,8 @@
           </a:lstStyle>
           <a:p>
             <a:r>
-              <a:rPr lang="zh-TW" altLang="en-US" smtClean="0"/>
-              <a:t>按一下以編輯母片標題樣式</a:t>
+              <a:rPr lang="en-US" altLang="zh-TW" smtClean="0"/>
+              <a:t>Click to edit Master title style</a:t>
             </a:r>
             <a:endParaRPr lang="zh-TW" altLang="en-US"/>
           </a:p>
@@ -912,8 +948,8 @@
         </p:nvSpPr>
         <p:spPr>
           <a:xfrm>
-            <a:off x="722313" y="2906713"/>
-            <a:ext cx="7772400" cy="1500187"/>
+            <a:off x="963084" y="2906713"/>
+            <a:ext cx="10363200" cy="1500187"/>
           </a:xfrm>
         </p:spPr>
         <p:txBody>
@@ -1013,8 +1049,8 @@
           <a:p>
             <a:pPr lvl="0"/>
             <a:r>
-              <a:rPr lang="zh-TW" altLang="en-US" smtClean="0"/>
-              <a:t>按一下以編輯母片文字樣式</a:t>
+              <a:rPr lang="en-US" altLang="zh-TW" smtClean="0"/>
+              <a:t>Edit Master text styles</a:t>
             </a:r>
           </a:p>
         </p:txBody>
@@ -1036,7 +1072,7 @@
           <a:p>
             <a:fld id="{AB55ABB3-4662-401A-B868-CB91799AF64C}" type="datetimeFigureOut">
               <a:rPr lang="zh-TW" altLang="en-US" smtClean="0"/>
-              <a:t>2017/9/16</a:t>
+              <a:t>2020/6/13</a:t>
             </a:fld>
             <a:endParaRPr lang="zh-TW" altLang="en-US"/>
           </a:p>
@@ -1085,6 +1121,11 @@
         </p:txBody>
       </p:sp>
     </p:spTree>
+    <p:extLst>
+      <p:ext uri="{BB962C8B-B14F-4D97-AF65-F5344CB8AC3E}">
+        <p14:creationId xmlns:p14="http://schemas.microsoft.com/office/powerpoint/2010/main" val="2668284691"/>
+      </p:ext>
+    </p:extLst>
   </p:cSld>
   <p:clrMapOvr>
     <a:masterClrMapping/>
@@ -1125,8 +1166,8 @@
           <a:lstStyle/>
           <a:p>
             <a:r>
-              <a:rPr lang="zh-TW" altLang="en-US" smtClean="0"/>
-              <a:t>按一下以編輯母片標題樣式</a:t>
+              <a:rPr lang="en-US" altLang="zh-TW" smtClean="0"/>
+              <a:t>Click to edit Master title style</a:t>
             </a:r>
             <a:endParaRPr lang="zh-TW" altLang="en-US"/>
           </a:p>
@@ -1144,8 +1185,8 @@
         </p:nvSpPr>
         <p:spPr>
           <a:xfrm>
-            <a:off x="457200" y="1600200"/>
-            <a:ext cx="4038600" cy="4525963"/>
+            <a:off x="609600" y="1600202"/>
+            <a:ext cx="5384800" cy="4525963"/>
           </a:xfrm>
         </p:spPr>
         <p:txBody>
@@ -1182,36 +1223,36 @@
           <a:p>
             <a:pPr lvl="0"/>
             <a:r>
-              <a:rPr lang="zh-TW" altLang="en-US" smtClean="0"/>
-              <a:t>按一下以編輯母片文字樣式</a:t>
+              <a:rPr lang="en-US" altLang="zh-TW" smtClean="0"/>
+              <a:t>Edit Master text styles</a:t>
             </a:r>
           </a:p>
           <a:p>
             <a:pPr lvl="1"/>
             <a:r>
-              <a:rPr lang="zh-TW" altLang="en-US" smtClean="0"/>
-              <a:t>第二層</a:t>
+              <a:rPr lang="en-US" altLang="zh-TW" smtClean="0"/>
+              <a:t>Second level</a:t>
             </a:r>
           </a:p>
           <a:p>
             <a:pPr lvl="2"/>
             <a:r>
-              <a:rPr lang="zh-TW" altLang="en-US" smtClean="0"/>
-              <a:t>第三層</a:t>
+              <a:rPr lang="en-US" altLang="zh-TW" smtClean="0"/>
+              <a:t>Third level</a:t>
             </a:r>
           </a:p>
           <a:p>
             <a:pPr lvl="3"/>
             <a:r>
-              <a:rPr lang="zh-TW" altLang="en-US" smtClean="0"/>
-              <a:t>第四層</a:t>
+              <a:rPr lang="en-US" altLang="zh-TW" smtClean="0"/>
+              <a:t>Fourth level</a:t>
             </a:r>
           </a:p>
           <a:p>
             <a:pPr lvl="4"/>
             <a:r>
-              <a:rPr lang="zh-TW" altLang="en-US" smtClean="0"/>
-              <a:t>第五層</a:t>
+              <a:rPr lang="en-US" altLang="zh-TW" smtClean="0"/>
+              <a:t>Fifth level</a:t>
             </a:r>
             <a:endParaRPr lang="zh-TW" altLang="en-US"/>
           </a:p>
@@ -1229,8 +1270,8 @@
         </p:nvSpPr>
         <p:spPr>
           <a:xfrm>
-            <a:off x="4648200" y="1600200"/>
-            <a:ext cx="4038600" cy="4525963"/>
+            <a:off x="6197600" y="1600202"/>
+            <a:ext cx="5384800" cy="4525963"/>
           </a:xfrm>
         </p:spPr>
         <p:txBody>
@@ -1267,36 +1308,36 @@
           <a:p>
             <a:pPr lvl="0"/>
             <a:r>
-              <a:rPr lang="zh-TW" altLang="en-US" smtClean="0"/>
-              <a:t>按一下以編輯母片文字樣式</a:t>
+              <a:rPr lang="en-US" altLang="zh-TW" smtClean="0"/>
+              <a:t>Edit Master text styles</a:t>
             </a:r>
           </a:p>
           <a:p>
             <a:pPr lvl="1"/>
             <a:r>
-              <a:rPr lang="zh-TW" altLang="en-US" smtClean="0"/>
-              <a:t>第二層</a:t>
+              <a:rPr lang="en-US" altLang="zh-TW" smtClean="0"/>
+              <a:t>Second level</a:t>
             </a:r>
           </a:p>
           <a:p>
             <a:pPr lvl="2"/>
             <a:r>
-              <a:rPr lang="zh-TW" altLang="en-US" smtClean="0"/>
-              <a:t>第三層</a:t>
+              <a:rPr lang="en-US" altLang="zh-TW" smtClean="0"/>
+              <a:t>Third level</a:t>
             </a:r>
           </a:p>
           <a:p>
             <a:pPr lvl="3"/>
             <a:r>
-              <a:rPr lang="zh-TW" altLang="en-US" smtClean="0"/>
-              <a:t>第四層</a:t>
+              <a:rPr lang="en-US" altLang="zh-TW" smtClean="0"/>
+              <a:t>Fourth level</a:t>
             </a:r>
           </a:p>
           <a:p>
             <a:pPr lvl="4"/>
             <a:r>
-              <a:rPr lang="zh-TW" altLang="en-US" smtClean="0"/>
-              <a:t>第五層</a:t>
+              <a:rPr lang="en-US" altLang="zh-TW" smtClean="0"/>
+              <a:t>Fifth level</a:t>
             </a:r>
             <a:endParaRPr lang="zh-TW" altLang="en-US"/>
           </a:p>
@@ -1319,7 +1360,7 @@
           <a:p>
             <a:fld id="{AB55ABB3-4662-401A-B868-CB91799AF64C}" type="datetimeFigureOut">
               <a:rPr lang="zh-TW" altLang="en-US" smtClean="0"/>
-              <a:t>2017/9/16</a:t>
+              <a:t>2020/6/13</a:t>
             </a:fld>
             <a:endParaRPr lang="zh-TW" altLang="en-US"/>
           </a:p>
@@ -1368,6 +1409,11 @@
         </p:txBody>
       </p:sp>
     </p:spTree>
+    <p:extLst>
+      <p:ext uri="{BB962C8B-B14F-4D97-AF65-F5344CB8AC3E}">
+        <p14:creationId xmlns:p14="http://schemas.microsoft.com/office/powerpoint/2010/main" val="3286146120"/>
+      </p:ext>
+    </p:extLst>
   </p:cSld>
   <p:clrMapOvr>
     <a:masterClrMapping/>
@@ -1412,8 +1458,8 @@
           </a:lstStyle>
           <a:p>
             <a:r>
-              <a:rPr lang="zh-TW" altLang="en-US" smtClean="0"/>
-              <a:t>按一下以編輯母片標題樣式</a:t>
+              <a:rPr lang="en-US" altLang="zh-TW" smtClean="0"/>
+              <a:t>Click to edit Master title style</a:t>
             </a:r>
             <a:endParaRPr lang="zh-TW" altLang="en-US"/>
           </a:p>
@@ -1431,8 +1477,8 @@
         </p:nvSpPr>
         <p:spPr>
           <a:xfrm>
-            <a:off x="457200" y="1535113"/>
-            <a:ext cx="4040188" cy="639762"/>
+            <a:off x="609600" y="1535114"/>
+            <a:ext cx="5386917" cy="639763"/>
           </a:xfrm>
         </p:spPr>
         <p:txBody>
@@ -1478,8 +1524,8 @@
           <a:p>
             <a:pPr lvl="0"/>
             <a:r>
-              <a:rPr lang="zh-TW" altLang="en-US" smtClean="0"/>
-              <a:t>按一下以編輯母片文字樣式</a:t>
+              <a:rPr lang="en-US" altLang="zh-TW" smtClean="0"/>
+              <a:t>Edit Master text styles</a:t>
             </a:r>
           </a:p>
         </p:txBody>
@@ -1496,8 +1542,8 @@
         </p:nvSpPr>
         <p:spPr>
           <a:xfrm>
-            <a:off x="457200" y="2174875"/>
-            <a:ext cx="4040188" cy="3951288"/>
+            <a:off x="609600" y="2174875"/>
+            <a:ext cx="5386917" cy="3951288"/>
           </a:xfrm>
         </p:spPr>
         <p:txBody>
@@ -1534,36 +1580,36 @@
           <a:p>
             <a:pPr lvl="0"/>
             <a:r>
-              <a:rPr lang="zh-TW" altLang="en-US" smtClean="0"/>
-              <a:t>按一下以編輯母片文字樣式</a:t>
+              <a:rPr lang="en-US" altLang="zh-TW" smtClean="0"/>
+              <a:t>Edit Master text styles</a:t>
             </a:r>
           </a:p>
           <a:p>
             <a:pPr lvl="1"/>
             <a:r>
-              <a:rPr lang="zh-TW" altLang="en-US" smtClean="0"/>
-              <a:t>第二層</a:t>
+              <a:rPr lang="en-US" altLang="zh-TW" smtClean="0"/>
+              <a:t>Second level</a:t>
             </a:r>
           </a:p>
           <a:p>
             <a:pPr lvl="2"/>
             <a:r>
-              <a:rPr lang="zh-TW" altLang="en-US" smtClean="0"/>
-              <a:t>第三層</a:t>
+              <a:rPr lang="en-US" altLang="zh-TW" smtClean="0"/>
+              <a:t>Third level</a:t>
             </a:r>
           </a:p>
           <a:p>
             <a:pPr lvl="3"/>
             <a:r>
-              <a:rPr lang="zh-TW" altLang="en-US" smtClean="0"/>
-              <a:t>第四層</a:t>
+              <a:rPr lang="en-US" altLang="zh-TW" smtClean="0"/>
+              <a:t>Fourth level</a:t>
             </a:r>
           </a:p>
           <a:p>
             <a:pPr lvl="4"/>
             <a:r>
-              <a:rPr lang="zh-TW" altLang="en-US" smtClean="0"/>
-              <a:t>第五層</a:t>
+              <a:rPr lang="en-US" altLang="zh-TW" smtClean="0"/>
+              <a:t>Fifth level</a:t>
             </a:r>
             <a:endParaRPr lang="zh-TW" altLang="en-US"/>
           </a:p>
@@ -1581,8 +1627,8 @@
         </p:nvSpPr>
         <p:spPr>
           <a:xfrm>
-            <a:off x="4645025" y="1535113"/>
-            <a:ext cx="4041775" cy="639762"/>
+            <a:off x="6193370" y="1535114"/>
+            <a:ext cx="5389033" cy="639763"/>
           </a:xfrm>
         </p:spPr>
         <p:txBody>
@@ -1628,8 +1674,8 @@
           <a:p>
             <a:pPr lvl="0"/>
             <a:r>
-              <a:rPr lang="zh-TW" altLang="en-US" smtClean="0"/>
-              <a:t>按一下以編輯母片文字樣式</a:t>
+              <a:rPr lang="en-US" altLang="zh-TW" smtClean="0"/>
+              <a:t>Edit Master text styles</a:t>
             </a:r>
           </a:p>
         </p:txBody>
@@ -1646,8 +1692,8 @@
         </p:nvSpPr>
         <p:spPr>
           <a:xfrm>
-            <a:off x="4645025" y="2174875"/>
-            <a:ext cx="4041775" cy="3951288"/>
+            <a:off x="6193370" y="2174875"/>
+            <a:ext cx="5389033" cy="3951288"/>
           </a:xfrm>
         </p:spPr>
         <p:txBody>
@@ -1684,36 +1730,36 @@
           <a:p>
             <a:pPr lvl="0"/>
             <a:r>
-              <a:rPr lang="zh-TW" altLang="en-US" smtClean="0"/>
-              <a:t>按一下以編輯母片文字樣式</a:t>
+              <a:rPr lang="en-US" altLang="zh-TW" smtClean="0"/>
+              <a:t>Edit Master text styles</a:t>
             </a:r>
           </a:p>
           <a:p>
             <a:pPr lvl="1"/>
             <a:r>
-              <a:rPr lang="zh-TW" altLang="en-US" smtClean="0"/>
-              <a:t>第二層</a:t>
+              <a:rPr lang="en-US" altLang="zh-TW" smtClean="0"/>
+              <a:t>Second level</a:t>
             </a:r>
           </a:p>
           <a:p>
             <a:pPr lvl="2"/>
             <a:r>
-              <a:rPr lang="zh-TW" altLang="en-US" smtClean="0"/>
-              <a:t>第三層</a:t>
+              <a:rPr lang="en-US" altLang="zh-TW" smtClean="0"/>
+              <a:t>Third level</a:t>
             </a:r>
           </a:p>
           <a:p>
             <a:pPr lvl="3"/>
             <a:r>
-              <a:rPr lang="zh-TW" altLang="en-US" smtClean="0"/>
-              <a:t>第四層</a:t>
+              <a:rPr lang="en-US" altLang="zh-TW" smtClean="0"/>
+              <a:t>Fourth level</a:t>
             </a:r>
           </a:p>
           <a:p>
             <a:pPr lvl="4"/>
             <a:r>
-              <a:rPr lang="zh-TW" altLang="en-US" smtClean="0"/>
-              <a:t>第五層</a:t>
+              <a:rPr lang="en-US" altLang="zh-TW" smtClean="0"/>
+              <a:t>Fifth level</a:t>
             </a:r>
             <a:endParaRPr lang="zh-TW" altLang="en-US"/>
           </a:p>
@@ -1736,7 +1782,7 @@
           <a:p>
             <a:fld id="{AB55ABB3-4662-401A-B868-CB91799AF64C}" type="datetimeFigureOut">
               <a:rPr lang="zh-TW" altLang="en-US" smtClean="0"/>
-              <a:t>2017/9/16</a:t>
+              <a:t>2020/6/13</a:t>
             </a:fld>
             <a:endParaRPr lang="zh-TW" altLang="en-US"/>
           </a:p>
@@ -1785,6 +1831,11 @@
         </p:txBody>
       </p:sp>
     </p:spTree>
+    <p:extLst>
+      <p:ext uri="{BB962C8B-B14F-4D97-AF65-F5344CB8AC3E}">
+        <p14:creationId xmlns:p14="http://schemas.microsoft.com/office/powerpoint/2010/main" val="757981690"/>
+      </p:ext>
+    </p:extLst>
   </p:cSld>
   <p:clrMapOvr>
     <a:masterClrMapping/>
@@ -1825,8 +1876,8 @@
           <a:lstStyle/>
           <a:p>
             <a:r>
-              <a:rPr lang="zh-TW" altLang="en-US" smtClean="0"/>
-              <a:t>按一下以編輯母片標題樣式</a:t>
+              <a:rPr lang="en-US" altLang="zh-TW" smtClean="0"/>
+              <a:t>Click to edit Master title style</a:t>
             </a:r>
             <a:endParaRPr lang="zh-TW" altLang="en-US"/>
           </a:p>
@@ -1849,7 +1900,7 @@
           <a:p>
             <a:fld id="{AB55ABB3-4662-401A-B868-CB91799AF64C}" type="datetimeFigureOut">
               <a:rPr lang="zh-TW" altLang="en-US" smtClean="0"/>
-              <a:t>2017/9/16</a:t>
+              <a:t>2020/6/13</a:t>
             </a:fld>
             <a:endParaRPr lang="zh-TW" altLang="en-US"/>
           </a:p>
@@ -1898,6 +1949,11 @@
         </p:txBody>
       </p:sp>
     </p:spTree>
+    <p:extLst>
+      <p:ext uri="{BB962C8B-B14F-4D97-AF65-F5344CB8AC3E}">
+        <p14:creationId xmlns:p14="http://schemas.microsoft.com/office/powerpoint/2010/main" val="3117691091"/>
+      </p:ext>
+    </p:extLst>
   </p:cSld>
   <p:clrMapOvr>
     <a:masterClrMapping/>
@@ -1939,7 +1995,7 @@
           <a:p>
             <a:fld id="{AB55ABB3-4662-401A-B868-CB91799AF64C}" type="datetimeFigureOut">
               <a:rPr lang="zh-TW" altLang="en-US" smtClean="0"/>
-              <a:t>2017/9/16</a:t>
+              <a:t>2020/6/13</a:t>
             </a:fld>
             <a:endParaRPr lang="zh-TW" altLang="en-US"/>
           </a:p>
@@ -1988,6 +2044,11 @@
         </p:txBody>
       </p:sp>
     </p:spTree>
+    <p:extLst>
+      <p:ext uri="{BB962C8B-B14F-4D97-AF65-F5344CB8AC3E}">
+        <p14:creationId xmlns:p14="http://schemas.microsoft.com/office/powerpoint/2010/main" val="973951365"/>
+      </p:ext>
+    </p:extLst>
   </p:cSld>
   <p:clrMapOvr>
     <a:masterClrMapping/>
@@ -2024,8 +2085,8 @@
         </p:nvSpPr>
         <p:spPr>
           <a:xfrm>
-            <a:off x="457200" y="273050"/>
-            <a:ext cx="3008313" cy="1162050"/>
+            <a:off x="609603" y="273050"/>
+            <a:ext cx="4011084" cy="1162051"/>
           </a:xfrm>
         </p:spPr>
         <p:txBody>
@@ -2037,8 +2098,8 @@
           </a:lstStyle>
           <a:p>
             <a:r>
-              <a:rPr lang="zh-TW" altLang="en-US" smtClean="0"/>
-              <a:t>按一下以編輯母片標題樣式</a:t>
+              <a:rPr lang="en-US" altLang="zh-TW" smtClean="0"/>
+              <a:t>Click to edit Master title style</a:t>
             </a:r>
             <a:endParaRPr lang="zh-TW" altLang="en-US"/>
           </a:p>
@@ -2056,8 +2117,8 @@
         </p:nvSpPr>
         <p:spPr>
           <a:xfrm>
-            <a:off x="3575050" y="273050"/>
-            <a:ext cx="5111750" cy="5853113"/>
+            <a:off x="4766733" y="273053"/>
+            <a:ext cx="6815667" cy="5853113"/>
           </a:xfrm>
         </p:spPr>
         <p:txBody>
@@ -2094,36 +2155,36 @@
           <a:p>
             <a:pPr lvl="0"/>
             <a:r>
-              <a:rPr lang="zh-TW" altLang="en-US" smtClean="0"/>
-              <a:t>按一下以編輯母片文字樣式</a:t>
+              <a:rPr lang="en-US" altLang="zh-TW" smtClean="0"/>
+              <a:t>Edit Master text styles</a:t>
             </a:r>
           </a:p>
           <a:p>
             <a:pPr lvl="1"/>
             <a:r>
-              <a:rPr lang="zh-TW" altLang="en-US" smtClean="0"/>
-              <a:t>第二層</a:t>
+              <a:rPr lang="en-US" altLang="zh-TW" smtClean="0"/>
+              <a:t>Second level</a:t>
             </a:r>
           </a:p>
           <a:p>
             <a:pPr lvl="2"/>
             <a:r>
-              <a:rPr lang="zh-TW" altLang="en-US" smtClean="0"/>
-              <a:t>第三層</a:t>
+              <a:rPr lang="en-US" altLang="zh-TW" smtClean="0"/>
+              <a:t>Third level</a:t>
             </a:r>
           </a:p>
           <a:p>
             <a:pPr lvl="3"/>
             <a:r>
-              <a:rPr lang="zh-TW" altLang="en-US" smtClean="0"/>
-              <a:t>第四層</a:t>
+              <a:rPr lang="en-US" altLang="zh-TW" smtClean="0"/>
+              <a:t>Fourth level</a:t>
             </a:r>
           </a:p>
           <a:p>
             <a:pPr lvl="4"/>
             <a:r>
-              <a:rPr lang="zh-TW" altLang="en-US" smtClean="0"/>
-              <a:t>第五層</a:t>
+              <a:rPr lang="en-US" altLang="zh-TW" smtClean="0"/>
+              <a:t>Fifth level</a:t>
             </a:r>
             <a:endParaRPr lang="zh-TW" altLang="en-US"/>
           </a:p>
@@ -2141,8 +2202,8 @@
         </p:nvSpPr>
         <p:spPr>
           <a:xfrm>
-            <a:off x="457200" y="1435100"/>
-            <a:ext cx="3008313" cy="4691063"/>
+            <a:off x="609603" y="1435103"/>
+            <a:ext cx="4011084" cy="4691063"/>
           </a:xfrm>
         </p:spPr>
         <p:txBody>
@@ -2188,8 +2249,8 @@
           <a:p>
             <a:pPr lvl="0"/>
             <a:r>
-              <a:rPr lang="zh-TW" altLang="en-US" smtClean="0"/>
-              <a:t>按一下以編輯母片文字樣式</a:t>
+              <a:rPr lang="en-US" altLang="zh-TW" smtClean="0"/>
+              <a:t>Edit Master text styles</a:t>
             </a:r>
           </a:p>
         </p:txBody>
@@ -2211,7 +2272,7 @@
           <a:p>
             <a:fld id="{AB55ABB3-4662-401A-B868-CB91799AF64C}" type="datetimeFigureOut">
               <a:rPr lang="zh-TW" altLang="en-US" smtClean="0"/>
-              <a:t>2017/9/16</a:t>
+              <a:t>2020/6/13</a:t>
             </a:fld>
             <a:endParaRPr lang="zh-TW" altLang="en-US"/>
           </a:p>
@@ -2260,6 +2321,11 @@
         </p:txBody>
       </p:sp>
     </p:spTree>
+    <p:extLst>
+      <p:ext uri="{BB962C8B-B14F-4D97-AF65-F5344CB8AC3E}">
+        <p14:creationId xmlns:p14="http://schemas.microsoft.com/office/powerpoint/2010/main" val="2327066286"/>
+      </p:ext>
+    </p:extLst>
   </p:cSld>
   <p:clrMapOvr>
     <a:masterClrMapping/>
@@ -2296,8 +2362,8 @@
         </p:nvSpPr>
         <p:spPr>
           <a:xfrm>
-            <a:off x="1792288" y="4800600"/>
-            <a:ext cx="5486400" cy="566738"/>
+            <a:off x="2389717" y="4800601"/>
+            <a:ext cx="7315200" cy="566739"/>
           </a:xfrm>
         </p:spPr>
         <p:txBody>
@@ -2309,8 +2375,8 @@
           </a:lstStyle>
           <a:p>
             <a:r>
-              <a:rPr lang="zh-TW" altLang="en-US" smtClean="0"/>
-              <a:t>按一下以編輯母片標題樣式</a:t>
+              <a:rPr lang="en-US" altLang="zh-TW" smtClean="0"/>
+              <a:t>Click to edit Master title style</a:t>
             </a:r>
             <a:endParaRPr lang="zh-TW" altLang="en-US"/>
           </a:p>
@@ -2328,8 +2394,8 @@
         </p:nvSpPr>
         <p:spPr>
           <a:xfrm>
-            <a:off x="1792288" y="612775"/>
-            <a:ext cx="5486400" cy="4114800"/>
+            <a:off x="2389717" y="612775"/>
+            <a:ext cx="7315200" cy="4114800"/>
           </a:xfrm>
         </p:spPr>
         <p:txBody>
@@ -2374,8 +2440,8 @@
           </a:lstStyle>
           <a:p>
             <a:r>
-              <a:rPr lang="zh-TW" altLang="en-US" smtClean="0"/>
-              <a:t>按一下圖示以新增圖片</a:t>
+              <a:rPr lang="en-US" altLang="zh-TW" smtClean="0"/>
+              <a:t>Click icon to add picture</a:t>
             </a:r>
             <a:endParaRPr lang="zh-TW" altLang="en-US"/>
           </a:p>
@@ -2393,8 +2459,8 @@
         </p:nvSpPr>
         <p:spPr>
           <a:xfrm>
-            <a:off x="1792288" y="5367338"/>
-            <a:ext cx="5486400" cy="804862"/>
+            <a:off x="2389717" y="5367339"/>
+            <a:ext cx="7315200" cy="804863"/>
           </a:xfrm>
         </p:spPr>
         <p:txBody>
@@ -2440,8 +2506,8 @@
           <a:p>
             <a:pPr lvl="0"/>
             <a:r>
-              <a:rPr lang="zh-TW" altLang="en-US" smtClean="0"/>
-              <a:t>按一下以編輯母片文字樣式</a:t>
+              <a:rPr lang="en-US" altLang="zh-TW" smtClean="0"/>
+              <a:t>Edit Master text styles</a:t>
             </a:r>
           </a:p>
         </p:txBody>
@@ -2463,7 +2529,7 @@
           <a:p>
             <a:fld id="{AB55ABB3-4662-401A-B868-CB91799AF64C}" type="datetimeFigureOut">
               <a:rPr lang="zh-TW" altLang="en-US" smtClean="0"/>
-              <a:t>2017/9/16</a:t>
+              <a:t>2020/6/13</a:t>
             </a:fld>
             <a:endParaRPr lang="zh-TW" altLang="en-US"/>
           </a:p>
@@ -2512,6 +2578,11 @@
         </p:txBody>
       </p:sp>
     </p:spTree>
+    <p:extLst>
+      <p:ext uri="{BB962C8B-B14F-4D97-AF65-F5344CB8AC3E}">
+        <p14:creationId xmlns:p14="http://schemas.microsoft.com/office/powerpoint/2010/main" val="3095655006"/>
+      </p:ext>
+    </p:extLst>
   </p:cSld>
   <p:clrMapOvr>
     <a:masterClrMapping/>
@@ -2558,8 +2629,8 @@
         </p:nvSpPr>
         <p:spPr>
           <a:xfrm>
-            <a:off x="457200" y="274638"/>
-            <a:ext cx="8229600" cy="1143000"/>
+            <a:off x="609600" y="274639"/>
+            <a:ext cx="10972800" cy="1143000"/>
           </a:xfrm>
           <a:prstGeom prst="rect">
             <a:avLst/>
@@ -2591,8 +2662,8 @@
         </p:nvSpPr>
         <p:spPr>
           <a:xfrm>
-            <a:off x="457200" y="1600200"/>
-            <a:ext cx="8229600" cy="4525963"/>
+            <a:off x="609600" y="1600202"/>
+            <a:ext cx="10972800" cy="4525963"/>
           </a:xfrm>
           <a:prstGeom prst="rect">
             <a:avLst/>
@@ -2653,8 +2724,8 @@
         </p:nvSpPr>
         <p:spPr>
           <a:xfrm>
-            <a:off x="457200" y="6356350"/>
-            <a:ext cx="2133600" cy="365125"/>
+            <a:off x="609600" y="6356352"/>
+            <a:ext cx="2844800" cy="365125"/>
           </a:xfrm>
           <a:prstGeom prst="rect">
             <a:avLst/>
@@ -2676,7 +2747,7 @@
           <a:p>
             <a:fld id="{AB55ABB3-4662-401A-B868-CB91799AF64C}" type="datetimeFigureOut">
               <a:rPr lang="zh-TW" altLang="en-US" smtClean="0"/>
-              <a:t>2017/9/16</a:t>
+              <a:t>2020/6/13</a:t>
             </a:fld>
             <a:endParaRPr lang="zh-TW" altLang="en-US"/>
           </a:p>
@@ -2694,8 +2765,8 @@
         </p:nvSpPr>
         <p:spPr>
           <a:xfrm>
-            <a:off x="3124200" y="6356350"/>
-            <a:ext cx="2895600" cy="365125"/>
+            <a:off x="4165600" y="6356352"/>
+            <a:ext cx="3860800" cy="365125"/>
           </a:xfrm>
           <a:prstGeom prst="rect">
             <a:avLst/>
@@ -2731,8 +2802,8 @@
         </p:nvSpPr>
         <p:spPr>
           <a:xfrm>
-            <a:off x="6553200" y="6356350"/>
-            <a:ext cx="2133600" cy="365125"/>
+            <a:off x="8737600" y="6356352"/>
+            <a:ext cx="2844800" cy="365125"/>
           </a:xfrm>
           <a:prstGeom prst="rect">
             <a:avLst/>
@@ -2761,20 +2832,25 @@
         </p:txBody>
       </p:sp>
     </p:spTree>
+    <p:extLst>
+      <p:ext uri="{BB962C8B-B14F-4D97-AF65-F5344CB8AC3E}">
+        <p14:creationId xmlns:p14="http://schemas.microsoft.com/office/powerpoint/2010/main" val="893858022"/>
+      </p:ext>
+    </p:extLst>
   </p:cSld>
   <p:clrMap bg1="lt1" tx1="dk1" bg2="lt2" tx2="dk2" accent1="accent1" accent2="accent2" accent3="accent3" accent4="accent4" accent5="accent5" accent6="accent6" hlink="hlink" folHlink="folHlink"/>
   <p:sldLayoutIdLst>
-    <p:sldLayoutId id="2147483661" r:id="rId1"/>
-    <p:sldLayoutId id="2147483662" r:id="rId2"/>
-    <p:sldLayoutId id="2147483663" r:id="rId3"/>
-    <p:sldLayoutId id="2147483664" r:id="rId4"/>
-    <p:sldLayoutId id="2147483665" r:id="rId5"/>
-    <p:sldLayoutId id="2147483666" r:id="rId6"/>
-    <p:sldLayoutId id="2147483667" r:id="rId7"/>
-    <p:sldLayoutId id="2147483668" r:id="rId8"/>
-    <p:sldLayoutId id="2147483669" r:id="rId9"/>
-    <p:sldLayoutId id="2147483670" r:id="rId10"/>
-    <p:sldLayoutId id="2147483671" r:id="rId11"/>
+    <p:sldLayoutId id="2147483673" r:id="rId1"/>
+    <p:sldLayoutId id="2147483674" r:id="rId2"/>
+    <p:sldLayoutId id="2147483675" r:id="rId3"/>
+    <p:sldLayoutId id="2147483676" r:id="rId4"/>
+    <p:sldLayoutId id="2147483677" r:id="rId5"/>
+    <p:sldLayoutId id="2147483678" r:id="rId6"/>
+    <p:sldLayoutId id="2147483679" r:id="rId7"/>
+    <p:sldLayoutId id="2147483680" r:id="rId8"/>
+    <p:sldLayoutId id="2147483681" r:id="rId9"/>
+    <p:sldLayoutId id="2147483682" r:id="rId10"/>
+    <p:sldLayoutId id="2147483683" r:id="rId11"/>
   </p:sldLayoutIdLst>
   <p:txStyles>
     <p:titleStyle>
@@ -3058,11 +3134,13 @@
         </p:nvSpPr>
         <p:spPr/>
         <p:txBody>
-          <a:bodyPr/>
-          <a:lstStyle/>
-          <a:p>
-            <a:r>
-              <a:rPr lang="zh-TW" altLang="en-US" b="1" dirty="0" smtClean="0">
+          <a:bodyPr>
+            <a:normAutofit/>
+          </a:bodyPr>
+          <a:lstStyle/>
+          <a:p>
+            <a:r>
+              <a:rPr lang="zh-TW" altLang="en-US" sz="4800" b="1" dirty="0" smtClean="0">
                 <a:solidFill>
                   <a:srgbClr val="660033"/>
                 </a:solidFill>
@@ -3071,7 +3149,7 @@
               </a:rPr>
               <a:t>神大愛</a:t>
             </a:r>
-            <a:endParaRPr lang="zh-TW" altLang="en-US" b="1" dirty="0">
+            <a:endParaRPr lang="zh-TW" altLang="en-US" sz="4800" b="1" dirty="0">
               <a:solidFill>
                 <a:srgbClr val="660033"/>
               </a:solidFill>
@@ -3112,7 +3190,7 @@
               <a:t>我唱</a:t>
             </a:r>
             <a:r>
-              <a:rPr lang="zh-TW" altLang="en-US" sz="5400" b="1" dirty="0" smtClean="0">
+              <a:rPr lang="zh-TW" altLang="en-US" sz="5400" b="1" dirty="0">
                 <a:solidFill>
                   <a:srgbClr val="660033"/>
                 </a:solidFill>
@@ -3132,7 +3210,7 @@
               <a:t>大</a:t>
             </a:r>
             <a:r>
-              <a:rPr lang="zh-TW" altLang="en-US" sz="5400" b="1" dirty="0" smtClean="0">
+              <a:rPr lang="zh-TW" altLang="en-US" sz="5400" b="1" dirty="0">
                 <a:solidFill>
                   <a:srgbClr val="660033"/>
                 </a:solidFill>
@@ -3141,7 +3219,7 @@
               </a:rPr>
               <a:t>愛</a:t>
             </a:r>
-            <a:endParaRPr lang="en-US" altLang="zh-TW" sz="5400" b="1" dirty="0" smtClean="0">
+            <a:endParaRPr lang="en-US" altLang="zh-TW" sz="5400" b="1" dirty="0">
               <a:solidFill>
                 <a:srgbClr val="660033"/>
               </a:solidFill>
@@ -3154,7 +3232,7 @@
               <a:buNone/>
             </a:pPr>
             <a:r>
-              <a:rPr lang="zh-TW" altLang="en-US" sz="5400" b="1" dirty="0" smtClean="0">
+              <a:rPr lang="zh-TW" altLang="en-US" sz="5400" b="1" dirty="0">
                 <a:solidFill>
                   <a:srgbClr val="660033"/>
                 </a:solidFill>
@@ -3174,7 +3252,7 @@
               <a:t>豈有難成的</a:t>
             </a:r>
             <a:r>
-              <a:rPr lang="zh-TW" altLang="en-US" sz="5400" b="1" dirty="0" smtClean="0">
+              <a:rPr lang="zh-TW" altLang="en-US" sz="5400" b="1" dirty="0">
                 <a:solidFill>
                   <a:srgbClr val="660033"/>
                 </a:solidFill>
@@ -3183,7 +3261,7 @@
               </a:rPr>
               <a:t>事</a:t>
             </a:r>
-            <a:endParaRPr lang="en-US" altLang="zh-TW" sz="5400" b="1" dirty="0" smtClean="0">
+            <a:endParaRPr lang="en-US" altLang="zh-TW" sz="5400" b="1" dirty="0">
               <a:solidFill>
                 <a:srgbClr val="660033"/>
               </a:solidFill>
@@ -3196,7 +3274,7 @@
               <a:buNone/>
             </a:pPr>
             <a:r>
-              <a:rPr lang="zh-TW" altLang="en-US" sz="5400" b="1" dirty="0" smtClean="0">
+              <a:rPr lang="zh-TW" altLang="en-US" sz="5400" b="1" dirty="0">
                 <a:solidFill>
                   <a:srgbClr val="660033"/>
                 </a:solidFill>
@@ -3216,7 +3294,7 @@
               <a:t>起</a:t>
             </a:r>
             <a:r>
-              <a:rPr lang="zh-TW" altLang="en-US" sz="5400" b="1" dirty="0" smtClean="0">
+              <a:rPr lang="zh-TW" altLang="en-US" sz="5400" b="1" dirty="0">
                 <a:solidFill>
                   <a:srgbClr val="660033"/>
                 </a:solidFill>
@@ -3225,7 +3303,7 @@
               </a:rPr>
               <a:t>跌</a:t>
             </a:r>
-            <a:endParaRPr lang="en-US" altLang="zh-TW" sz="5400" b="1" dirty="0" smtClean="0">
+            <a:endParaRPr lang="en-US" altLang="zh-TW" sz="5400" b="1" dirty="0">
               <a:solidFill>
                 <a:srgbClr val="660033"/>
               </a:solidFill>
@@ -3238,6 +3316,16 @@
               <a:buNone/>
             </a:pPr>
             <a:r>
+              <a:rPr lang="zh-CN" altLang="en-US" sz="5400" b="1" dirty="0" smtClean="0">
+                <a:solidFill>
+                  <a:srgbClr val="660033"/>
+                </a:solidFill>
+                <a:latin typeface="微軟正黑體" pitchFamily="34" charset="-120"/>
+                <a:ea typeface="微軟正黑體" pitchFamily="34" charset="-120"/>
+              </a:rPr>
+              <a:t>袮</a:t>
+            </a:r>
+            <a:r>
               <a:rPr lang="zh-TW" altLang="en-US" sz="5400" b="1" dirty="0" smtClean="0">
                 <a:solidFill>
                   <a:srgbClr val="660033"/>
@@ -3245,7 +3333,7 @@
                 <a:latin typeface="微軟正黑體" pitchFamily="34" charset="-120"/>
                 <a:ea typeface="微軟正黑體" pitchFamily="34" charset="-120"/>
               </a:rPr>
-              <a:t>你</a:t>
+              <a:t>話</a:t>
             </a:r>
             <a:r>
               <a:rPr lang="zh-TW" altLang="en-US" sz="5400" b="1" dirty="0">
@@ -3255,7 +3343,7 @@
                 <a:latin typeface="微軟正黑體" pitchFamily="34" charset="-120"/>
                 <a:ea typeface="微軟正黑體" pitchFamily="34" charset="-120"/>
               </a:rPr>
-              <a:t>話語叫我永不動搖</a:t>
+              <a:t>語叫我永不動搖</a:t>
             </a:r>
           </a:p>
         </p:txBody>
@@ -3297,11 +3385,13 @@
         </p:nvSpPr>
         <p:spPr/>
         <p:txBody>
-          <a:bodyPr/>
-          <a:lstStyle/>
-          <a:p>
-            <a:r>
-              <a:rPr lang="zh-TW" altLang="en-US" b="1" dirty="0" smtClean="0">
+          <a:bodyPr>
+            <a:normAutofit/>
+          </a:bodyPr>
+          <a:lstStyle/>
+          <a:p>
+            <a:r>
+              <a:rPr lang="zh-TW" altLang="en-US" sz="4800" b="1" dirty="0" smtClean="0">
                 <a:solidFill>
                   <a:srgbClr val="660033"/>
                 </a:solidFill>
@@ -3310,7 +3400,7 @@
               </a:rPr>
               <a:t>神大愛</a:t>
             </a:r>
-            <a:endParaRPr lang="zh-TW" altLang="en-US" b="1" dirty="0">
+            <a:endParaRPr lang="zh-TW" altLang="en-US" sz="4800" b="1" dirty="0">
               <a:solidFill>
                 <a:srgbClr val="660033"/>
               </a:solidFill>
@@ -3341,6 +3431,16 @@
               <a:buNone/>
             </a:pPr>
             <a:r>
+              <a:rPr lang="zh-TW" altLang="en-US" sz="5400" b="1" dirty="0">
+                <a:solidFill>
+                  <a:srgbClr val="660033"/>
+                </a:solidFill>
+                <a:latin typeface="微軟正黑體" pitchFamily="34" charset="-120"/>
+                <a:ea typeface="微軟正黑體" pitchFamily="34" charset="-120"/>
+              </a:rPr>
+              <a:t>在世間  能</a:t>
+            </a:r>
+            <a:r>
               <a:rPr lang="zh-TW" altLang="en-US" sz="5400" b="1" dirty="0" smtClean="0">
                 <a:solidFill>
                   <a:srgbClr val="660033"/>
@@ -3348,39 +3448,19 @@
                 <a:latin typeface="微軟正黑體" pitchFamily="34" charset="-120"/>
                 <a:ea typeface="微軟正黑體" pitchFamily="34" charset="-120"/>
               </a:rPr>
-              <a:t>在</a:t>
-            </a:r>
-            <a:r>
-              <a:rPr lang="zh-TW" altLang="en-US" sz="5400" b="1" dirty="0" smtClean="0">
-                <a:solidFill>
-                  <a:srgbClr val="660033"/>
-                </a:solidFill>
-                <a:latin typeface="微軟正黑體" pitchFamily="34" charset="-120"/>
-                <a:ea typeface="微軟正黑體" pitchFamily="34" charset="-120"/>
-              </a:rPr>
-              <a:t>世間  能</a:t>
-            </a:r>
-            <a:r>
-              <a:rPr lang="zh-TW" altLang="en-US" sz="5400" b="1" dirty="0" smtClean="0">
-                <a:solidFill>
-                  <a:srgbClr val="660033"/>
-                </a:solidFill>
-                <a:latin typeface="微軟正黑體" pitchFamily="34" charset="-120"/>
-                <a:ea typeface="微軟正黑體" pitchFamily="34" charset="-120"/>
-              </a:rPr>
               <a:t>遇</a:t>
             </a:r>
             <a:r>
-              <a:rPr lang="zh-TW" altLang="en-US" sz="5400" b="1" dirty="0" smtClean="0">
-                <a:solidFill>
-                  <a:srgbClr val="660033"/>
-                </a:solidFill>
-                <a:latin typeface="微軟正黑體" pitchFamily="34" charset="-120"/>
-                <a:ea typeface="微軟正黑體" pitchFamily="34" charset="-120"/>
-              </a:rPr>
-              <a:t>你</a:t>
-            </a:r>
-            <a:endParaRPr lang="en-US" altLang="zh-TW" sz="5400" b="1" dirty="0" smtClean="0">
+              <a:rPr lang="zh-CN" altLang="en-US" sz="5400" b="1" dirty="0">
+                <a:solidFill>
+                  <a:srgbClr val="660033"/>
+                </a:solidFill>
+                <a:latin typeface="微軟正黑體" pitchFamily="34" charset="-120"/>
+                <a:ea typeface="微軟正黑體" pitchFamily="34" charset="-120"/>
+              </a:rPr>
+              <a:t>袮</a:t>
+            </a:r>
+            <a:endParaRPr lang="en-US" altLang="zh-TW" sz="5400" b="1" dirty="0">
               <a:solidFill>
                 <a:srgbClr val="660033"/>
               </a:solidFill>
@@ -3393,36 +3473,16 @@
               <a:buNone/>
             </a:pPr>
             <a:r>
-              <a:rPr lang="zh-TW" altLang="en-US" sz="5400" b="1" dirty="0" smtClean="0">
-                <a:solidFill>
-                  <a:srgbClr val="660033"/>
-                </a:solidFill>
-                <a:latin typeface="微軟正黑體" pitchFamily="34" charset="-120"/>
-                <a:ea typeface="微軟正黑體" pitchFamily="34" charset="-120"/>
-              </a:rPr>
-              <a:t>迷</a:t>
-            </a:r>
-            <a:r>
-              <a:rPr lang="zh-TW" altLang="en-US" sz="5400" b="1" dirty="0" smtClean="0">
-                <a:solidFill>
-                  <a:srgbClr val="660033"/>
-                </a:solidFill>
-                <a:latin typeface="微軟正黑體" pitchFamily="34" charset="-120"/>
-                <a:ea typeface="微軟正黑體" pitchFamily="34" charset="-120"/>
-              </a:rPr>
-              <a:t>了路有主</a:t>
-            </a:r>
-            <a:r>
-              <a:rPr lang="zh-TW" altLang="en-US" sz="5400" b="1" dirty="0" smtClean="0">
-                <a:solidFill>
-                  <a:srgbClr val="660033"/>
-                </a:solidFill>
-                <a:latin typeface="微軟正黑體" pitchFamily="34" charset="-120"/>
-                <a:ea typeface="微軟正黑體" pitchFamily="34" charset="-120"/>
-              </a:rPr>
-              <a:t>引導</a:t>
-            </a:r>
-            <a:endParaRPr lang="en-US" altLang="zh-TW" sz="5400" b="1" dirty="0" smtClean="0">
+              <a:rPr lang="zh-TW" altLang="en-US" sz="5400" b="1" dirty="0">
+                <a:solidFill>
+                  <a:srgbClr val="660033"/>
+                </a:solidFill>
+                <a:latin typeface="微軟正黑體" pitchFamily="34" charset="-120"/>
+                <a:ea typeface="微軟正黑體" pitchFamily="34" charset="-120"/>
+              </a:rPr>
+              <a:t>迷了路有主引導</a:t>
+            </a:r>
+            <a:endParaRPr lang="en-US" altLang="zh-TW" sz="5400" b="1" dirty="0">
               <a:solidFill>
                 <a:srgbClr val="660033"/>
               </a:solidFill>
@@ -3435,7 +3495,7 @@
               <a:buNone/>
             </a:pPr>
             <a:r>
-              <a:rPr lang="zh-TW" altLang="en-US" sz="5400" b="1" dirty="0" smtClean="0">
+              <a:rPr lang="zh-TW" altLang="en-US" sz="5400" b="1" dirty="0">
                 <a:solidFill>
                   <a:srgbClr val="660033"/>
                 </a:solidFill>
@@ -3444,7 +3504,7 @@
               </a:rPr>
               <a:t>常施恩  常看顧</a:t>
             </a:r>
-            <a:endParaRPr lang="en-US" altLang="zh-TW" sz="5400" b="1" dirty="0" smtClean="0">
+            <a:endParaRPr lang="en-US" altLang="zh-TW" sz="5400" b="1" dirty="0">
               <a:solidFill>
                 <a:srgbClr val="660033"/>
               </a:solidFill>
@@ -3457,6 +3517,16 @@
               <a:buNone/>
             </a:pPr>
             <a:r>
+              <a:rPr lang="zh-CN" altLang="en-US" sz="5400" b="1" dirty="0">
+                <a:solidFill>
+                  <a:srgbClr val="660033"/>
+                </a:solidFill>
+                <a:latin typeface="微軟正黑體" pitchFamily="34" charset="-120"/>
+                <a:ea typeface="微軟正黑體" pitchFamily="34" charset="-120"/>
+              </a:rPr>
+              <a:t>袮</a:t>
+            </a:r>
+            <a:r>
               <a:rPr lang="zh-TW" altLang="en-US" sz="5400" b="1" dirty="0" smtClean="0">
                 <a:solidFill>
                   <a:srgbClr val="660033"/>
@@ -3464,7 +3534,17 @@
                 <a:latin typeface="微軟正黑體" pitchFamily="34" charset="-120"/>
                 <a:ea typeface="微軟正黑體" pitchFamily="34" charset="-120"/>
               </a:rPr>
-              <a:t>你</a:t>
+              <a:t>杖</a:t>
+            </a:r>
+            <a:r>
+              <a:rPr lang="zh-TW" altLang="en-US" sz="5400" b="1" dirty="0">
+                <a:solidFill>
+                  <a:srgbClr val="660033"/>
+                </a:solidFill>
+                <a:latin typeface="微軟正黑體" pitchFamily="34" charset="-120"/>
+                <a:ea typeface="微軟正黑體" pitchFamily="34" charset="-120"/>
+              </a:rPr>
+              <a:t>扶</a:t>
             </a:r>
             <a:r>
               <a:rPr lang="zh-TW" altLang="en-US" sz="5400" b="1" dirty="0" smtClean="0">
@@ -3474,7 +3554,17 @@
                 <a:latin typeface="微軟正黑體" pitchFamily="34" charset="-120"/>
                 <a:ea typeface="微軟正黑體" pitchFamily="34" charset="-120"/>
               </a:rPr>
-              <a:t>杖</a:t>
+              <a:t>持  </a:t>
+            </a:r>
+            <a:r>
+              <a:rPr lang="zh-CN" altLang="en-US" sz="5400" b="1" dirty="0" smtClean="0">
+                <a:solidFill>
+                  <a:srgbClr val="660033"/>
+                </a:solidFill>
+                <a:latin typeface="微軟正黑體" pitchFamily="34" charset="-120"/>
+                <a:ea typeface="微軟正黑體" pitchFamily="34" charset="-120"/>
+              </a:rPr>
+              <a:t>袮</a:t>
             </a:r>
             <a:r>
               <a:rPr lang="zh-TW" altLang="en-US" sz="5400" b="1" dirty="0" smtClean="0">
@@ -3484,17 +3574,17 @@
                 <a:latin typeface="微軟正黑體" pitchFamily="34" charset="-120"/>
                 <a:ea typeface="微軟正黑體" pitchFamily="34" charset="-120"/>
               </a:rPr>
-              <a:t>扶持  你</a:t>
-            </a:r>
-            <a:r>
-              <a:rPr lang="zh-TW" altLang="en-US" sz="5400" b="1" dirty="0" smtClean="0">
-                <a:solidFill>
-                  <a:srgbClr val="660033"/>
-                </a:solidFill>
-                <a:latin typeface="微軟正黑體" pitchFamily="34" charset="-120"/>
-                <a:ea typeface="微軟正黑體" pitchFamily="34" charset="-120"/>
-              </a:rPr>
-              <a:t>竿引領</a:t>
+              <a:t>竿</a:t>
+            </a:r>
+            <a:r>
+              <a:rPr lang="zh-TW" altLang="en-US" sz="5400" b="1" dirty="0">
+                <a:solidFill>
+                  <a:srgbClr val="660033"/>
+                </a:solidFill>
+                <a:latin typeface="微軟正黑體" pitchFamily="34" charset="-120"/>
+                <a:ea typeface="微軟正黑體" pitchFamily="34" charset="-120"/>
+              </a:rPr>
+              <a:t>引領</a:t>
             </a:r>
             <a:endParaRPr lang="zh-TW" altLang="en-US" sz="5400" b="1" dirty="0">
               <a:solidFill>
@@ -3543,11 +3633,13 @@
         </p:nvSpPr>
         <p:spPr/>
         <p:txBody>
-          <a:bodyPr/>
-          <a:lstStyle/>
-          <a:p>
-            <a:r>
-              <a:rPr lang="zh-TW" altLang="en-US" b="1" dirty="0" smtClean="0">
+          <a:bodyPr>
+            <a:normAutofit/>
+          </a:bodyPr>
+          <a:lstStyle/>
+          <a:p>
+            <a:r>
+              <a:rPr lang="zh-TW" altLang="en-US" sz="4800" b="1" dirty="0" smtClean="0">
                 <a:solidFill>
                   <a:srgbClr val="660033"/>
                 </a:solidFill>
@@ -3556,7 +3648,7 @@
               </a:rPr>
               <a:t>神大愛</a:t>
             </a:r>
-            <a:endParaRPr lang="zh-TW" altLang="en-US" b="1" dirty="0">
+            <a:endParaRPr lang="zh-TW" altLang="en-US" sz="4800" b="1" dirty="0">
               <a:solidFill>
                 <a:srgbClr val="660033"/>
               </a:solidFill>
@@ -3587,6 +3679,16 @@
               <a:buNone/>
             </a:pPr>
             <a:r>
+              <a:rPr lang="zh-TW" altLang="en-US" sz="5400" b="1" dirty="0">
+                <a:solidFill>
+                  <a:srgbClr val="660033"/>
+                </a:solidFill>
+                <a:latin typeface="微軟正黑體" pitchFamily="34" charset="-120"/>
+                <a:ea typeface="微軟正黑體" pitchFamily="34" charset="-120"/>
+              </a:rPr>
+              <a:t>何時我跌倒  何</a:t>
+            </a:r>
+            <a:r>
               <a:rPr lang="zh-TW" altLang="en-US" sz="5400" b="1" dirty="0" smtClean="0">
                 <a:solidFill>
                   <a:srgbClr val="660033"/>
@@ -3594,7 +3696,17 @@
                 <a:latin typeface="微軟正黑體" pitchFamily="34" charset="-120"/>
                 <a:ea typeface="微軟正黑體" pitchFamily="34" charset="-120"/>
               </a:rPr>
-              <a:t>何時我</a:t>
+              <a:t>時</a:t>
+            </a:r>
+            <a:r>
+              <a:rPr lang="zh-CN" altLang="en-US" sz="5400" b="1" dirty="0">
+                <a:solidFill>
+                  <a:srgbClr val="660033"/>
+                </a:solidFill>
+                <a:latin typeface="微軟正黑體" pitchFamily="34" charset="-120"/>
+                <a:ea typeface="微軟正黑體" pitchFamily="34" charset="-120"/>
+              </a:rPr>
+              <a:t>袮</a:t>
             </a:r>
             <a:r>
               <a:rPr lang="zh-TW" altLang="en-US" sz="5400" b="1" dirty="0" smtClean="0">
@@ -3604,29 +3716,19 @@
                 <a:latin typeface="微軟正黑體" pitchFamily="34" charset="-120"/>
                 <a:ea typeface="微軟正黑體" pitchFamily="34" charset="-120"/>
               </a:rPr>
-              <a:t>跌倒  何時</a:t>
-            </a:r>
-            <a:r>
-              <a:rPr lang="zh-TW" altLang="en-US" sz="5400" b="1" dirty="0" smtClean="0">
-                <a:solidFill>
-                  <a:srgbClr val="660033"/>
-                </a:solidFill>
-                <a:latin typeface="微軟正黑體" pitchFamily="34" charset="-120"/>
-                <a:ea typeface="微軟正黑體" pitchFamily="34" charset="-120"/>
-              </a:rPr>
-              <a:t>你</a:t>
-            </a:r>
-            <a:r>
-              <a:rPr lang="zh-TW" altLang="en-US" sz="5400" b="1" dirty="0" smtClean="0">
-                <a:solidFill>
-                  <a:srgbClr val="660033"/>
-                </a:solidFill>
-                <a:latin typeface="微軟正黑體" pitchFamily="34" charset="-120"/>
-                <a:ea typeface="微軟正黑體" pitchFamily="34" charset="-120"/>
-              </a:rPr>
-              <a:t>扶持</a:t>
-            </a:r>
-            <a:endParaRPr lang="en-US" altLang="zh-TW" sz="5400" b="1" dirty="0" smtClean="0">
+              <a:t>扶</a:t>
+            </a:r>
+            <a:r>
+              <a:rPr lang="zh-TW" altLang="en-US" sz="5400" b="1" dirty="0">
+                <a:solidFill>
+                  <a:srgbClr val="660033"/>
+                </a:solidFill>
+                <a:latin typeface="微軟正黑體" pitchFamily="34" charset="-120"/>
+                <a:ea typeface="微軟正黑體" pitchFamily="34" charset="-120"/>
+              </a:rPr>
+              <a:t>持</a:t>
+            </a:r>
+            <a:endParaRPr lang="en-US" altLang="zh-TW" sz="5400" b="1" dirty="0">
               <a:solidFill>
                 <a:srgbClr val="660033"/>
               </a:solidFill>
@@ -3639,6 +3741,16 @@
               <a:buNone/>
             </a:pPr>
             <a:r>
+              <a:rPr lang="zh-TW" altLang="en-US" sz="5400" b="1" dirty="0">
+                <a:solidFill>
+                  <a:srgbClr val="660033"/>
+                </a:solidFill>
+                <a:latin typeface="微軟正黑體" pitchFamily="34" charset="-120"/>
+                <a:ea typeface="微軟正黑體" pitchFamily="34" charset="-120"/>
+              </a:rPr>
+              <a:t>危難遇風</a:t>
+            </a:r>
+            <a:r>
               <a:rPr lang="zh-TW" altLang="en-US" sz="5400" b="1" dirty="0" smtClean="0">
                 <a:solidFill>
                   <a:srgbClr val="660033"/>
@@ -3646,7 +3758,17 @@
                 <a:latin typeface="微軟正黑體" pitchFamily="34" charset="-120"/>
                 <a:ea typeface="微軟正黑體" pitchFamily="34" charset="-120"/>
               </a:rPr>
-              <a:t>危難</a:t>
+              <a:t>雪  </a:t>
+            </a:r>
+            <a:r>
+              <a:rPr lang="zh-CN" altLang="en-US" sz="5400" b="1" dirty="0" smtClean="0">
+                <a:solidFill>
+                  <a:srgbClr val="660033"/>
+                </a:solidFill>
+                <a:latin typeface="微軟正黑體" pitchFamily="34" charset="-120"/>
+                <a:ea typeface="微軟正黑體" pitchFamily="34" charset="-120"/>
+              </a:rPr>
+              <a:t>袮</a:t>
             </a:r>
             <a:r>
               <a:rPr lang="zh-TW" altLang="en-US" sz="5400" b="1" dirty="0" smtClean="0">
@@ -3656,30 +3778,10 @@
                 <a:latin typeface="微軟正黑體" pitchFamily="34" charset="-120"/>
                 <a:ea typeface="微軟正黑體" pitchFamily="34" charset="-120"/>
               </a:rPr>
-              <a:t>遇風</a:t>
-            </a:r>
-            <a:r>
-              <a:rPr lang="zh-TW" altLang="en-US" sz="5400" b="1" dirty="0" smtClean="0">
-                <a:solidFill>
-                  <a:srgbClr val="660033"/>
-                </a:solidFill>
-                <a:latin typeface="微軟正黑體" pitchFamily="34" charset="-120"/>
-                <a:ea typeface="微軟正黑體" pitchFamily="34" charset="-120"/>
-              </a:rPr>
-              <a:t>雪  你</a:t>
-            </a:r>
-            <a:r>
-              <a:rPr lang="zh-TW" altLang="en-US" sz="5400" b="1" dirty="0" smtClean="0">
-                <a:solidFill>
-                  <a:srgbClr val="660033"/>
-                </a:solidFill>
-                <a:latin typeface="微軟正黑體" pitchFamily="34" charset="-120"/>
-                <a:ea typeface="微軟正黑體" pitchFamily="34" charset="-120"/>
-              </a:rPr>
               <a:t>必</a:t>
             </a:r>
             <a:r>
-              <a:rPr lang="zh-TW" altLang="en-US" sz="5400" b="1" dirty="0" smtClean="0">
+              <a:rPr lang="zh-TW" altLang="en-US" sz="5400" b="1" dirty="0">
                 <a:solidFill>
                   <a:srgbClr val="660033"/>
                 </a:solidFill>
@@ -3688,7 +3790,7 @@
               </a:rPr>
               <a:t>庇佑</a:t>
             </a:r>
-            <a:endParaRPr lang="en-US" altLang="zh-TW" sz="5400" b="1" dirty="0" smtClean="0">
+            <a:endParaRPr lang="en-US" altLang="zh-TW" sz="5400" b="1" dirty="0">
               <a:solidFill>
                 <a:srgbClr val="660033"/>
               </a:solidFill>
@@ -3701,6 +3803,16 @@
               <a:buNone/>
             </a:pPr>
             <a:r>
+              <a:rPr lang="zh-TW" altLang="en-US" sz="5400" b="1" dirty="0">
+                <a:solidFill>
+                  <a:srgbClr val="660033"/>
+                </a:solidFill>
+                <a:latin typeface="微軟正黑體" pitchFamily="34" charset="-120"/>
+                <a:ea typeface="微軟正黑體" pitchFamily="34" charset="-120"/>
+              </a:rPr>
+              <a:t>前途</a:t>
+            </a:r>
+            <a:r>
               <a:rPr lang="zh-TW" altLang="en-US" sz="5400" b="1" dirty="0" smtClean="0">
                 <a:solidFill>
                   <a:srgbClr val="660033"/>
@@ -3708,7 +3820,17 @@
                 <a:latin typeface="微軟正黑體" pitchFamily="34" charset="-120"/>
                 <a:ea typeface="微軟正黑體" pitchFamily="34" charset="-120"/>
               </a:rPr>
-              <a:t>前途</a:t>
+              <a:t>在</a:t>
+            </a:r>
+            <a:r>
+              <a:rPr lang="zh-CN" altLang="en-US" sz="5400" b="1" dirty="0">
+                <a:solidFill>
+                  <a:srgbClr val="660033"/>
+                </a:solidFill>
+                <a:latin typeface="微軟正黑體" pitchFamily="34" charset="-120"/>
+                <a:ea typeface="微軟正黑體" pitchFamily="34" charset="-120"/>
+              </a:rPr>
+              <a:t>袮</a:t>
             </a:r>
             <a:r>
               <a:rPr lang="zh-TW" altLang="en-US" sz="5400" b="1" dirty="0" smtClean="0">
@@ -3718,39 +3840,19 @@
                 <a:latin typeface="微軟正黑體" pitchFamily="34" charset="-120"/>
                 <a:ea typeface="微軟正黑體" pitchFamily="34" charset="-120"/>
               </a:rPr>
-              <a:t>在你</a:t>
-            </a:r>
-            <a:r>
-              <a:rPr lang="zh-TW" altLang="en-US" sz="5400" b="1" dirty="0" smtClean="0">
-                <a:solidFill>
-                  <a:srgbClr val="660033"/>
-                </a:solidFill>
-                <a:latin typeface="微軟正黑體" pitchFamily="34" charset="-120"/>
-                <a:ea typeface="微軟正黑體" pitchFamily="34" charset="-120"/>
-              </a:rPr>
-              <a:t>手  牽</a:t>
-            </a:r>
-            <a:r>
-              <a:rPr lang="zh-TW" altLang="en-US" sz="5400" b="1" dirty="0" smtClean="0">
-                <a:solidFill>
-                  <a:srgbClr val="660033"/>
-                </a:solidFill>
-                <a:latin typeface="微軟正黑體" pitchFamily="34" charset="-120"/>
-                <a:ea typeface="微軟正黑體" pitchFamily="34" charset="-120"/>
-              </a:rPr>
-              <a:t>我到</a:t>
-            </a:r>
-            <a:r>
-              <a:rPr lang="zh-TW" altLang="en-US" sz="5400" b="1" dirty="0" smtClean="0">
-                <a:solidFill>
-                  <a:srgbClr val="660033"/>
-                </a:solidFill>
-                <a:latin typeface="微軟正黑體" pitchFamily="34" charset="-120"/>
-                <a:ea typeface="微軟正黑體" pitchFamily="34" charset="-120"/>
-              </a:rPr>
-              <a:t>白頭</a:t>
-            </a:r>
-            <a:endParaRPr lang="en-US" altLang="zh-TW" sz="5400" b="1" dirty="0" smtClean="0">
+              <a:t>手  </a:t>
+            </a:r>
+            <a:r>
+              <a:rPr lang="zh-TW" altLang="en-US" sz="5400" b="1" dirty="0">
+                <a:solidFill>
+                  <a:srgbClr val="660033"/>
+                </a:solidFill>
+                <a:latin typeface="微軟正黑體" pitchFamily="34" charset="-120"/>
+                <a:ea typeface="微軟正黑體" pitchFamily="34" charset="-120"/>
+              </a:rPr>
+              <a:t>牽我到白頭</a:t>
+            </a:r>
+            <a:endParaRPr lang="en-US" altLang="zh-TW" sz="5400" b="1" dirty="0">
               <a:solidFill>
                 <a:srgbClr val="660033"/>
               </a:solidFill>
@@ -3763,36 +3865,16 @@
               <a:buNone/>
             </a:pPr>
             <a:r>
-              <a:rPr lang="zh-TW" altLang="en-US" sz="5400" b="1" smtClean="0">
-                <a:solidFill>
-                  <a:srgbClr val="660033"/>
-                </a:solidFill>
-                <a:latin typeface="微軟正黑體" pitchFamily="34" charset="-120"/>
-                <a:ea typeface="微軟正黑體" pitchFamily="34" charset="-120"/>
-              </a:rPr>
-              <a:t>守護我  從</a:t>
-            </a:r>
-            <a:r>
-              <a:rPr lang="zh-TW" altLang="en-US" sz="5400" b="1" dirty="0" smtClean="0">
-                <a:solidFill>
-                  <a:srgbClr val="660033"/>
-                </a:solidFill>
-                <a:latin typeface="微軟正黑體" pitchFamily="34" charset="-120"/>
-                <a:ea typeface="微軟正黑體" pitchFamily="34" charset="-120"/>
-              </a:rPr>
-              <a:t>今天</a:t>
-            </a:r>
-            <a:r>
-              <a:rPr lang="zh-TW" altLang="en-US" sz="5400" b="1" dirty="0" smtClean="0">
-                <a:solidFill>
-                  <a:srgbClr val="660033"/>
-                </a:solidFill>
-                <a:latin typeface="微軟正黑體" pitchFamily="34" charset="-120"/>
-                <a:ea typeface="微軟正黑體" pitchFamily="34" charset="-120"/>
-              </a:rPr>
-              <a:t>起</a:t>
-            </a:r>
-            <a:endParaRPr lang="en-US" altLang="zh-TW" sz="5400" b="1" dirty="0" smtClean="0">
+              <a:rPr lang="zh-TW" altLang="en-US" sz="5400" b="1" dirty="0">
+                <a:solidFill>
+                  <a:srgbClr val="660033"/>
+                </a:solidFill>
+                <a:latin typeface="微軟正黑體" pitchFamily="34" charset="-120"/>
+                <a:ea typeface="微軟正黑體" pitchFamily="34" charset="-120"/>
+              </a:rPr>
+              <a:t>守護我  從今天起</a:t>
+            </a:r>
+            <a:endParaRPr lang="en-US" altLang="zh-TW" sz="5400" b="1" dirty="0">
               <a:solidFill>
                 <a:srgbClr val="660033"/>
               </a:solidFill>
@@ -3805,24 +3887,14 @@
               <a:buNone/>
             </a:pPr>
             <a:r>
-              <a:rPr lang="zh-TW" altLang="en-US" sz="5400" b="1" dirty="0" smtClean="0">
-                <a:solidFill>
-                  <a:srgbClr val="660033"/>
-                </a:solidFill>
-                <a:latin typeface="微軟正黑體" pitchFamily="34" charset="-120"/>
-                <a:ea typeface="微軟正黑體" pitchFamily="34" charset="-120"/>
-              </a:rPr>
-              <a:t>直到</a:t>
-            </a:r>
-            <a:r>
-              <a:rPr lang="zh-TW" altLang="en-US" sz="5400" b="1" dirty="0" smtClean="0">
-                <a:solidFill>
-                  <a:srgbClr val="660033"/>
-                </a:solidFill>
-                <a:latin typeface="微軟正黑體" pitchFamily="34" charset="-120"/>
-                <a:ea typeface="微軟正黑體" pitchFamily="34" charset="-120"/>
-              </a:rPr>
-              <a:t>永遠</a:t>
+              <a:rPr lang="zh-TW" altLang="en-US" sz="5400" b="1" dirty="0">
+                <a:solidFill>
+                  <a:srgbClr val="660033"/>
+                </a:solidFill>
+                <a:latin typeface="微軟正黑體" pitchFamily="34" charset="-120"/>
+                <a:ea typeface="微軟正黑體" pitchFamily="34" charset="-120"/>
+              </a:rPr>
+              <a:t>直到永遠</a:t>
             </a:r>
           </a:p>
         </p:txBody>
@@ -3836,7 +3908,7 @@
 </file>
 
 <file path=ppt/theme/theme1.xml><?xml version="1.0" encoding="utf-8"?>
-<a:theme xmlns:a="http://schemas.openxmlformats.org/drawingml/2006/main" name="佈景主題11">
+<a:theme xmlns:a="http://schemas.openxmlformats.org/drawingml/2006/main" name="Theme1">
   <a:themeElements>
     <a:clrScheme name="Office">
       <a:dk1>
@@ -4115,5 +4187,10 @@
   </a:themeElements>
   <a:objectDefaults/>
   <a:extraClrSchemeLst/>
+  <a:extLst>
+    <a:ext uri="{05A4C25C-085E-4340-85A3-A5531E510DB2}">
+      <thm15:themeFamily xmlns:thm15="http://schemas.microsoft.com/office/thememl/2012/main" name="Theme1" id="{AFC7C034-021A-479F-A5B0-F4AE2AC2A6F8}" vid="{E4B01A5C-7C0B-4AB8-8973-047186F18E30}"/>
+    </a:ext>
+  </a:extLst>
 </a:theme>
 </file>
--- a/神大愛(崇拜版).pptx
+++ b/神大愛(崇拜版).pptx
@@ -5,9 +5,13 @@
     <p:sldMasterId id="2147483672" r:id="rId1"/>
   </p:sldMasterIdLst>
   <p:sldIdLst>
-    <p:sldId id="256" r:id="rId2"/>
-    <p:sldId id="257" r:id="rId3"/>
-    <p:sldId id="258" r:id="rId4"/>
+    <p:sldId id="259" r:id="rId2"/>
+    <p:sldId id="260" r:id="rId3"/>
+    <p:sldId id="261" r:id="rId4"/>
+    <p:sldId id="262" r:id="rId5"/>
+    <p:sldId id="263" r:id="rId6"/>
+    <p:sldId id="264" r:id="rId7"/>
+    <p:sldId id="265" r:id="rId8"/>
   </p:sldIdLst>
   <p:sldSz cx="12192000" cy="6858000"/>
   <p:notesSz cx="6858000" cy="9144000"/>
@@ -306,7 +310,7 @@
           <a:p>
             <a:fld id="{AB55ABB3-4662-401A-B868-CB91799AF64C}" type="datetimeFigureOut">
               <a:rPr lang="zh-TW" altLang="en-US" smtClean="0"/>
-              <a:t>2020/6/13</a:t>
+              <a:t>2020/10/22</a:t>
             </a:fld>
             <a:endParaRPr lang="zh-TW" altLang="en-US"/>
           </a:p>
@@ -476,7 +480,7 @@
           <a:p>
             <a:fld id="{AB55ABB3-4662-401A-B868-CB91799AF64C}" type="datetimeFigureOut">
               <a:rPr lang="zh-TW" altLang="en-US" smtClean="0"/>
-              <a:t>2020/6/13</a:t>
+              <a:t>2020/10/22</a:t>
             </a:fld>
             <a:endParaRPr lang="zh-TW" altLang="en-US"/>
           </a:p>
@@ -656,7 +660,7 @@
           <a:p>
             <a:fld id="{AB55ABB3-4662-401A-B868-CB91799AF64C}" type="datetimeFigureOut">
               <a:rPr lang="zh-TW" altLang="en-US" smtClean="0"/>
-              <a:t>2020/6/13</a:t>
+              <a:t>2020/10/22</a:t>
             </a:fld>
             <a:endParaRPr lang="zh-TW" altLang="en-US"/>
           </a:p>
@@ -826,7 +830,7 @@
           <a:p>
             <a:fld id="{AB55ABB3-4662-401A-B868-CB91799AF64C}" type="datetimeFigureOut">
               <a:rPr lang="zh-TW" altLang="en-US" smtClean="0"/>
-              <a:t>2020/6/13</a:t>
+              <a:t>2020/10/22</a:t>
             </a:fld>
             <a:endParaRPr lang="zh-TW" altLang="en-US"/>
           </a:p>
@@ -1072,7 +1076,7 @@
           <a:p>
             <a:fld id="{AB55ABB3-4662-401A-B868-CB91799AF64C}" type="datetimeFigureOut">
               <a:rPr lang="zh-TW" altLang="en-US" smtClean="0"/>
-              <a:t>2020/6/13</a:t>
+              <a:t>2020/10/22</a:t>
             </a:fld>
             <a:endParaRPr lang="zh-TW" altLang="en-US"/>
           </a:p>
@@ -1360,7 +1364,7 @@
           <a:p>
             <a:fld id="{AB55ABB3-4662-401A-B868-CB91799AF64C}" type="datetimeFigureOut">
               <a:rPr lang="zh-TW" altLang="en-US" smtClean="0"/>
-              <a:t>2020/6/13</a:t>
+              <a:t>2020/10/22</a:t>
             </a:fld>
             <a:endParaRPr lang="zh-TW" altLang="en-US"/>
           </a:p>
@@ -1782,7 +1786,7 @@
           <a:p>
             <a:fld id="{AB55ABB3-4662-401A-B868-CB91799AF64C}" type="datetimeFigureOut">
               <a:rPr lang="zh-TW" altLang="en-US" smtClean="0"/>
-              <a:t>2020/6/13</a:t>
+              <a:t>2020/10/22</a:t>
             </a:fld>
             <a:endParaRPr lang="zh-TW" altLang="en-US"/>
           </a:p>
@@ -1900,7 +1904,7 @@
           <a:p>
             <a:fld id="{AB55ABB3-4662-401A-B868-CB91799AF64C}" type="datetimeFigureOut">
               <a:rPr lang="zh-TW" altLang="en-US" smtClean="0"/>
-              <a:t>2020/6/13</a:t>
+              <a:t>2020/10/22</a:t>
             </a:fld>
             <a:endParaRPr lang="zh-TW" altLang="en-US"/>
           </a:p>
@@ -1995,7 +1999,7 @@
           <a:p>
             <a:fld id="{AB55ABB3-4662-401A-B868-CB91799AF64C}" type="datetimeFigureOut">
               <a:rPr lang="zh-TW" altLang="en-US" smtClean="0"/>
-              <a:t>2020/6/13</a:t>
+              <a:t>2020/10/22</a:t>
             </a:fld>
             <a:endParaRPr lang="zh-TW" altLang="en-US"/>
           </a:p>
@@ -2272,7 +2276,7 @@
           <a:p>
             <a:fld id="{AB55ABB3-4662-401A-B868-CB91799AF64C}" type="datetimeFigureOut">
               <a:rPr lang="zh-TW" altLang="en-US" smtClean="0"/>
-              <a:t>2020/6/13</a:t>
+              <a:t>2020/10/22</a:t>
             </a:fld>
             <a:endParaRPr lang="zh-TW" altLang="en-US"/>
           </a:p>
@@ -2529,7 +2533,7 @@
           <a:p>
             <a:fld id="{AB55ABB3-4662-401A-B868-CB91799AF64C}" type="datetimeFigureOut">
               <a:rPr lang="zh-TW" altLang="en-US" smtClean="0"/>
-              <a:t>2020/6/13</a:t>
+              <a:t>2020/10/22</a:t>
             </a:fld>
             <a:endParaRPr lang="zh-TW" altLang="en-US"/>
           </a:p>
@@ -2747,7 +2751,7 @@
           <a:p>
             <a:fld id="{AB55ABB3-4662-401A-B868-CB91799AF64C}" type="datetimeFigureOut">
               <a:rPr lang="zh-TW" altLang="en-US" smtClean="0"/>
-              <a:t>2020/6/13</a:t>
+              <a:t>2020/10/22</a:t>
             </a:fld>
             <a:endParaRPr lang="zh-TW" altLang="en-US"/>
           </a:p>
@@ -3132,223 +3136,61 @@
             <p:ph type="title"/>
           </p:nvPr>
         </p:nvSpPr>
-        <p:spPr/>
+        <p:spPr>
+          <a:xfrm>
+            <a:off x="0" y="2857513"/>
+            <a:ext cx="12192000" cy="1143000"/>
+          </a:xfrm>
+        </p:spPr>
         <p:txBody>
           <a:bodyPr>
-            <a:normAutofit/>
+            <a:noAutofit/>
           </a:bodyPr>
           <a:lstStyle/>
           <a:p>
             <a:r>
-              <a:rPr lang="zh-TW" altLang="en-US" sz="4800" b="1" dirty="0" smtClean="0">
+              <a:rPr lang="zh-TW" altLang="en-US" sz="7200" b="1" dirty="0" smtClean="0">
                 <a:solidFill>
                   <a:srgbClr val="660033"/>
                 </a:solidFill>
-                <a:latin typeface="微軟正黑體" pitchFamily="34" charset="-120"/>
-                <a:ea typeface="微軟正黑體" pitchFamily="34" charset="-120"/>
-              </a:rPr>
-              <a:t>神大愛</a:t>
-            </a:r>
-            <a:endParaRPr lang="zh-TW" altLang="en-US" sz="4800" b="1" dirty="0">
-              <a:solidFill>
-                <a:srgbClr val="660033"/>
-              </a:solidFill>
-              <a:latin typeface="微軟正黑體" pitchFamily="34" charset="-120"/>
-              <a:ea typeface="微軟正黑體" pitchFamily="34" charset="-120"/>
-            </a:endParaRPr>
-          </a:p>
-        </p:txBody>
-      </p:sp>
-      <p:sp>
-        <p:nvSpPr>
-          <p:cNvPr id="5" name="內容版面配置區 4"/>
-          <p:cNvSpPr>
-            <a:spLocks noGrp="1"/>
-          </p:cNvSpPr>
-          <p:nvPr>
-            <p:ph idx="1"/>
-          </p:nvPr>
-        </p:nvSpPr>
-        <p:spPr/>
-        <p:txBody>
-          <a:bodyPr>
-            <a:normAutofit/>
-          </a:bodyPr>
-          <a:lstStyle/>
-          <a:p>
-            <a:pPr algn="ctr">
-              <a:buNone/>
-            </a:pPr>
-            <a:r>
-              <a:rPr lang="zh-TW" altLang="en-US" sz="5400" b="1" dirty="0">
-                <a:solidFill>
-                  <a:srgbClr val="660033"/>
-                </a:solidFill>
-                <a:latin typeface="微軟正黑體" pitchFamily="34" charset="-120"/>
-                <a:ea typeface="微軟正黑體" pitchFamily="34" charset="-120"/>
-              </a:rPr>
-              <a:t>我唱</a:t>
-            </a:r>
-            <a:r>
-              <a:rPr lang="zh-TW" altLang="en-US" sz="5400" b="1" dirty="0">
-                <a:solidFill>
-                  <a:srgbClr val="660033"/>
-                </a:solidFill>
-                <a:latin typeface="微軟正黑體" pitchFamily="34" charset="-120"/>
-                <a:ea typeface="微軟正黑體" pitchFamily="34" charset="-120"/>
-              </a:rPr>
-              <a:t>出  神</a:t>
-            </a:r>
-            <a:r>
-              <a:rPr lang="zh-TW" altLang="en-US" sz="5400" b="1" dirty="0">
-                <a:solidFill>
-                  <a:srgbClr val="660033"/>
-                </a:solidFill>
-                <a:latin typeface="微軟正黑體" pitchFamily="34" charset="-120"/>
-                <a:ea typeface="微軟正黑體" pitchFamily="34" charset="-120"/>
-              </a:rPr>
-              <a:t>大</a:t>
-            </a:r>
-            <a:r>
-              <a:rPr lang="zh-TW" altLang="en-US" sz="5400" b="1" dirty="0">
-                <a:solidFill>
-                  <a:srgbClr val="660033"/>
-                </a:solidFill>
-                <a:latin typeface="微軟正黑體" pitchFamily="34" charset="-120"/>
-                <a:ea typeface="微軟正黑體" pitchFamily="34" charset="-120"/>
-              </a:rPr>
-              <a:t>愛</a:t>
-            </a:r>
-            <a:endParaRPr lang="en-US" altLang="zh-TW" sz="5400" b="1" dirty="0">
-              <a:solidFill>
-                <a:srgbClr val="660033"/>
-              </a:solidFill>
-              <a:latin typeface="微軟正黑體" pitchFamily="34" charset="-120"/>
-              <a:ea typeface="微軟正黑體" pitchFamily="34" charset="-120"/>
-            </a:endParaRPr>
-          </a:p>
-          <a:p>
-            <a:pPr algn="ctr">
-              <a:buNone/>
-            </a:pPr>
-            <a:r>
-              <a:rPr lang="zh-TW" altLang="en-US" sz="5400" b="1" dirty="0">
-                <a:solidFill>
-                  <a:srgbClr val="660033"/>
-                </a:solidFill>
+                <a:effectLst>
+                  <a:outerShdw blurRad="50800" dist="38100" algn="l" rotWithShape="0">
+                    <a:prstClr val="black">
+                      <a:alpha val="40000"/>
+                    </a:prstClr>
+                  </a:outerShdw>
+                </a:effectLst>
                 <a:latin typeface="微軟正黑體" pitchFamily="34" charset="-120"/>
                 <a:ea typeface="微軟正黑體" pitchFamily="34" charset="-120"/>
               </a:rPr>
               <a:t>神</a:t>
             </a:r>
             <a:r>
-              <a:rPr lang="zh-TW" altLang="en-US" sz="5400" b="1" dirty="0">
+              <a:rPr lang="zh-TW" altLang="en-US" sz="7200" b="1" dirty="0">
                 <a:solidFill>
                   <a:srgbClr val="660033"/>
                 </a:solidFill>
+                <a:effectLst>
+                  <a:outerShdw blurRad="50800" dist="38100" algn="l" rotWithShape="0">
+                    <a:prstClr val="black">
+                      <a:alpha val="40000"/>
+                    </a:prstClr>
+                  </a:outerShdw>
+                </a:effectLst>
                 <a:latin typeface="微軟正黑體" pitchFamily="34" charset="-120"/>
                 <a:ea typeface="微軟正黑體" pitchFamily="34" charset="-120"/>
               </a:rPr>
-              <a:t>豈有難成的</a:t>
-            </a:r>
-            <a:r>
-              <a:rPr lang="zh-TW" altLang="en-US" sz="5400" b="1" dirty="0">
-                <a:solidFill>
-                  <a:srgbClr val="660033"/>
-                </a:solidFill>
-                <a:latin typeface="微軟正黑體" pitchFamily="34" charset="-120"/>
-                <a:ea typeface="微軟正黑體" pitchFamily="34" charset="-120"/>
-              </a:rPr>
-              <a:t>事</a:t>
-            </a:r>
-            <a:endParaRPr lang="en-US" altLang="zh-TW" sz="5400" b="1" dirty="0">
-              <a:solidFill>
-                <a:srgbClr val="660033"/>
-              </a:solidFill>
-              <a:latin typeface="微軟正黑體" pitchFamily="34" charset="-120"/>
-              <a:ea typeface="微軟正黑體" pitchFamily="34" charset="-120"/>
-            </a:endParaRPr>
-          </a:p>
-          <a:p>
-            <a:pPr algn="ctr">
-              <a:buNone/>
-            </a:pPr>
-            <a:r>
-              <a:rPr lang="zh-TW" altLang="en-US" sz="5400" b="1" dirty="0">
-                <a:solidFill>
-                  <a:srgbClr val="660033"/>
-                </a:solidFill>
-                <a:latin typeface="微軟正黑體" pitchFamily="34" charset="-120"/>
-                <a:ea typeface="微軟正黑體" pitchFamily="34" charset="-120"/>
-              </a:rPr>
-              <a:t>人生路  常</a:t>
-            </a:r>
-            <a:r>
-              <a:rPr lang="zh-TW" altLang="en-US" sz="5400" b="1" dirty="0">
-                <a:solidFill>
-                  <a:srgbClr val="660033"/>
-                </a:solidFill>
-                <a:latin typeface="微軟正黑體" pitchFamily="34" charset="-120"/>
-                <a:ea typeface="微軟正黑體" pitchFamily="34" charset="-120"/>
-              </a:rPr>
-              <a:t>起</a:t>
-            </a:r>
-            <a:r>
-              <a:rPr lang="zh-TW" altLang="en-US" sz="5400" b="1" dirty="0">
-                <a:solidFill>
-                  <a:srgbClr val="660033"/>
-                </a:solidFill>
-                <a:latin typeface="微軟正黑體" pitchFamily="34" charset="-120"/>
-                <a:ea typeface="微軟正黑體" pitchFamily="34" charset="-120"/>
-              </a:rPr>
-              <a:t>跌</a:t>
-            </a:r>
-            <a:endParaRPr lang="en-US" altLang="zh-TW" sz="5400" b="1" dirty="0">
-              <a:solidFill>
-                <a:srgbClr val="660033"/>
-              </a:solidFill>
-              <a:latin typeface="微軟正黑體" pitchFamily="34" charset="-120"/>
-              <a:ea typeface="微軟正黑體" pitchFamily="34" charset="-120"/>
-            </a:endParaRPr>
-          </a:p>
-          <a:p>
-            <a:pPr algn="ctr">
-              <a:buNone/>
-            </a:pPr>
-            <a:r>
-              <a:rPr lang="zh-CN" altLang="en-US" sz="5400" b="1" dirty="0" smtClean="0">
-                <a:solidFill>
-                  <a:srgbClr val="660033"/>
-                </a:solidFill>
-                <a:latin typeface="微軟正黑體" pitchFamily="34" charset="-120"/>
-                <a:ea typeface="微軟正黑體" pitchFamily="34" charset="-120"/>
-              </a:rPr>
-              <a:t>袮</a:t>
-            </a:r>
-            <a:r>
-              <a:rPr lang="zh-TW" altLang="en-US" sz="5400" b="1" dirty="0" smtClean="0">
-                <a:solidFill>
-                  <a:srgbClr val="660033"/>
-                </a:solidFill>
-                <a:latin typeface="微軟正黑體" pitchFamily="34" charset="-120"/>
-                <a:ea typeface="微軟正黑體" pitchFamily="34" charset="-120"/>
-              </a:rPr>
-              <a:t>話</a:t>
-            </a:r>
-            <a:r>
-              <a:rPr lang="zh-TW" altLang="en-US" sz="5400" b="1" dirty="0">
-                <a:solidFill>
-                  <a:srgbClr val="660033"/>
-                </a:solidFill>
-                <a:latin typeface="微軟正黑體" pitchFamily="34" charset="-120"/>
-                <a:ea typeface="微軟正黑體" pitchFamily="34" charset="-120"/>
-              </a:rPr>
-              <a:t>語叫我永不動搖</a:t>
+              <a:t>大愛</a:t>
             </a:r>
           </a:p>
         </p:txBody>
       </p:sp>
     </p:spTree>
+    <p:extLst>
+      <p:ext uri="{BB962C8B-B14F-4D97-AF65-F5344CB8AC3E}">
+        <p14:creationId xmlns:p14="http://schemas.microsoft.com/office/powerpoint/2010/main" val="3094055731"/>
+      </p:ext>
+    </p:extLst>
   </p:cSld>
   <p:clrMapOvr>
     <a:masterClrMapping/>
@@ -3375,32 +3217,40 @@
       </p:grpSpPr>
       <p:sp>
         <p:nvSpPr>
-          <p:cNvPr id="4" name="標題 3"/>
-          <p:cNvSpPr>
-            <a:spLocks noGrp="1"/>
-          </p:cNvSpPr>
-          <p:nvPr>
-            <p:ph type="title"/>
-          </p:nvPr>
-        </p:nvSpPr>
-        <p:spPr/>
-        <p:txBody>
-          <a:bodyPr>
+          <p:cNvPr id="5" name="內容版面配置區 4"/>
+          <p:cNvSpPr>
+            <a:spLocks noGrp="1"/>
+          </p:cNvSpPr>
+          <p:nvPr>
+            <p:ph idx="1"/>
+          </p:nvPr>
+        </p:nvSpPr>
+        <p:spPr>
+          <a:xfrm>
+            <a:off x="0" y="2084851"/>
+            <a:ext cx="12192000" cy="2404863"/>
+          </a:xfrm>
+        </p:spPr>
+        <p:txBody>
+          <a:bodyPr anchor="ctr">
             <a:normAutofit/>
           </a:bodyPr>
           <a:lstStyle/>
           <a:p>
-            <a:r>
-              <a:rPr lang="zh-TW" altLang="en-US" sz="4800" b="1" dirty="0" smtClean="0">
+            <a:pPr algn="ctr">
+              <a:buNone/>
+            </a:pPr>
+            <a:r>
+              <a:rPr lang="zh-TW" altLang="en-US" sz="6600" b="1" dirty="0">
                 <a:solidFill>
                   <a:srgbClr val="660033"/>
                 </a:solidFill>
                 <a:latin typeface="微軟正黑體" pitchFamily="34" charset="-120"/>
                 <a:ea typeface="微軟正黑體" pitchFamily="34" charset="-120"/>
               </a:rPr>
-              <a:t>神大愛</a:t>
-            </a:r>
-            <a:endParaRPr lang="zh-TW" altLang="en-US" sz="4800" b="1" dirty="0">
+              <a:t>我唱出  神大愛</a:t>
+            </a:r>
+            <a:endParaRPr lang="en-US" altLang="zh-TW" sz="6600" b="1" dirty="0">
               <a:solidFill>
                 <a:srgbClr val="660033"/>
               </a:solidFill>
@@ -3408,59 +3258,21 @@
               <a:ea typeface="微軟正黑體" pitchFamily="34" charset="-120"/>
             </a:endParaRPr>
           </a:p>
-        </p:txBody>
-      </p:sp>
-      <p:sp>
-        <p:nvSpPr>
-          <p:cNvPr id="5" name="內容版面配置區 4"/>
-          <p:cNvSpPr>
-            <a:spLocks noGrp="1"/>
-          </p:cNvSpPr>
-          <p:nvPr>
-            <p:ph idx="1"/>
-          </p:nvPr>
-        </p:nvSpPr>
-        <p:spPr/>
-        <p:txBody>
-          <a:bodyPr>
-            <a:normAutofit/>
-          </a:bodyPr>
-          <a:lstStyle/>
           <a:p>
             <a:pPr algn="ctr">
               <a:buNone/>
             </a:pPr>
             <a:r>
-              <a:rPr lang="zh-TW" altLang="en-US" sz="5400" b="1" dirty="0">
+              <a:rPr lang="zh-TW" altLang="en-US" sz="6600" b="1" dirty="0">
                 <a:solidFill>
                   <a:srgbClr val="660033"/>
                 </a:solidFill>
                 <a:latin typeface="微軟正黑體" pitchFamily="34" charset="-120"/>
                 <a:ea typeface="微軟正黑體" pitchFamily="34" charset="-120"/>
               </a:rPr>
-              <a:t>在世間  能</a:t>
-            </a:r>
-            <a:r>
-              <a:rPr lang="zh-TW" altLang="en-US" sz="5400" b="1" dirty="0" smtClean="0">
-                <a:solidFill>
-                  <a:srgbClr val="660033"/>
-                </a:solidFill>
-                <a:latin typeface="微軟正黑體" pitchFamily="34" charset="-120"/>
-                <a:ea typeface="微軟正黑體" pitchFamily="34" charset="-120"/>
-              </a:rPr>
-              <a:t>遇</a:t>
-            </a:r>
-            <a:r>
-              <a:rPr lang="zh-CN" altLang="en-US" sz="5400" b="1" dirty="0">
-                <a:solidFill>
-                  <a:srgbClr val="660033"/>
-                </a:solidFill>
-                <a:latin typeface="微軟正黑體" pitchFamily="34" charset="-120"/>
-                <a:ea typeface="微軟正黑體" pitchFamily="34" charset="-120"/>
-              </a:rPr>
-              <a:t>袮</a:t>
-            </a:r>
-            <a:endParaRPr lang="en-US" altLang="zh-TW" sz="5400" b="1" dirty="0">
+              <a:t>神豈有難成的事</a:t>
+            </a:r>
+            <a:endParaRPr lang="en-US" altLang="zh-TW" sz="6600" b="1" dirty="0">
               <a:solidFill>
                 <a:srgbClr val="660033"/>
               </a:solidFill>
@@ -3468,135 +3280,14 @@
               <a:ea typeface="微軟正黑體" pitchFamily="34" charset="-120"/>
             </a:endParaRPr>
           </a:p>
-          <a:p>
-            <a:pPr algn="ctr">
-              <a:buNone/>
-            </a:pPr>
-            <a:r>
-              <a:rPr lang="zh-TW" altLang="en-US" sz="5400" b="1" dirty="0">
-                <a:solidFill>
-                  <a:srgbClr val="660033"/>
-                </a:solidFill>
-                <a:latin typeface="微軟正黑體" pitchFamily="34" charset="-120"/>
-                <a:ea typeface="微軟正黑體" pitchFamily="34" charset="-120"/>
-              </a:rPr>
-              <a:t>迷了路有主引導</a:t>
-            </a:r>
-            <a:endParaRPr lang="en-US" altLang="zh-TW" sz="5400" b="1" dirty="0">
-              <a:solidFill>
-                <a:srgbClr val="660033"/>
-              </a:solidFill>
-              <a:latin typeface="微軟正黑體" pitchFamily="34" charset="-120"/>
-              <a:ea typeface="微軟正黑體" pitchFamily="34" charset="-120"/>
-            </a:endParaRPr>
-          </a:p>
-          <a:p>
-            <a:pPr algn="ctr">
-              <a:buNone/>
-            </a:pPr>
-            <a:r>
-              <a:rPr lang="zh-TW" altLang="en-US" sz="5400" b="1" dirty="0">
-                <a:solidFill>
-                  <a:srgbClr val="660033"/>
-                </a:solidFill>
-                <a:latin typeface="微軟正黑體" pitchFamily="34" charset="-120"/>
-                <a:ea typeface="微軟正黑體" pitchFamily="34" charset="-120"/>
-              </a:rPr>
-              <a:t>常施恩  常看顧</a:t>
-            </a:r>
-            <a:endParaRPr lang="en-US" altLang="zh-TW" sz="5400" b="1" dirty="0">
-              <a:solidFill>
-                <a:srgbClr val="660033"/>
-              </a:solidFill>
-              <a:latin typeface="微軟正黑體" pitchFamily="34" charset="-120"/>
-              <a:ea typeface="微軟正黑體" pitchFamily="34" charset="-120"/>
-            </a:endParaRPr>
-          </a:p>
-          <a:p>
-            <a:pPr algn="ctr">
-              <a:buNone/>
-            </a:pPr>
-            <a:r>
-              <a:rPr lang="zh-CN" altLang="en-US" sz="5400" b="1" dirty="0">
-                <a:solidFill>
-                  <a:srgbClr val="660033"/>
-                </a:solidFill>
-                <a:latin typeface="微軟正黑體" pitchFamily="34" charset="-120"/>
-                <a:ea typeface="微軟正黑體" pitchFamily="34" charset="-120"/>
-              </a:rPr>
-              <a:t>袮</a:t>
-            </a:r>
-            <a:r>
-              <a:rPr lang="zh-TW" altLang="en-US" sz="5400" b="1" dirty="0" smtClean="0">
-                <a:solidFill>
-                  <a:srgbClr val="660033"/>
-                </a:solidFill>
-                <a:latin typeface="微軟正黑體" pitchFamily="34" charset="-120"/>
-                <a:ea typeface="微軟正黑體" pitchFamily="34" charset="-120"/>
-              </a:rPr>
-              <a:t>杖</a:t>
-            </a:r>
-            <a:r>
-              <a:rPr lang="zh-TW" altLang="en-US" sz="5400" b="1" dirty="0">
-                <a:solidFill>
-                  <a:srgbClr val="660033"/>
-                </a:solidFill>
-                <a:latin typeface="微軟正黑體" pitchFamily="34" charset="-120"/>
-                <a:ea typeface="微軟正黑體" pitchFamily="34" charset="-120"/>
-              </a:rPr>
-              <a:t>扶</a:t>
-            </a:r>
-            <a:r>
-              <a:rPr lang="zh-TW" altLang="en-US" sz="5400" b="1" dirty="0" smtClean="0">
-                <a:solidFill>
-                  <a:srgbClr val="660033"/>
-                </a:solidFill>
-                <a:latin typeface="微軟正黑體" pitchFamily="34" charset="-120"/>
-                <a:ea typeface="微軟正黑體" pitchFamily="34" charset="-120"/>
-              </a:rPr>
-              <a:t>持  </a:t>
-            </a:r>
-            <a:r>
-              <a:rPr lang="zh-CN" altLang="en-US" sz="5400" b="1" dirty="0" smtClean="0">
-                <a:solidFill>
-                  <a:srgbClr val="660033"/>
-                </a:solidFill>
-                <a:latin typeface="微軟正黑體" pitchFamily="34" charset="-120"/>
-                <a:ea typeface="微軟正黑體" pitchFamily="34" charset="-120"/>
-              </a:rPr>
-              <a:t>袮</a:t>
-            </a:r>
-            <a:r>
-              <a:rPr lang="zh-TW" altLang="en-US" sz="5400" b="1" dirty="0" smtClean="0">
-                <a:solidFill>
-                  <a:srgbClr val="660033"/>
-                </a:solidFill>
-                <a:latin typeface="微軟正黑體" pitchFamily="34" charset="-120"/>
-                <a:ea typeface="微軟正黑體" pitchFamily="34" charset="-120"/>
-              </a:rPr>
-              <a:t>竿</a:t>
-            </a:r>
-            <a:r>
-              <a:rPr lang="zh-TW" altLang="en-US" sz="5400" b="1" dirty="0">
-                <a:solidFill>
-                  <a:srgbClr val="660033"/>
-                </a:solidFill>
-                <a:latin typeface="微軟正黑體" pitchFamily="34" charset="-120"/>
-                <a:ea typeface="微軟正黑體" pitchFamily="34" charset="-120"/>
-              </a:rPr>
-              <a:t>引領</a:t>
-            </a:r>
-            <a:endParaRPr lang="zh-TW" altLang="en-US" sz="5400" b="1" dirty="0">
-              <a:solidFill>
-                <a:srgbClr val="660033"/>
-              </a:solidFill>
-              <a:latin typeface="微軟正黑體" pitchFamily="34" charset="-120"/>
-              <a:ea typeface="微軟正黑體" pitchFamily="34" charset="-120"/>
-            </a:endParaRPr>
-          </a:p>
         </p:txBody>
       </p:sp>
     </p:spTree>
+    <p:extLst>
+      <p:ext uri="{BB962C8B-B14F-4D97-AF65-F5344CB8AC3E}">
+        <p14:creationId xmlns:p14="http://schemas.microsoft.com/office/powerpoint/2010/main" val="68946606"/>
+      </p:ext>
+    </p:extLst>
   </p:cSld>
   <p:clrMapOvr>
     <a:masterClrMapping/>
@@ -3623,32 +3314,40 @@
       </p:grpSpPr>
       <p:sp>
         <p:nvSpPr>
-          <p:cNvPr id="4" name="標題 3"/>
-          <p:cNvSpPr>
-            <a:spLocks noGrp="1"/>
-          </p:cNvSpPr>
-          <p:nvPr>
-            <p:ph type="title"/>
-          </p:nvPr>
-        </p:nvSpPr>
-        <p:spPr/>
-        <p:txBody>
-          <a:bodyPr>
+          <p:cNvPr id="5" name="內容版面配置區 4"/>
+          <p:cNvSpPr>
+            <a:spLocks noGrp="1"/>
+          </p:cNvSpPr>
+          <p:nvPr>
+            <p:ph idx="1"/>
+          </p:nvPr>
+        </p:nvSpPr>
+        <p:spPr>
+          <a:xfrm>
+            <a:off x="0" y="2084851"/>
+            <a:ext cx="12192000" cy="2404863"/>
+          </a:xfrm>
+        </p:spPr>
+        <p:txBody>
+          <a:bodyPr anchor="ctr">
             <a:normAutofit/>
           </a:bodyPr>
           <a:lstStyle/>
           <a:p>
-            <a:r>
-              <a:rPr lang="zh-TW" altLang="en-US" sz="4800" b="1" dirty="0" smtClean="0">
+            <a:pPr algn="ctr">
+              <a:buNone/>
+            </a:pPr>
+            <a:r>
+              <a:rPr lang="zh-TW" altLang="en-US" sz="6600" b="1" dirty="0">
                 <a:solidFill>
                   <a:srgbClr val="660033"/>
                 </a:solidFill>
                 <a:latin typeface="微軟正黑體" pitchFamily="34" charset="-120"/>
                 <a:ea typeface="微軟正黑體" pitchFamily="34" charset="-120"/>
               </a:rPr>
-              <a:t>神大愛</a:t>
-            </a:r>
-            <a:endParaRPr lang="zh-TW" altLang="en-US" sz="4800" b="1" dirty="0">
+              <a:t>人生路  常起跌</a:t>
+            </a:r>
+            <a:endParaRPr lang="en-US" altLang="zh-TW" sz="6600" b="1" dirty="0">
               <a:solidFill>
                 <a:srgbClr val="660033"/>
               </a:solidFill>
@@ -3656,50 +3355,12 @@
               <a:ea typeface="微軟正黑體" pitchFamily="34" charset="-120"/>
             </a:endParaRPr>
           </a:p>
-        </p:txBody>
-      </p:sp>
-      <p:sp>
-        <p:nvSpPr>
-          <p:cNvPr id="5" name="內容版面配置區 4"/>
-          <p:cNvSpPr>
-            <a:spLocks noGrp="1"/>
-          </p:cNvSpPr>
-          <p:nvPr>
-            <p:ph idx="1"/>
-          </p:nvPr>
-        </p:nvSpPr>
-        <p:spPr/>
-        <p:txBody>
-          <a:bodyPr>
-            <a:normAutofit lnSpcReduction="10000"/>
-          </a:bodyPr>
-          <a:lstStyle/>
           <a:p>
             <a:pPr algn="ctr">
               <a:buNone/>
             </a:pPr>
             <a:r>
-              <a:rPr lang="zh-TW" altLang="en-US" sz="5400" b="1" dirty="0">
-                <a:solidFill>
-                  <a:srgbClr val="660033"/>
-                </a:solidFill>
-                <a:latin typeface="微軟正黑體" pitchFamily="34" charset="-120"/>
-                <a:ea typeface="微軟正黑體" pitchFamily="34" charset="-120"/>
-              </a:rPr>
-              <a:t>何時我跌倒  何</a:t>
-            </a:r>
-            <a:r>
-              <a:rPr lang="zh-TW" altLang="en-US" sz="5400" b="1" dirty="0" smtClean="0">
-                <a:solidFill>
-                  <a:srgbClr val="660033"/>
-                </a:solidFill>
-                <a:latin typeface="微軟正黑體" pitchFamily="34" charset="-120"/>
-                <a:ea typeface="微軟正黑體" pitchFamily="34" charset="-120"/>
-              </a:rPr>
-              <a:t>時</a:t>
-            </a:r>
-            <a:r>
-              <a:rPr lang="zh-CN" altLang="en-US" sz="5400" b="1" dirty="0">
+              <a:rPr lang="zh-CN" altLang="en-US" sz="6600" b="1" dirty="0">
                 <a:solidFill>
                   <a:srgbClr val="660033"/>
                 </a:solidFill>
@@ -3709,26 +3370,16 @@
               <a:t>袮</a:t>
             </a:r>
             <a:r>
-              <a:rPr lang="zh-TW" altLang="en-US" sz="5400" b="1" dirty="0" smtClean="0">
+              <a:rPr lang="zh-TW" altLang="en-US" sz="6600" b="1" dirty="0">
                 <a:solidFill>
                   <a:srgbClr val="660033"/>
                 </a:solidFill>
                 <a:latin typeface="微軟正黑體" pitchFamily="34" charset="-120"/>
                 <a:ea typeface="微軟正黑體" pitchFamily="34" charset="-120"/>
               </a:rPr>
-              <a:t>扶</a:t>
-            </a:r>
-            <a:r>
-              <a:rPr lang="zh-TW" altLang="en-US" sz="5400" b="1" dirty="0">
-                <a:solidFill>
-                  <a:srgbClr val="660033"/>
-                </a:solidFill>
-                <a:latin typeface="微軟正黑體" pitchFamily="34" charset="-120"/>
-                <a:ea typeface="微軟正黑體" pitchFamily="34" charset="-120"/>
-              </a:rPr>
-              <a:t>持</a:t>
-            </a:r>
-            <a:endParaRPr lang="en-US" altLang="zh-TW" sz="5400" b="1" dirty="0">
+              <a:t>話語叫我永不動搖</a:t>
+            </a:r>
+            <a:endParaRPr lang="zh-TW" altLang="en-US" sz="6600" b="1" dirty="0">
               <a:solidFill>
                 <a:srgbClr val="660033"/>
               </a:solidFill>
@@ -3736,32 +3387,75 @@
               <a:ea typeface="微軟正黑體" pitchFamily="34" charset="-120"/>
             </a:endParaRPr>
           </a:p>
+        </p:txBody>
+      </p:sp>
+    </p:spTree>
+    <p:extLst>
+      <p:ext uri="{BB962C8B-B14F-4D97-AF65-F5344CB8AC3E}">
+        <p14:creationId xmlns:p14="http://schemas.microsoft.com/office/powerpoint/2010/main" val="925353895"/>
+      </p:ext>
+    </p:extLst>
+  </p:cSld>
+  <p:clrMapOvr>
+    <a:masterClrMapping/>
+  </p:clrMapOvr>
+</p:sld>
+</file>
+
+<file path=ppt/slides/slide4.xml><?xml version="1.0" encoding="utf-8"?>
+<p:sld xmlns:a="http://schemas.openxmlformats.org/drawingml/2006/main" xmlns:r="http://schemas.openxmlformats.org/officeDocument/2006/relationships" xmlns:p="http://schemas.openxmlformats.org/presentationml/2006/main">
+  <p:cSld>
+    <p:spTree>
+      <p:nvGrpSpPr>
+        <p:cNvPr id="1" name=""/>
+        <p:cNvGrpSpPr/>
+        <p:nvPr/>
+      </p:nvGrpSpPr>
+      <p:grpSpPr>
+        <a:xfrm>
+          <a:off x="0" y="0"/>
+          <a:ext cx="0" cy="0"/>
+          <a:chOff x="0" y="0"/>
+          <a:chExt cx="0" cy="0"/>
+        </a:xfrm>
+      </p:grpSpPr>
+      <p:sp>
+        <p:nvSpPr>
+          <p:cNvPr id="5" name="內容版面配置區 4"/>
+          <p:cNvSpPr>
+            <a:spLocks noGrp="1"/>
+          </p:cNvSpPr>
+          <p:nvPr>
+            <p:ph idx="1"/>
+          </p:nvPr>
+        </p:nvSpPr>
+        <p:spPr>
+          <a:xfrm>
+            <a:off x="0" y="2084851"/>
+            <a:ext cx="12192000" cy="2404863"/>
+          </a:xfrm>
+        </p:spPr>
+        <p:txBody>
+          <a:bodyPr anchor="ctr">
+            <a:normAutofit/>
+          </a:bodyPr>
+          <a:lstStyle/>
           <a:p>
             <a:pPr algn="ctr">
               <a:buNone/>
             </a:pPr>
             <a:r>
-              <a:rPr lang="zh-TW" altLang="en-US" sz="5400" b="1" dirty="0">
+              <a:rPr lang="zh-TW" altLang="en-US" sz="6600" b="1" dirty="0">
                 <a:solidFill>
                   <a:srgbClr val="660033"/>
                 </a:solidFill>
                 <a:latin typeface="微軟正黑體" pitchFamily="34" charset="-120"/>
                 <a:ea typeface="微軟正黑體" pitchFamily="34" charset="-120"/>
               </a:rPr>
-              <a:t>危難遇風</a:t>
-            </a:r>
-            <a:r>
-              <a:rPr lang="zh-TW" altLang="en-US" sz="5400" b="1" dirty="0" smtClean="0">
-                <a:solidFill>
-                  <a:srgbClr val="660033"/>
-                </a:solidFill>
-                <a:latin typeface="微軟正黑體" pitchFamily="34" charset="-120"/>
-                <a:ea typeface="微軟正黑體" pitchFamily="34" charset="-120"/>
-              </a:rPr>
-              <a:t>雪  </a:t>
-            </a:r>
-            <a:r>
-              <a:rPr lang="zh-CN" altLang="en-US" sz="5400" b="1" dirty="0" smtClean="0">
+              <a:t>在世間  能遇</a:t>
+            </a:r>
+            <a:r>
+              <a:rPr lang="zh-CN" altLang="en-US" sz="6600" b="1" dirty="0">
                 <a:solidFill>
                   <a:srgbClr val="660033"/>
                 </a:solidFill>
@@ -3770,27 +3464,7 @@
               </a:rPr>
               <a:t>袮</a:t>
             </a:r>
-            <a:r>
-              <a:rPr lang="zh-TW" altLang="en-US" sz="5400" b="1" dirty="0" smtClean="0">
-                <a:solidFill>
-                  <a:srgbClr val="660033"/>
-                </a:solidFill>
-                <a:latin typeface="微軟正黑體" pitchFamily="34" charset="-120"/>
-                <a:ea typeface="微軟正黑體" pitchFamily="34" charset="-120"/>
-              </a:rPr>
-              <a:t>必</a:t>
-            </a:r>
-            <a:r>
-              <a:rPr lang="zh-TW" altLang="en-US" sz="5400" b="1" dirty="0">
-                <a:solidFill>
-                  <a:srgbClr val="660033"/>
-                </a:solidFill>
-                <a:latin typeface="微軟正黑體" pitchFamily="34" charset="-120"/>
-                <a:ea typeface="微軟正黑體" pitchFamily="34" charset="-120"/>
-              </a:rPr>
-              <a:t>庇佑</a:t>
-            </a:r>
-            <a:endParaRPr lang="en-US" altLang="zh-TW" sz="5400" b="1" dirty="0">
+            <a:endParaRPr lang="en-US" altLang="zh-TW" sz="6600" b="1" dirty="0">
               <a:solidFill>
                 <a:srgbClr val="660033"/>
               </a:solidFill>
@@ -3803,56 +3477,16 @@
               <a:buNone/>
             </a:pPr>
             <a:r>
-              <a:rPr lang="zh-TW" altLang="en-US" sz="5400" b="1" dirty="0">
+              <a:rPr lang="zh-TW" altLang="en-US" sz="6600" b="1" dirty="0">
                 <a:solidFill>
                   <a:srgbClr val="660033"/>
                 </a:solidFill>
                 <a:latin typeface="微軟正黑體" pitchFamily="34" charset="-120"/>
                 <a:ea typeface="微軟正黑體" pitchFamily="34" charset="-120"/>
               </a:rPr>
-              <a:t>前途</a:t>
-            </a:r>
-            <a:r>
-              <a:rPr lang="zh-TW" altLang="en-US" sz="5400" b="1" dirty="0" smtClean="0">
-                <a:solidFill>
-                  <a:srgbClr val="660033"/>
-                </a:solidFill>
-                <a:latin typeface="微軟正黑體" pitchFamily="34" charset="-120"/>
-                <a:ea typeface="微軟正黑體" pitchFamily="34" charset="-120"/>
-              </a:rPr>
-              <a:t>在</a:t>
-            </a:r>
-            <a:r>
-              <a:rPr lang="zh-CN" altLang="en-US" sz="5400" b="1" dirty="0">
-                <a:solidFill>
-                  <a:srgbClr val="660033"/>
-                </a:solidFill>
-                <a:latin typeface="微軟正黑體" pitchFamily="34" charset="-120"/>
-                <a:ea typeface="微軟正黑體" pitchFamily="34" charset="-120"/>
-              </a:rPr>
-              <a:t>袮</a:t>
-            </a:r>
-            <a:r>
-              <a:rPr lang="zh-TW" altLang="en-US" sz="5400" b="1" dirty="0" smtClean="0">
-                <a:solidFill>
-                  <a:srgbClr val="660033"/>
-                </a:solidFill>
-                <a:latin typeface="微軟正黑體" pitchFamily="34" charset="-120"/>
-                <a:ea typeface="微軟正黑體" pitchFamily="34" charset="-120"/>
-              </a:rPr>
-              <a:t>手  </a:t>
-            </a:r>
-            <a:r>
-              <a:rPr lang="zh-TW" altLang="en-US" sz="5400" b="1" dirty="0">
-                <a:solidFill>
-                  <a:srgbClr val="660033"/>
-                </a:solidFill>
-                <a:latin typeface="微軟正黑體" pitchFamily="34" charset="-120"/>
-                <a:ea typeface="微軟正黑體" pitchFamily="34" charset="-120"/>
-              </a:rPr>
-              <a:t>牽我到白頭</a:t>
-            </a:r>
-            <a:endParaRPr lang="en-US" altLang="zh-TW" sz="5400" b="1" dirty="0">
+              <a:t>迷了路有主引導</a:t>
+            </a:r>
+            <a:endParaRPr lang="en-US" altLang="zh-TW" sz="6600" b="1" dirty="0">
               <a:solidFill>
                 <a:srgbClr val="660033"/>
               </a:solidFill>
@@ -3860,21 +3494,74 @@
               <a:ea typeface="微軟正黑體" pitchFamily="34" charset="-120"/>
             </a:endParaRPr>
           </a:p>
+        </p:txBody>
+      </p:sp>
+    </p:spTree>
+    <p:extLst>
+      <p:ext uri="{BB962C8B-B14F-4D97-AF65-F5344CB8AC3E}">
+        <p14:creationId xmlns:p14="http://schemas.microsoft.com/office/powerpoint/2010/main" val="1017857786"/>
+      </p:ext>
+    </p:extLst>
+  </p:cSld>
+  <p:clrMapOvr>
+    <a:masterClrMapping/>
+  </p:clrMapOvr>
+</p:sld>
+</file>
+
+<file path=ppt/slides/slide5.xml><?xml version="1.0" encoding="utf-8"?>
+<p:sld xmlns:a="http://schemas.openxmlformats.org/drawingml/2006/main" xmlns:r="http://schemas.openxmlformats.org/officeDocument/2006/relationships" xmlns:p="http://schemas.openxmlformats.org/presentationml/2006/main">
+  <p:cSld>
+    <p:spTree>
+      <p:nvGrpSpPr>
+        <p:cNvPr id="1" name=""/>
+        <p:cNvGrpSpPr/>
+        <p:nvPr/>
+      </p:nvGrpSpPr>
+      <p:grpSpPr>
+        <a:xfrm>
+          <a:off x="0" y="0"/>
+          <a:ext cx="0" cy="0"/>
+          <a:chOff x="0" y="0"/>
+          <a:chExt cx="0" cy="0"/>
+        </a:xfrm>
+      </p:grpSpPr>
+      <p:sp>
+        <p:nvSpPr>
+          <p:cNvPr id="5" name="內容版面配置區 4"/>
+          <p:cNvSpPr>
+            <a:spLocks noGrp="1"/>
+          </p:cNvSpPr>
+          <p:nvPr>
+            <p:ph idx="1"/>
+          </p:nvPr>
+        </p:nvSpPr>
+        <p:spPr>
+          <a:xfrm>
+            <a:off x="0" y="2084851"/>
+            <a:ext cx="12192000" cy="2404863"/>
+          </a:xfrm>
+        </p:spPr>
+        <p:txBody>
+          <a:bodyPr anchor="ctr">
+            <a:normAutofit/>
+          </a:bodyPr>
+          <a:lstStyle/>
           <a:p>
             <a:pPr algn="ctr">
               <a:buNone/>
             </a:pPr>
             <a:r>
-              <a:rPr lang="zh-TW" altLang="en-US" sz="5400" b="1" dirty="0">
+              <a:rPr lang="zh-TW" altLang="en-US" sz="6600" b="1" dirty="0">
                 <a:solidFill>
                   <a:srgbClr val="660033"/>
                 </a:solidFill>
                 <a:latin typeface="微軟正黑體" pitchFamily="34" charset="-120"/>
                 <a:ea typeface="微軟正黑體" pitchFamily="34" charset="-120"/>
               </a:rPr>
-              <a:t>守護我  從今天起</a:t>
-            </a:r>
-            <a:endParaRPr lang="en-US" altLang="zh-TW" sz="5400" b="1" dirty="0">
+              <a:t>常施恩  常看顧</a:t>
+            </a:r>
+            <a:endParaRPr lang="en-US" altLang="zh-TW" sz="6600" b="1" dirty="0">
               <a:solidFill>
                 <a:srgbClr val="660033"/>
               </a:solidFill>
@@ -3887,19 +3574,355 @@
               <a:buNone/>
             </a:pPr>
             <a:r>
-              <a:rPr lang="zh-TW" altLang="en-US" sz="5400" b="1" dirty="0">
+              <a:rPr lang="zh-CN" altLang="en-US" sz="6600" b="1" dirty="0">
                 <a:solidFill>
                   <a:srgbClr val="660033"/>
                 </a:solidFill>
                 <a:latin typeface="微軟正黑體" pitchFamily="34" charset="-120"/>
                 <a:ea typeface="微軟正黑體" pitchFamily="34" charset="-120"/>
               </a:rPr>
-              <a:t>直到永遠</a:t>
-            </a:r>
+              <a:t>袮</a:t>
+            </a:r>
+            <a:r>
+              <a:rPr lang="zh-TW" altLang="en-US" sz="6600" b="1" dirty="0">
+                <a:solidFill>
+                  <a:srgbClr val="660033"/>
+                </a:solidFill>
+                <a:latin typeface="微軟正黑體" pitchFamily="34" charset="-120"/>
+                <a:ea typeface="微軟正黑體" pitchFamily="34" charset="-120"/>
+              </a:rPr>
+              <a:t>杖扶持  </a:t>
+            </a:r>
+            <a:r>
+              <a:rPr lang="zh-CN" altLang="en-US" sz="6600" b="1" dirty="0">
+                <a:solidFill>
+                  <a:srgbClr val="660033"/>
+                </a:solidFill>
+                <a:latin typeface="微軟正黑體" pitchFamily="34" charset="-120"/>
+                <a:ea typeface="微軟正黑體" pitchFamily="34" charset="-120"/>
+              </a:rPr>
+              <a:t>袮</a:t>
+            </a:r>
+            <a:r>
+              <a:rPr lang="zh-TW" altLang="en-US" sz="6600" b="1" dirty="0">
+                <a:solidFill>
+                  <a:srgbClr val="660033"/>
+                </a:solidFill>
+                <a:latin typeface="微軟正黑體" pitchFamily="34" charset="-120"/>
+                <a:ea typeface="微軟正黑體" pitchFamily="34" charset="-120"/>
+              </a:rPr>
+              <a:t>竿引領</a:t>
+            </a:r>
+            <a:endParaRPr lang="zh-TW" altLang="en-US" sz="6600" b="1" dirty="0">
+              <a:solidFill>
+                <a:srgbClr val="660033"/>
+              </a:solidFill>
+              <a:latin typeface="微軟正黑體" pitchFamily="34" charset="-120"/>
+              <a:ea typeface="微軟正黑體" pitchFamily="34" charset="-120"/>
+            </a:endParaRPr>
           </a:p>
         </p:txBody>
       </p:sp>
     </p:spTree>
+    <p:extLst>
+      <p:ext uri="{BB962C8B-B14F-4D97-AF65-F5344CB8AC3E}">
+        <p14:creationId xmlns:p14="http://schemas.microsoft.com/office/powerpoint/2010/main" val="1043808723"/>
+      </p:ext>
+    </p:extLst>
+  </p:cSld>
+  <p:clrMapOvr>
+    <a:masterClrMapping/>
+  </p:clrMapOvr>
+</p:sld>
+</file>
+
+<file path=ppt/slides/slide6.xml><?xml version="1.0" encoding="utf-8"?>
+<p:sld xmlns:a="http://schemas.openxmlformats.org/drawingml/2006/main" xmlns:r="http://schemas.openxmlformats.org/officeDocument/2006/relationships" xmlns:p="http://schemas.openxmlformats.org/presentationml/2006/main">
+  <p:cSld>
+    <p:spTree>
+      <p:nvGrpSpPr>
+        <p:cNvPr id="1" name=""/>
+        <p:cNvGrpSpPr/>
+        <p:nvPr/>
+      </p:nvGrpSpPr>
+      <p:grpSpPr>
+        <a:xfrm>
+          <a:off x="0" y="0"/>
+          <a:ext cx="0" cy="0"/>
+          <a:chOff x="0" y="0"/>
+          <a:chExt cx="0" cy="0"/>
+        </a:xfrm>
+      </p:grpSpPr>
+      <p:sp>
+        <p:nvSpPr>
+          <p:cNvPr id="5" name="內容版面配置區 4"/>
+          <p:cNvSpPr>
+            <a:spLocks noGrp="1"/>
+          </p:cNvSpPr>
+          <p:nvPr>
+            <p:ph idx="1"/>
+          </p:nvPr>
+        </p:nvSpPr>
+        <p:spPr>
+          <a:xfrm>
+            <a:off x="0" y="2084851"/>
+            <a:ext cx="12192000" cy="2404863"/>
+          </a:xfrm>
+        </p:spPr>
+        <p:txBody>
+          <a:bodyPr anchor="ctr">
+            <a:normAutofit/>
+          </a:bodyPr>
+          <a:lstStyle/>
+          <a:p>
+            <a:pPr algn="ctr">
+              <a:buNone/>
+            </a:pPr>
+            <a:r>
+              <a:rPr lang="zh-TW" altLang="en-US" sz="6600" b="1" dirty="0">
+                <a:solidFill>
+                  <a:srgbClr val="660033"/>
+                </a:solidFill>
+                <a:latin typeface="微軟正黑體" pitchFamily="34" charset="-120"/>
+                <a:ea typeface="微軟正黑體" pitchFamily="34" charset="-120"/>
+              </a:rPr>
+              <a:t>何時我跌倒  何時</a:t>
+            </a:r>
+            <a:r>
+              <a:rPr lang="zh-CN" altLang="en-US" sz="6600" b="1" dirty="0">
+                <a:solidFill>
+                  <a:srgbClr val="660033"/>
+                </a:solidFill>
+                <a:latin typeface="微軟正黑體" pitchFamily="34" charset="-120"/>
+                <a:ea typeface="微軟正黑體" pitchFamily="34" charset="-120"/>
+              </a:rPr>
+              <a:t>袮</a:t>
+            </a:r>
+            <a:r>
+              <a:rPr lang="zh-TW" altLang="en-US" sz="6600" b="1" dirty="0">
+                <a:solidFill>
+                  <a:srgbClr val="660033"/>
+                </a:solidFill>
+                <a:latin typeface="微軟正黑體" pitchFamily="34" charset="-120"/>
+                <a:ea typeface="微軟正黑體" pitchFamily="34" charset="-120"/>
+              </a:rPr>
+              <a:t>扶持</a:t>
+            </a:r>
+            <a:endParaRPr lang="en-US" altLang="zh-TW" sz="6600" b="1" dirty="0">
+              <a:solidFill>
+                <a:srgbClr val="660033"/>
+              </a:solidFill>
+              <a:latin typeface="微軟正黑體" pitchFamily="34" charset="-120"/>
+              <a:ea typeface="微軟正黑體" pitchFamily="34" charset="-120"/>
+            </a:endParaRPr>
+          </a:p>
+          <a:p>
+            <a:pPr algn="ctr">
+              <a:buNone/>
+            </a:pPr>
+            <a:r>
+              <a:rPr lang="zh-TW" altLang="en-US" sz="6600" b="1" dirty="0">
+                <a:solidFill>
+                  <a:srgbClr val="660033"/>
+                </a:solidFill>
+                <a:latin typeface="微軟正黑體" pitchFamily="34" charset="-120"/>
+                <a:ea typeface="微軟正黑體" pitchFamily="34" charset="-120"/>
+              </a:rPr>
+              <a:t>危難遇風雪  </a:t>
+            </a:r>
+            <a:r>
+              <a:rPr lang="zh-CN" altLang="en-US" sz="6600" b="1" dirty="0">
+                <a:solidFill>
+                  <a:srgbClr val="660033"/>
+                </a:solidFill>
+                <a:latin typeface="微軟正黑體" pitchFamily="34" charset="-120"/>
+                <a:ea typeface="微軟正黑體" pitchFamily="34" charset="-120"/>
+              </a:rPr>
+              <a:t>袮</a:t>
+            </a:r>
+            <a:r>
+              <a:rPr lang="zh-TW" altLang="en-US" sz="6600" b="1" dirty="0">
+                <a:solidFill>
+                  <a:srgbClr val="660033"/>
+                </a:solidFill>
+                <a:latin typeface="微軟正黑體" pitchFamily="34" charset="-120"/>
+                <a:ea typeface="微軟正黑體" pitchFamily="34" charset="-120"/>
+              </a:rPr>
+              <a:t>必庇佑</a:t>
+            </a:r>
+            <a:endParaRPr lang="en-US" altLang="zh-TW" sz="6600" b="1" dirty="0">
+              <a:solidFill>
+                <a:srgbClr val="660033"/>
+              </a:solidFill>
+              <a:latin typeface="微軟正黑體" pitchFamily="34" charset="-120"/>
+              <a:ea typeface="微軟正黑體" pitchFamily="34" charset="-120"/>
+            </a:endParaRPr>
+          </a:p>
+        </p:txBody>
+      </p:sp>
+    </p:spTree>
+    <p:extLst>
+      <p:ext uri="{BB962C8B-B14F-4D97-AF65-F5344CB8AC3E}">
+        <p14:creationId xmlns:p14="http://schemas.microsoft.com/office/powerpoint/2010/main" val="4079650688"/>
+      </p:ext>
+    </p:extLst>
+  </p:cSld>
+  <p:clrMapOvr>
+    <a:masterClrMapping/>
+  </p:clrMapOvr>
+</p:sld>
+</file>
+
+<file path=ppt/slides/slide7.xml><?xml version="1.0" encoding="utf-8"?>
+<p:sld xmlns:a="http://schemas.openxmlformats.org/drawingml/2006/main" xmlns:r="http://schemas.openxmlformats.org/officeDocument/2006/relationships" xmlns:p="http://schemas.openxmlformats.org/presentationml/2006/main">
+  <p:cSld>
+    <p:spTree>
+      <p:nvGrpSpPr>
+        <p:cNvPr id="1" name=""/>
+        <p:cNvGrpSpPr/>
+        <p:nvPr/>
+      </p:nvGrpSpPr>
+      <p:grpSpPr>
+        <a:xfrm>
+          <a:off x="0" y="0"/>
+          <a:ext cx="0" cy="0"/>
+          <a:chOff x="0" y="0"/>
+          <a:chExt cx="0" cy="0"/>
+        </a:xfrm>
+      </p:grpSpPr>
+      <p:sp>
+        <p:nvSpPr>
+          <p:cNvPr id="5" name="內容版面配置區 4"/>
+          <p:cNvSpPr>
+            <a:spLocks noGrp="1"/>
+          </p:cNvSpPr>
+          <p:nvPr>
+            <p:ph idx="1"/>
+          </p:nvPr>
+        </p:nvSpPr>
+        <p:spPr>
+          <a:xfrm>
+            <a:off x="0" y="2084851"/>
+            <a:ext cx="12192000" cy="2404863"/>
+          </a:xfrm>
+        </p:spPr>
+        <p:txBody>
+          <a:bodyPr anchor="ctr">
+            <a:normAutofit/>
+          </a:bodyPr>
+          <a:lstStyle/>
+          <a:p>
+            <a:pPr algn="ctr">
+              <a:buNone/>
+            </a:pPr>
+            <a:r>
+              <a:rPr lang="zh-TW" altLang="en-US" sz="6600" b="1" dirty="0">
+                <a:solidFill>
+                  <a:srgbClr val="660033"/>
+                </a:solidFill>
+                <a:latin typeface="微軟正黑體" pitchFamily="34" charset="-120"/>
+                <a:ea typeface="微軟正黑體" pitchFamily="34" charset="-120"/>
+              </a:rPr>
+              <a:t>前途在</a:t>
+            </a:r>
+            <a:r>
+              <a:rPr lang="zh-CN" altLang="en-US" sz="6600" b="1" dirty="0">
+                <a:solidFill>
+                  <a:srgbClr val="660033"/>
+                </a:solidFill>
+                <a:latin typeface="微軟正黑體" pitchFamily="34" charset="-120"/>
+                <a:ea typeface="微軟正黑體" pitchFamily="34" charset="-120"/>
+              </a:rPr>
+              <a:t>袮</a:t>
+            </a:r>
+            <a:r>
+              <a:rPr lang="zh-TW" altLang="en-US" sz="6600" b="1" dirty="0">
+                <a:solidFill>
+                  <a:srgbClr val="660033"/>
+                </a:solidFill>
+                <a:latin typeface="微軟正黑體" pitchFamily="34" charset="-120"/>
+                <a:ea typeface="微軟正黑體" pitchFamily="34" charset="-120"/>
+              </a:rPr>
+              <a:t>手  牽我到白頭</a:t>
+            </a:r>
+            <a:endParaRPr lang="en-US" altLang="zh-TW" sz="6600" b="1" dirty="0">
+              <a:solidFill>
+                <a:srgbClr val="660033"/>
+              </a:solidFill>
+              <a:latin typeface="微軟正黑體" pitchFamily="34" charset="-120"/>
+              <a:ea typeface="微軟正黑體" pitchFamily="34" charset="-120"/>
+            </a:endParaRPr>
+          </a:p>
+          <a:p>
+            <a:pPr algn="ctr">
+              <a:buNone/>
+            </a:pPr>
+            <a:r>
+              <a:rPr lang="zh-TW" altLang="en-US" sz="6600" b="1" dirty="0">
+                <a:solidFill>
+                  <a:srgbClr val="660033"/>
+                </a:solidFill>
+                <a:latin typeface="微軟正黑體" pitchFamily="34" charset="-120"/>
+                <a:ea typeface="微軟正黑體" pitchFamily="34" charset="-120"/>
+              </a:rPr>
+              <a:t>守護我  從今天</a:t>
+            </a:r>
+            <a:r>
+              <a:rPr lang="zh-TW" altLang="en-US" sz="6600" b="1" dirty="0" smtClean="0">
+                <a:solidFill>
+                  <a:srgbClr val="660033"/>
+                </a:solidFill>
+                <a:latin typeface="微軟正黑體" pitchFamily="34" charset="-120"/>
+                <a:ea typeface="微軟正黑體" pitchFamily="34" charset="-120"/>
+              </a:rPr>
+              <a:t>起</a:t>
+            </a:r>
+            <a:r>
+              <a:rPr lang="en-US" altLang="zh-TW" sz="6600" b="1" dirty="0" smtClean="0">
+                <a:solidFill>
+                  <a:srgbClr val="660033"/>
+                </a:solidFill>
+                <a:latin typeface="微軟正黑體" pitchFamily="34" charset="-120"/>
+                <a:ea typeface="微軟正黑體" pitchFamily="34" charset="-120"/>
+              </a:rPr>
+              <a:t>  </a:t>
+            </a:r>
+            <a:r>
+              <a:rPr lang="zh-TW" altLang="en-US" sz="6600" b="1" dirty="0" smtClean="0">
+                <a:solidFill>
+                  <a:srgbClr val="660033"/>
+                </a:solidFill>
+                <a:latin typeface="微軟正黑體" pitchFamily="34" charset="-120"/>
+                <a:ea typeface="微軟正黑體" pitchFamily="34" charset="-120"/>
+              </a:rPr>
+              <a:t>直</a:t>
+            </a:r>
+            <a:r>
+              <a:rPr lang="zh-TW" altLang="en-US" sz="6600" b="1" dirty="0">
+                <a:solidFill>
+                  <a:srgbClr val="660033"/>
+                </a:solidFill>
+                <a:latin typeface="微軟正黑體" pitchFamily="34" charset="-120"/>
+                <a:ea typeface="微軟正黑體" pitchFamily="34" charset="-120"/>
+              </a:rPr>
+              <a:t>到永遠</a:t>
+            </a:r>
+            <a:endParaRPr lang="zh-TW" altLang="en-US" sz="6600" b="1" dirty="0">
+              <a:solidFill>
+                <a:srgbClr val="660033"/>
+              </a:solidFill>
+              <a:latin typeface="微軟正黑體" pitchFamily="34" charset="-120"/>
+              <a:ea typeface="微軟正黑體" pitchFamily="34" charset="-120"/>
+            </a:endParaRPr>
+          </a:p>
+        </p:txBody>
+      </p:sp>
+    </p:spTree>
+    <p:extLst>
+      <p:ext uri="{BB962C8B-B14F-4D97-AF65-F5344CB8AC3E}">
+        <p14:creationId xmlns:p14="http://schemas.microsoft.com/office/powerpoint/2010/main" val="4098288834"/>
+      </p:ext>
+    </p:extLst>
   </p:cSld>
   <p:clrMapOvr>
     <a:masterClrMapping/>

--- a/神大愛(崇拜版).pptx
+++ b/神大愛(崇拜版).pptx
@@ -310,7 +310,7 @@
           <a:p>
             <a:fld id="{AB55ABB3-4662-401A-B868-CB91799AF64C}" type="datetimeFigureOut">
               <a:rPr lang="zh-TW" altLang="en-US" smtClean="0"/>
-              <a:t>2020/10/22</a:t>
+              <a:t>2022/2/26</a:t>
             </a:fld>
             <a:endParaRPr lang="zh-TW" altLang="en-US"/>
           </a:p>
@@ -480,7 +480,7 @@
           <a:p>
             <a:fld id="{AB55ABB3-4662-401A-B868-CB91799AF64C}" type="datetimeFigureOut">
               <a:rPr lang="zh-TW" altLang="en-US" smtClean="0"/>
-              <a:t>2020/10/22</a:t>
+              <a:t>2022/2/26</a:t>
             </a:fld>
             <a:endParaRPr lang="zh-TW" altLang="en-US"/>
           </a:p>
@@ -660,7 +660,7 @@
           <a:p>
             <a:fld id="{AB55ABB3-4662-401A-B868-CB91799AF64C}" type="datetimeFigureOut">
               <a:rPr lang="zh-TW" altLang="en-US" smtClean="0"/>
-              <a:t>2020/10/22</a:t>
+              <a:t>2022/2/26</a:t>
             </a:fld>
             <a:endParaRPr lang="zh-TW" altLang="en-US"/>
           </a:p>
@@ -830,7 +830,7 @@
           <a:p>
             <a:fld id="{AB55ABB3-4662-401A-B868-CB91799AF64C}" type="datetimeFigureOut">
               <a:rPr lang="zh-TW" altLang="en-US" smtClean="0"/>
-              <a:t>2020/10/22</a:t>
+              <a:t>2022/2/26</a:t>
             </a:fld>
             <a:endParaRPr lang="zh-TW" altLang="en-US"/>
           </a:p>
@@ -1076,7 +1076,7 @@
           <a:p>
             <a:fld id="{AB55ABB3-4662-401A-B868-CB91799AF64C}" type="datetimeFigureOut">
               <a:rPr lang="zh-TW" altLang="en-US" smtClean="0"/>
-              <a:t>2020/10/22</a:t>
+              <a:t>2022/2/26</a:t>
             </a:fld>
             <a:endParaRPr lang="zh-TW" altLang="en-US"/>
           </a:p>
@@ -1364,7 +1364,7 @@
           <a:p>
             <a:fld id="{AB55ABB3-4662-401A-B868-CB91799AF64C}" type="datetimeFigureOut">
               <a:rPr lang="zh-TW" altLang="en-US" smtClean="0"/>
-              <a:t>2020/10/22</a:t>
+              <a:t>2022/2/26</a:t>
             </a:fld>
             <a:endParaRPr lang="zh-TW" altLang="en-US"/>
           </a:p>
@@ -1786,7 +1786,7 @@
           <a:p>
             <a:fld id="{AB55ABB3-4662-401A-B868-CB91799AF64C}" type="datetimeFigureOut">
               <a:rPr lang="zh-TW" altLang="en-US" smtClean="0"/>
-              <a:t>2020/10/22</a:t>
+              <a:t>2022/2/26</a:t>
             </a:fld>
             <a:endParaRPr lang="zh-TW" altLang="en-US"/>
           </a:p>
@@ -1904,7 +1904,7 @@
           <a:p>
             <a:fld id="{AB55ABB3-4662-401A-B868-CB91799AF64C}" type="datetimeFigureOut">
               <a:rPr lang="zh-TW" altLang="en-US" smtClean="0"/>
-              <a:t>2020/10/22</a:t>
+              <a:t>2022/2/26</a:t>
             </a:fld>
             <a:endParaRPr lang="zh-TW" altLang="en-US"/>
           </a:p>
@@ -1999,7 +1999,7 @@
           <a:p>
             <a:fld id="{AB55ABB3-4662-401A-B868-CB91799AF64C}" type="datetimeFigureOut">
               <a:rPr lang="zh-TW" altLang="en-US" smtClean="0"/>
-              <a:t>2020/10/22</a:t>
+              <a:t>2022/2/26</a:t>
             </a:fld>
             <a:endParaRPr lang="zh-TW" altLang="en-US"/>
           </a:p>
@@ -2276,7 +2276,7 @@
           <a:p>
             <a:fld id="{AB55ABB3-4662-401A-B868-CB91799AF64C}" type="datetimeFigureOut">
               <a:rPr lang="zh-TW" altLang="en-US" smtClean="0"/>
-              <a:t>2020/10/22</a:t>
+              <a:t>2022/2/26</a:t>
             </a:fld>
             <a:endParaRPr lang="zh-TW" altLang="en-US"/>
           </a:p>
@@ -2533,7 +2533,7 @@
           <a:p>
             <a:fld id="{AB55ABB3-4662-401A-B868-CB91799AF64C}" type="datetimeFigureOut">
               <a:rPr lang="zh-TW" altLang="en-US" smtClean="0"/>
-              <a:t>2020/10/22</a:t>
+              <a:t>2022/2/26</a:t>
             </a:fld>
             <a:endParaRPr lang="zh-TW" altLang="en-US"/>
           </a:p>
@@ -2751,7 +2751,7 @@
           <a:p>
             <a:fld id="{AB55ABB3-4662-401A-B868-CB91799AF64C}" type="datetimeFigureOut">
               <a:rPr lang="zh-TW" altLang="en-US" smtClean="0"/>
-              <a:t>2020/10/22</a:t>
+              <a:t>2022/2/26</a:t>
             </a:fld>
             <a:endParaRPr lang="zh-TW" altLang="en-US"/>
           </a:p>
@@ -3138,7 +3138,7 @@
         </p:nvSpPr>
         <p:spPr>
           <a:xfrm>
-            <a:off x="0" y="2857513"/>
+            <a:off x="0" y="2708920"/>
             <a:ext cx="12192000" cy="1143000"/>
           </a:xfrm>
         </p:spPr>
@@ -3282,6 +3282,83 @@
           </a:p>
         </p:txBody>
       </p:sp>
+      <p:sp>
+        <p:nvSpPr>
+          <p:cNvPr id="3" name="TextBox 2"/>
+          <p:cNvSpPr txBox="1"/>
+          <p:nvPr/>
+        </p:nvSpPr>
+        <p:spPr>
+          <a:xfrm>
+            <a:off x="178" y="5373216"/>
+            <a:ext cx="12191822" cy="769441"/>
+          </a:xfrm>
+          <a:prstGeom prst="rect">
+            <a:avLst/>
+          </a:prstGeom>
+          <a:noFill/>
+        </p:spPr>
+        <p:txBody>
+          <a:bodyPr wrap="square" rtlCol="0" anchor="ctr">
+            <a:spAutoFit/>
+          </a:bodyPr>
+          <a:lstStyle/>
+          <a:p>
+            <a:pPr algn="ctr"/>
+            <a:r>
+              <a:rPr lang="en-US" sz="4400" b="1" dirty="0">
+                <a:solidFill>
+                  <a:srgbClr val="660033"/>
+                </a:solidFill>
+                <a:effectLst/>
+                <a:latin typeface="Microsoft JhengHei" panose="020B0604030504040204" pitchFamily="34" charset="-120"/>
+                <a:ea typeface="Microsoft JhengHei" panose="020B0604030504040204" pitchFamily="34" charset="-120"/>
+              </a:rPr>
+              <a:t>( </a:t>
+            </a:r>
+            <a:r>
+              <a:rPr lang="zh-CN" altLang="en-US" sz="4400" b="1" dirty="0" smtClean="0">
+                <a:solidFill>
+                  <a:srgbClr val="660033"/>
+                </a:solidFill>
+                <a:effectLst/>
+                <a:latin typeface="Microsoft JhengHei" panose="020B0604030504040204" pitchFamily="34" charset="-120"/>
+                <a:ea typeface="Microsoft JhengHei" panose="020B0604030504040204" pitchFamily="34" charset="-120"/>
+              </a:rPr>
+              <a:t>正</a:t>
+            </a:r>
+            <a:r>
+              <a:rPr lang="en-US" sz="4400" b="1" dirty="0" smtClean="0">
+                <a:solidFill>
+                  <a:srgbClr val="660033"/>
+                </a:solidFill>
+                <a:effectLst/>
+                <a:latin typeface="Microsoft JhengHei" panose="020B0604030504040204" pitchFamily="34" charset="-120"/>
+                <a:ea typeface="Microsoft JhengHei" panose="020B0604030504040204" pitchFamily="34" charset="-120"/>
+              </a:rPr>
+              <a:t> </a:t>
+            </a:r>
+            <a:r>
+              <a:rPr lang="en-US" sz="4400" b="1" dirty="0">
+                <a:solidFill>
+                  <a:srgbClr val="660033"/>
+                </a:solidFill>
+                <a:effectLst/>
+                <a:latin typeface="Microsoft JhengHei" panose="020B0604030504040204" pitchFamily="34" charset="-120"/>
+                <a:ea typeface="Microsoft JhengHei" panose="020B0604030504040204" pitchFamily="34" charset="-120"/>
+              </a:rPr>
+              <a:t>)</a:t>
+            </a:r>
+            <a:endParaRPr lang="vi-VN" sz="4400" b="1" dirty="0">
+              <a:solidFill>
+                <a:srgbClr val="660033"/>
+              </a:solidFill>
+              <a:effectLst/>
+              <a:ea typeface="Microsoft JhengHei" panose="020B0604030504040204" pitchFamily="34" charset="-120"/>
+            </a:endParaRPr>
+          </a:p>
+        </p:txBody>
+      </p:sp>
     </p:spTree>
     <p:extLst>
       <p:ext uri="{BB962C8B-B14F-4D97-AF65-F5344CB8AC3E}">
@@ -3379,12 +3456,82 @@
               </a:rPr>
               <a:t>話語叫我永不動搖</a:t>
             </a:r>
-            <a:endParaRPr lang="zh-TW" altLang="en-US" sz="6600" b="1" dirty="0">
+          </a:p>
+        </p:txBody>
+      </p:sp>
+      <p:sp>
+        <p:nvSpPr>
+          <p:cNvPr id="3" name="TextBox 2"/>
+          <p:cNvSpPr txBox="1"/>
+          <p:nvPr/>
+        </p:nvSpPr>
+        <p:spPr>
+          <a:xfrm>
+            <a:off x="178" y="5373216"/>
+            <a:ext cx="12191822" cy="769441"/>
+          </a:xfrm>
+          <a:prstGeom prst="rect">
+            <a:avLst/>
+          </a:prstGeom>
+          <a:noFill/>
+        </p:spPr>
+        <p:txBody>
+          <a:bodyPr wrap="square" rtlCol="0" anchor="ctr">
+            <a:spAutoFit/>
+          </a:bodyPr>
+          <a:lstStyle/>
+          <a:p>
+            <a:pPr algn="ctr"/>
+            <a:r>
+              <a:rPr lang="en-US" sz="4400" b="1" dirty="0">
+                <a:solidFill>
+                  <a:srgbClr val="660033"/>
+                </a:solidFill>
+                <a:effectLst/>
+                <a:latin typeface="Microsoft JhengHei" panose="020B0604030504040204" pitchFamily="34" charset="-120"/>
+                <a:ea typeface="Microsoft JhengHei" panose="020B0604030504040204" pitchFamily="34" charset="-120"/>
+              </a:rPr>
+              <a:t>( </a:t>
+            </a:r>
+            <a:r>
+              <a:rPr lang="zh-CN" altLang="en-US" sz="4400" b="1" dirty="0" smtClean="0">
+                <a:solidFill>
+                  <a:srgbClr val="660033"/>
+                </a:solidFill>
+                <a:effectLst/>
+                <a:latin typeface="Microsoft JhengHei" panose="020B0604030504040204" pitchFamily="34" charset="-120"/>
+                <a:ea typeface="Microsoft JhengHei" panose="020B0604030504040204" pitchFamily="34" charset="-120"/>
+              </a:rPr>
+              <a:t>正</a:t>
+            </a:r>
+            <a:r>
+              <a:rPr lang="en-US" sz="4400" b="1" dirty="0" smtClean="0">
+                <a:solidFill>
+                  <a:srgbClr val="660033"/>
+                </a:solidFill>
+                <a:effectLst/>
+                <a:latin typeface="Microsoft JhengHei" panose="020B0604030504040204" pitchFamily="34" charset="-120"/>
+                <a:ea typeface="Microsoft JhengHei" panose="020B0604030504040204" pitchFamily="34" charset="-120"/>
+              </a:rPr>
+              <a:t> </a:t>
+            </a:r>
+            <a:r>
+              <a:rPr lang="en-US" sz="4400" b="1" dirty="0">
+                <a:solidFill>
+                  <a:srgbClr val="660033"/>
+                </a:solidFill>
+                <a:effectLst/>
+                <a:latin typeface="Microsoft JhengHei" panose="020B0604030504040204" pitchFamily="34" charset="-120"/>
+                <a:ea typeface="Microsoft JhengHei" panose="020B0604030504040204" pitchFamily="34" charset="-120"/>
+              </a:rPr>
+              <a:t>)</a:t>
+            </a:r>
+            <a:endParaRPr lang="vi-VN" sz="4400" b="1" dirty="0">
               <a:solidFill>
                 <a:srgbClr val="660033"/>
               </a:solidFill>
-              <a:latin typeface="微軟正黑體" pitchFamily="34" charset="-120"/>
-              <a:ea typeface="微軟正黑體" pitchFamily="34" charset="-120"/>
+              <a:effectLst/>
+              <a:ea typeface="Microsoft JhengHei" panose="020B0604030504040204" pitchFamily="34" charset="-120"/>
             </a:endParaRPr>
           </a:p>
         </p:txBody>
@@ -3496,6 +3643,83 @@
           </a:p>
         </p:txBody>
       </p:sp>
+      <p:sp>
+        <p:nvSpPr>
+          <p:cNvPr id="3" name="TextBox 2"/>
+          <p:cNvSpPr txBox="1"/>
+          <p:nvPr/>
+        </p:nvSpPr>
+        <p:spPr>
+          <a:xfrm>
+            <a:off x="178" y="5373216"/>
+            <a:ext cx="12191822" cy="769441"/>
+          </a:xfrm>
+          <a:prstGeom prst="rect">
+            <a:avLst/>
+          </a:prstGeom>
+          <a:noFill/>
+        </p:spPr>
+        <p:txBody>
+          <a:bodyPr wrap="square" rtlCol="0" anchor="ctr">
+            <a:spAutoFit/>
+          </a:bodyPr>
+          <a:lstStyle/>
+          <a:p>
+            <a:pPr algn="ctr"/>
+            <a:r>
+              <a:rPr lang="en-US" sz="4400" b="1" dirty="0">
+                <a:solidFill>
+                  <a:srgbClr val="660033"/>
+                </a:solidFill>
+                <a:effectLst/>
+                <a:latin typeface="Microsoft JhengHei" panose="020B0604030504040204" pitchFamily="34" charset="-120"/>
+                <a:ea typeface="Microsoft JhengHei" panose="020B0604030504040204" pitchFamily="34" charset="-120"/>
+              </a:rPr>
+              <a:t>( </a:t>
+            </a:r>
+            <a:r>
+              <a:rPr lang="zh-CN" altLang="en-US" sz="4400" b="1" dirty="0" smtClean="0">
+                <a:solidFill>
+                  <a:srgbClr val="660033"/>
+                </a:solidFill>
+                <a:effectLst/>
+                <a:latin typeface="Microsoft JhengHei" panose="020B0604030504040204" pitchFamily="34" charset="-120"/>
+                <a:ea typeface="Microsoft JhengHei" panose="020B0604030504040204" pitchFamily="34" charset="-120"/>
+              </a:rPr>
+              <a:t>正</a:t>
+            </a:r>
+            <a:r>
+              <a:rPr lang="en-US" sz="4400" b="1" dirty="0" smtClean="0">
+                <a:solidFill>
+                  <a:srgbClr val="660033"/>
+                </a:solidFill>
+                <a:effectLst/>
+                <a:latin typeface="Microsoft JhengHei" panose="020B0604030504040204" pitchFamily="34" charset="-120"/>
+                <a:ea typeface="Microsoft JhengHei" panose="020B0604030504040204" pitchFamily="34" charset="-120"/>
+              </a:rPr>
+              <a:t> </a:t>
+            </a:r>
+            <a:r>
+              <a:rPr lang="en-US" sz="4400" b="1" dirty="0">
+                <a:solidFill>
+                  <a:srgbClr val="660033"/>
+                </a:solidFill>
+                <a:effectLst/>
+                <a:latin typeface="Microsoft JhengHei" panose="020B0604030504040204" pitchFamily="34" charset="-120"/>
+                <a:ea typeface="Microsoft JhengHei" panose="020B0604030504040204" pitchFamily="34" charset="-120"/>
+              </a:rPr>
+              <a:t>)</a:t>
+            </a:r>
+            <a:endParaRPr lang="vi-VN" sz="4400" b="1" dirty="0">
+              <a:solidFill>
+                <a:srgbClr val="660033"/>
+              </a:solidFill>
+              <a:effectLst/>
+              <a:ea typeface="Microsoft JhengHei" panose="020B0604030504040204" pitchFamily="34" charset="-120"/>
+            </a:endParaRPr>
+          </a:p>
+        </p:txBody>
+      </p:sp>
     </p:spTree>
     <p:extLst>
       <p:ext uri="{BB962C8B-B14F-4D97-AF65-F5344CB8AC3E}">
@@ -3613,12 +3837,82 @@
               </a:rPr>
               <a:t>竿引領</a:t>
             </a:r>
-            <a:endParaRPr lang="zh-TW" altLang="en-US" sz="6600" b="1" dirty="0">
+          </a:p>
+        </p:txBody>
+      </p:sp>
+      <p:sp>
+        <p:nvSpPr>
+          <p:cNvPr id="3" name="TextBox 2"/>
+          <p:cNvSpPr txBox="1"/>
+          <p:nvPr/>
+        </p:nvSpPr>
+        <p:spPr>
+          <a:xfrm>
+            <a:off x="178" y="5373216"/>
+            <a:ext cx="12191822" cy="769441"/>
+          </a:xfrm>
+          <a:prstGeom prst="rect">
+            <a:avLst/>
+          </a:prstGeom>
+          <a:noFill/>
+        </p:spPr>
+        <p:txBody>
+          <a:bodyPr wrap="square" rtlCol="0" anchor="ctr">
+            <a:spAutoFit/>
+          </a:bodyPr>
+          <a:lstStyle/>
+          <a:p>
+            <a:pPr algn="ctr"/>
+            <a:r>
+              <a:rPr lang="en-US" sz="4400" b="1" dirty="0">
+                <a:solidFill>
+                  <a:srgbClr val="660033"/>
+                </a:solidFill>
+                <a:effectLst/>
+                <a:latin typeface="Microsoft JhengHei" panose="020B0604030504040204" pitchFamily="34" charset="-120"/>
+                <a:ea typeface="Microsoft JhengHei" panose="020B0604030504040204" pitchFamily="34" charset="-120"/>
+              </a:rPr>
+              <a:t>( </a:t>
+            </a:r>
+            <a:r>
+              <a:rPr lang="zh-CN" altLang="en-US" sz="4400" b="1" dirty="0" smtClean="0">
+                <a:solidFill>
+                  <a:srgbClr val="660033"/>
+                </a:solidFill>
+                <a:effectLst/>
+                <a:latin typeface="Microsoft JhengHei" panose="020B0604030504040204" pitchFamily="34" charset="-120"/>
+                <a:ea typeface="Microsoft JhengHei" panose="020B0604030504040204" pitchFamily="34" charset="-120"/>
+              </a:rPr>
+              <a:t>正</a:t>
+            </a:r>
+            <a:r>
+              <a:rPr lang="en-US" sz="4400" b="1" dirty="0" smtClean="0">
+                <a:solidFill>
+                  <a:srgbClr val="660033"/>
+                </a:solidFill>
+                <a:effectLst/>
+                <a:latin typeface="Microsoft JhengHei" panose="020B0604030504040204" pitchFamily="34" charset="-120"/>
+                <a:ea typeface="Microsoft JhengHei" panose="020B0604030504040204" pitchFamily="34" charset="-120"/>
+              </a:rPr>
+              <a:t> </a:t>
+            </a:r>
+            <a:r>
+              <a:rPr lang="en-US" sz="4400" b="1" dirty="0">
+                <a:solidFill>
+                  <a:srgbClr val="660033"/>
+                </a:solidFill>
+                <a:effectLst/>
+                <a:latin typeface="Microsoft JhengHei" panose="020B0604030504040204" pitchFamily="34" charset="-120"/>
+                <a:ea typeface="Microsoft JhengHei" panose="020B0604030504040204" pitchFamily="34" charset="-120"/>
+              </a:rPr>
+              <a:t>)</a:t>
+            </a:r>
+            <a:endParaRPr lang="vi-VN" sz="4400" b="1" dirty="0">
               <a:solidFill>
                 <a:srgbClr val="660033"/>
               </a:solidFill>
-              <a:latin typeface="微軟正黑體" pitchFamily="34" charset="-120"/>
-              <a:ea typeface="微軟正黑體" pitchFamily="34" charset="-120"/>
+              <a:effectLst/>
+              <a:ea typeface="Microsoft JhengHei" panose="020B0604030504040204" pitchFamily="34" charset="-120"/>
             </a:endParaRPr>
           </a:p>
         </p:txBody>
@@ -3760,6 +4054,83 @@
           </a:p>
         </p:txBody>
       </p:sp>
+      <p:sp>
+        <p:nvSpPr>
+          <p:cNvPr id="3" name="TextBox 2"/>
+          <p:cNvSpPr txBox="1"/>
+          <p:nvPr/>
+        </p:nvSpPr>
+        <p:spPr>
+          <a:xfrm>
+            <a:off x="178" y="5373216"/>
+            <a:ext cx="12191822" cy="769441"/>
+          </a:xfrm>
+          <a:prstGeom prst="rect">
+            <a:avLst/>
+          </a:prstGeom>
+          <a:noFill/>
+        </p:spPr>
+        <p:txBody>
+          <a:bodyPr wrap="square" rtlCol="0" anchor="ctr">
+            <a:spAutoFit/>
+          </a:bodyPr>
+          <a:lstStyle/>
+          <a:p>
+            <a:pPr algn="ctr"/>
+            <a:r>
+              <a:rPr lang="en-US" sz="4400" b="1" dirty="0">
+                <a:solidFill>
+                  <a:srgbClr val="660033"/>
+                </a:solidFill>
+                <a:effectLst/>
+                <a:latin typeface="Microsoft JhengHei" panose="020B0604030504040204" pitchFamily="34" charset="-120"/>
+                <a:ea typeface="Microsoft JhengHei" panose="020B0604030504040204" pitchFamily="34" charset="-120"/>
+              </a:rPr>
+              <a:t>( </a:t>
+            </a:r>
+            <a:r>
+              <a:rPr lang="zh-CN" altLang="en-US" sz="4400" b="1" dirty="0">
+                <a:solidFill>
+                  <a:srgbClr val="660033"/>
+                </a:solidFill>
+                <a:effectLst/>
+                <a:latin typeface="Microsoft JhengHei" panose="020B0604030504040204" pitchFamily="34" charset="-120"/>
+                <a:ea typeface="Microsoft JhengHei" panose="020B0604030504040204" pitchFamily="34" charset="-120"/>
+              </a:rPr>
+              <a:t>副</a:t>
+            </a:r>
+            <a:r>
+              <a:rPr lang="en-US" sz="4400" b="1" dirty="0" smtClean="0">
+                <a:solidFill>
+                  <a:srgbClr val="660033"/>
+                </a:solidFill>
+                <a:effectLst/>
+                <a:latin typeface="Microsoft JhengHei" panose="020B0604030504040204" pitchFamily="34" charset="-120"/>
+                <a:ea typeface="Microsoft JhengHei" panose="020B0604030504040204" pitchFamily="34" charset="-120"/>
+              </a:rPr>
+              <a:t> </a:t>
+            </a:r>
+            <a:r>
+              <a:rPr lang="en-US" sz="4400" b="1" dirty="0">
+                <a:solidFill>
+                  <a:srgbClr val="660033"/>
+                </a:solidFill>
+                <a:effectLst/>
+                <a:latin typeface="Microsoft JhengHei" panose="020B0604030504040204" pitchFamily="34" charset="-120"/>
+                <a:ea typeface="Microsoft JhengHei" panose="020B0604030504040204" pitchFamily="34" charset="-120"/>
+              </a:rPr>
+              <a:t>)</a:t>
+            </a:r>
+            <a:endParaRPr lang="vi-VN" sz="4400" b="1" dirty="0">
+              <a:solidFill>
+                <a:srgbClr val="660033"/>
+              </a:solidFill>
+              <a:effectLst/>
+              <a:ea typeface="Microsoft JhengHei" panose="020B0604030504040204" pitchFamily="34" charset="-120"/>
+            </a:endParaRPr>
+          </a:p>
+        </p:txBody>
+      </p:sp>
     </p:spTree>
     <p:extLst>
       <p:ext uri="{BB962C8B-B14F-4D97-AF65-F5344CB8AC3E}">
@@ -3907,12 +4278,82 @@
               </a:rPr>
               <a:t>到永遠</a:t>
             </a:r>
-            <a:endParaRPr lang="zh-TW" altLang="en-US" sz="6600" b="1" dirty="0">
+          </a:p>
+        </p:txBody>
+      </p:sp>
+      <p:sp>
+        <p:nvSpPr>
+          <p:cNvPr id="3" name="TextBox 2"/>
+          <p:cNvSpPr txBox="1"/>
+          <p:nvPr/>
+        </p:nvSpPr>
+        <p:spPr>
+          <a:xfrm>
+            <a:off x="178" y="5373216"/>
+            <a:ext cx="12191822" cy="769441"/>
+          </a:xfrm>
+          <a:prstGeom prst="rect">
+            <a:avLst/>
+          </a:prstGeom>
+          <a:noFill/>
+        </p:spPr>
+        <p:txBody>
+          <a:bodyPr wrap="square" rtlCol="0" anchor="ctr">
+            <a:spAutoFit/>
+          </a:bodyPr>
+          <a:lstStyle/>
+          <a:p>
+            <a:pPr algn="ctr"/>
+            <a:r>
+              <a:rPr lang="en-US" sz="4400" b="1" dirty="0">
+                <a:solidFill>
+                  <a:srgbClr val="660033"/>
+                </a:solidFill>
+                <a:effectLst/>
+                <a:latin typeface="Microsoft JhengHei" panose="020B0604030504040204" pitchFamily="34" charset="-120"/>
+                <a:ea typeface="Microsoft JhengHei" panose="020B0604030504040204" pitchFamily="34" charset="-120"/>
+              </a:rPr>
+              <a:t>( </a:t>
+            </a:r>
+            <a:r>
+              <a:rPr lang="zh-CN" altLang="en-US" sz="4400" b="1" dirty="0">
+                <a:solidFill>
+                  <a:srgbClr val="660033"/>
+                </a:solidFill>
+                <a:effectLst/>
+                <a:latin typeface="Microsoft JhengHei" panose="020B0604030504040204" pitchFamily="34" charset="-120"/>
+                <a:ea typeface="Microsoft JhengHei" panose="020B0604030504040204" pitchFamily="34" charset="-120"/>
+              </a:rPr>
+              <a:t>副</a:t>
+            </a:r>
+            <a:r>
+              <a:rPr lang="en-US" sz="4400" b="1" dirty="0" smtClean="0">
+                <a:solidFill>
+                  <a:srgbClr val="660033"/>
+                </a:solidFill>
+                <a:effectLst/>
+                <a:latin typeface="Microsoft JhengHei" panose="020B0604030504040204" pitchFamily="34" charset="-120"/>
+                <a:ea typeface="Microsoft JhengHei" panose="020B0604030504040204" pitchFamily="34" charset="-120"/>
+              </a:rPr>
+              <a:t> </a:t>
+            </a:r>
+            <a:r>
+              <a:rPr lang="en-US" sz="4400" b="1" dirty="0">
+                <a:solidFill>
+                  <a:srgbClr val="660033"/>
+                </a:solidFill>
+                <a:effectLst/>
+                <a:latin typeface="Microsoft JhengHei" panose="020B0604030504040204" pitchFamily="34" charset="-120"/>
+                <a:ea typeface="Microsoft JhengHei" panose="020B0604030504040204" pitchFamily="34" charset="-120"/>
+              </a:rPr>
+              <a:t>)</a:t>
+            </a:r>
+            <a:endParaRPr lang="vi-VN" sz="4400" b="1" dirty="0">
               <a:solidFill>
                 <a:srgbClr val="660033"/>
               </a:solidFill>
-              <a:latin typeface="微軟正黑體" pitchFamily="34" charset="-120"/>
-              <a:ea typeface="微軟正黑體" pitchFamily="34" charset="-120"/>
+              <a:effectLst/>
+              <a:ea typeface="Microsoft JhengHei" panose="020B0604030504040204" pitchFamily="34" charset="-120"/>
             </a:endParaRPr>
           </a:p>
         </p:txBody>

--- a/神大愛(崇拜版).pptx
+++ b/神大愛(崇拜版).pptx
@@ -310,7 +310,7 @@
           <a:p>
             <a:fld id="{AB55ABB3-4662-401A-B868-CB91799AF64C}" type="datetimeFigureOut">
               <a:rPr lang="zh-TW" altLang="en-US" smtClean="0"/>
-              <a:t>2022/2/26</a:t>
+              <a:t>2023/10/7</a:t>
             </a:fld>
             <a:endParaRPr lang="zh-TW" altLang="en-US"/>
           </a:p>
@@ -480,7 +480,7 @@
           <a:p>
             <a:fld id="{AB55ABB3-4662-401A-B868-CB91799AF64C}" type="datetimeFigureOut">
               <a:rPr lang="zh-TW" altLang="en-US" smtClean="0"/>
-              <a:t>2022/2/26</a:t>
+              <a:t>2023/10/7</a:t>
             </a:fld>
             <a:endParaRPr lang="zh-TW" altLang="en-US"/>
           </a:p>
@@ -660,7 +660,7 @@
           <a:p>
             <a:fld id="{AB55ABB3-4662-401A-B868-CB91799AF64C}" type="datetimeFigureOut">
               <a:rPr lang="zh-TW" altLang="en-US" smtClean="0"/>
-              <a:t>2022/2/26</a:t>
+              <a:t>2023/10/7</a:t>
             </a:fld>
             <a:endParaRPr lang="zh-TW" altLang="en-US"/>
           </a:p>
@@ -830,7 +830,7 @@
           <a:p>
             <a:fld id="{AB55ABB3-4662-401A-B868-CB91799AF64C}" type="datetimeFigureOut">
               <a:rPr lang="zh-TW" altLang="en-US" smtClean="0"/>
-              <a:t>2022/2/26</a:t>
+              <a:t>2023/10/7</a:t>
             </a:fld>
             <a:endParaRPr lang="zh-TW" altLang="en-US"/>
           </a:p>
@@ -1076,7 +1076,7 @@
           <a:p>
             <a:fld id="{AB55ABB3-4662-401A-B868-CB91799AF64C}" type="datetimeFigureOut">
               <a:rPr lang="zh-TW" altLang="en-US" smtClean="0"/>
-              <a:t>2022/2/26</a:t>
+              <a:t>2023/10/7</a:t>
             </a:fld>
             <a:endParaRPr lang="zh-TW" altLang="en-US"/>
           </a:p>
@@ -1364,7 +1364,7 @@
           <a:p>
             <a:fld id="{AB55ABB3-4662-401A-B868-CB91799AF64C}" type="datetimeFigureOut">
               <a:rPr lang="zh-TW" altLang="en-US" smtClean="0"/>
-              <a:t>2022/2/26</a:t>
+              <a:t>2023/10/7</a:t>
             </a:fld>
             <a:endParaRPr lang="zh-TW" altLang="en-US"/>
           </a:p>
@@ -1786,7 +1786,7 @@
           <a:p>
             <a:fld id="{AB55ABB3-4662-401A-B868-CB91799AF64C}" type="datetimeFigureOut">
               <a:rPr lang="zh-TW" altLang="en-US" smtClean="0"/>
-              <a:t>2022/2/26</a:t>
+              <a:t>2023/10/7</a:t>
             </a:fld>
             <a:endParaRPr lang="zh-TW" altLang="en-US"/>
           </a:p>
@@ -1904,7 +1904,7 @@
           <a:p>
             <a:fld id="{AB55ABB3-4662-401A-B868-CB91799AF64C}" type="datetimeFigureOut">
               <a:rPr lang="zh-TW" altLang="en-US" smtClean="0"/>
-              <a:t>2022/2/26</a:t>
+              <a:t>2023/10/7</a:t>
             </a:fld>
             <a:endParaRPr lang="zh-TW" altLang="en-US"/>
           </a:p>
@@ -1999,7 +1999,7 @@
           <a:p>
             <a:fld id="{AB55ABB3-4662-401A-B868-CB91799AF64C}" type="datetimeFigureOut">
               <a:rPr lang="zh-TW" altLang="en-US" smtClean="0"/>
-              <a:t>2022/2/26</a:t>
+              <a:t>2023/10/7</a:t>
             </a:fld>
             <a:endParaRPr lang="zh-TW" altLang="en-US"/>
           </a:p>
@@ -2276,7 +2276,7 @@
           <a:p>
             <a:fld id="{AB55ABB3-4662-401A-B868-CB91799AF64C}" type="datetimeFigureOut">
               <a:rPr lang="zh-TW" altLang="en-US" smtClean="0"/>
-              <a:t>2022/2/26</a:t>
+              <a:t>2023/10/7</a:t>
             </a:fld>
             <a:endParaRPr lang="zh-TW" altLang="en-US"/>
           </a:p>
@@ -2533,7 +2533,7 @@
           <a:p>
             <a:fld id="{AB55ABB3-4662-401A-B868-CB91799AF64C}" type="datetimeFigureOut">
               <a:rPr lang="zh-TW" altLang="en-US" smtClean="0"/>
-              <a:t>2022/2/26</a:t>
+              <a:t>2023/10/7</a:t>
             </a:fld>
             <a:endParaRPr lang="zh-TW" altLang="en-US"/>
           </a:p>
@@ -2751,7 +2751,7 @@
           <a:p>
             <a:fld id="{AB55ABB3-4662-401A-B868-CB91799AF64C}" type="datetimeFigureOut">
               <a:rPr lang="zh-TW" altLang="en-US" smtClean="0"/>
-              <a:t>2022/2/26</a:t>
+              <a:t>2023/10/7</a:t>
             </a:fld>
             <a:endParaRPr lang="zh-TW" altLang="en-US"/>
           </a:p>
@@ -3149,15 +3149,15 @@
           <a:lstStyle/>
           <a:p>
             <a:r>
-              <a:rPr lang="zh-TW" altLang="en-US" sz="7200" b="1" dirty="0" smtClean="0">
+              <a:rPr lang="zh-TW" altLang="en-US" sz="7200" b="1" i="1" dirty="0">
                 <a:solidFill>
                   <a:srgbClr val="660033"/>
                 </a:solidFill>
                 <a:effectLst>
-                  <a:outerShdw blurRad="50800" dist="38100" algn="l" rotWithShape="0">
-                    <a:prstClr val="black">
-                      <a:alpha val="40000"/>
-                    </a:prstClr>
+                  <a:outerShdw blurRad="38100" dist="38100" dir="2700000" algn="tl">
+                    <a:srgbClr val="000000">
+                      <a:alpha val="43137"/>
+                    </a:srgbClr>
                   </a:outerShdw>
                 </a:effectLst>
                 <a:latin typeface="微軟正黑體" pitchFamily="34" charset="-120"/>
@@ -3166,15 +3166,15 @@
               <a:t>神</a:t>
             </a:r>
             <a:r>
-              <a:rPr lang="zh-TW" altLang="en-US" sz="7200" b="1" dirty="0">
+              <a:rPr lang="zh-TW" altLang="en-US" sz="7200" b="1" i="1" dirty="0">
                 <a:solidFill>
                   <a:srgbClr val="660033"/>
                 </a:solidFill>
                 <a:effectLst>
-                  <a:outerShdw blurRad="50800" dist="38100" algn="l" rotWithShape="0">
-                    <a:prstClr val="black">
-                      <a:alpha val="40000"/>
-                    </a:prstClr>
+                  <a:outerShdw blurRad="38100" dist="38100" dir="2700000" algn="tl">
+                    <a:srgbClr val="000000">
+                      <a:alpha val="43137"/>
+                    </a:srgbClr>
                   </a:outerShdw>
                 </a:effectLst>
                 <a:latin typeface="微軟正黑體" pitchFamily="34" charset="-120"/>
@@ -3290,8 +3290,8 @@
         </p:nvSpPr>
         <p:spPr>
           <a:xfrm>
-            <a:off x="178" y="5373216"/>
-            <a:ext cx="12191822" cy="769441"/>
+            <a:off x="178" y="5465548"/>
+            <a:ext cx="12191822" cy="584775"/>
           </a:xfrm>
           <a:prstGeom prst="rect">
             <a:avLst/>
@@ -3306,7 +3306,7 @@
           <a:p>
             <a:pPr algn="ctr"/>
             <a:r>
-              <a:rPr lang="en-US" sz="4400" b="1" dirty="0">
+              <a:rPr lang="en-US" sz="3200" b="1" dirty="0">
                 <a:solidFill>
                   <a:srgbClr val="660033"/>
                 </a:solidFill>
@@ -3317,7 +3317,7 @@
               <a:t>( </a:t>
             </a:r>
             <a:r>
-              <a:rPr lang="zh-CN" altLang="en-US" sz="4400" b="1" dirty="0" smtClean="0">
+              <a:rPr lang="zh-CN" altLang="en-US" sz="3200" b="1" dirty="0" smtClean="0">
                 <a:solidFill>
                   <a:srgbClr val="660033"/>
                 </a:solidFill>
@@ -3328,7 +3328,7 @@
               <a:t>正</a:t>
             </a:r>
             <a:r>
-              <a:rPr lang="en-US" sz="4400" b="1" dirty="0" smtClean="0">
+              <a:rPr lang="en-US" sz="3200" b="1" dirty="0" smtClean="0">
                 <a:solidFill>
                   <a:srgbClr val="660033"/>
                 </a:solidFill>
@@ -3339,7 +3339,7 @@
               <a:t> </a:t>
             </a:r>
             <a:r>
-              <a:rPr lang="en-US" sz="4400" b="1" dirty="0">
+              <a:rPr lang="en-US" sz="3200" b="1" dirty="0">
                 <a:solidFill>
                   <a:srgbClr val="660033"/>
                 </a:solidFill>
@@ -3349,7 +3349,7 @@
               </a:rPr>
               <a:t>)</a:t>
             </a:r>
-            <a:endParaRPr lang="vi-VN" sz="4400" b="1" dirty="0">
+            <a:endParaRPr lang="vi-VN" sz="3200" b="1" dirty="0">
               <a:solidFill>
                 <a:srgbClr val="660033"/>
               </a:solidFill>
@@ -3437,24 +3437,34 @@
               <a:buNone/>
             </a:pPr>
             <a:r>
-              <a:rPr lang="zh-CN" altLang="en-US" sz="6600" b="1" dirty="0">
+              <a:rPr lang="zh-CN" altLang="en-US" sz="6600" b="1" dirty="0" smtClean="0">
                 <a:solidFill>
                   <a:srgbClr val="660033"/>
                 </a:solidFill>
                 <a:latin typeface="微軟正黑體" pitchFamily="34" charset="-120"/>
                 <a:ea typeface="微軟正黑體" pitchFamily="34" charset="-120"/>
               </a:rPr>
-              <a:t>袮</a:t>
-            </a:r>
-            <a:r>
-              <a:rPr lang="zh-TW" altLang="en-US" sz="6600" b="1" dirty="0">
+              <a:t>祢</a:t>
+            </a:r>
+            <a:r>
+              <a:rPr lang="zh-TW" altLang="en-US" sz="6600" b="1" dirty="0" smtClean="0">
                 <a:solidFill>
                   <a:srgbClr val="660033"/>
                 </a:solidFill>
                 <a:latin typeface="微軟正黑體" pitchFamily="34" charset="-120"/>
                 <a:ea typeface="微軟正黑體" pitchFamily="34" charset="-120"/>
               </a:rPr>
-              <a:t>話語叫我永不動搖</a:t>
+              <a:t>話</a:t>
+            </a:r>
+            <a:r>
+              <a:rPr lang="zh-TW" altLang="en-US" sz="6600" b="1" dirty="0">
+                <a:solidFill>
+                  <a:srgbClr val="660033"/>
+                </a:solidFill>
+                <a:latin typeface="微軟正黑體" pitchFamily="34" charset="-120"/>
+                <a:ea typeface="微軟正黑體" pitchFamily="34" charset="-120"/>
+              </a:rPr>
+              <a:t>語叫我永不動搖</a:t>
             </a:r>
           </a:p>
         </p:txBody>
@@ -3467,8 +3477,8 @@
         </p:nvSpPr>
         <p:spPr>
           <a:xfrm>
-            <a:off x="178" y="5373216"/>
-            <a:ext cx="12191822" cy="769441"/>
+            <a:off x="178" y="5465549"/>
+            <a:ext cx="12191822" cy="584775"/>
           </a:xfrm>
           <a:prstGeom prst="rect">
             <a:avLst/>
@@ -3483,54 +3493,50 @@
           <a:p>
             <a:pPr algn="ctr"/>
             <a:r>
-              <a:rPr lang="en-US" sz="4400" b="1" dirty="0">
-                <a:solidFill>
-                  <a:srgbClr val="660033"/>
-                </a:solidFill>
-                <a:effectLst/>
+              <a:rPr lang="en-US" sz="3200" b="1" dirty="0">
+                <a:solidFill>
+                  <a:srgbClr val="660033"/>
+                </a:solidFill>
                 <a:latin typeface="Microsoft JhengHei" panose="020B0604030504040204" pitchFamily="34" charset="-120"/>
                 <a:ea typeface="Microsoft JhengHei" panose="020B0604030504040204" pitchFamily="34" charset="-120"/>
               </a:rPr>
               <a:t>( </a:t>
             </a:r>
             <a:r>
-              <a:rPr lang="zh-CN" altLang="en-US" sz="4400" b="1" dirty="0" smtClean="0">
-                <a:solidFill>
-                  <a:srgbClr val="660033"/>
-                </a:solidFill>
-                <a:effectLst/>
+              <a:rPr lang="zh-CN" altLang="en-US" sz="3200" b="1" dirty="0">
+                <a:solidFill>
+                  <a:srgbClr val="660033"/>
+                </a:solidFill>
                 <a:latin typeface="Microsoft JhengHei" panose="020B0604030504040204" pitchFamily="34" charset="-120"/>
                 <a:ea typeface="Microsoft JhengHei" panose="020B0604030504040204" pitchFamily="34" charset="-120"/>
               </a:rPr>
               <a:t>正</a:t>
             </a:r>
             <a:r>
-              <a:rPr lang="en-US" sz="4400" b="1" dirty="0" smtClean="0">
-                <a:solidFill>
-                  <a:srgbClr val="660033"/>
-                </a:solidFill>
-                <a:effectLst/>
+              <a:rPr lang="en-US" sz="3200" b="1" dirty="0">
+                <a:solidFill>
+                  <a:srgbClr val="660033"/>
+                </a:solidFill>
                 <a:latin typeface="Microsoft JhengHei" panose="020B0604030504040204" pitchFamily="34" charset="-120"/>
                 <a:ea typeface="Microsoft JhengHei" panose="020B0604030504040204" pitchFamily="34" charset="-120"/>
               </a:rPr>
               <a:t> </a:t>
             </a:r>
             <a:r>
-              <a:rPr lang="en-US" sz="4400" b="1" dirty="0">
-                <a:solidFill>
-                  <a:srgbClr val="660033"/>
-                </a:solidFill>
-                <a:effectLst/>
+              <a:rPr lang="en-US" sz="3200" b="1" dirty="0">
+                <a:solidFill>
+                  <a:srgbClr val="660033"/>
+                </a:solidFill>
                 <a:latin typeface="Microsoft JhengHei" panose="020B0604030504040204" pitchFamily="34" charset="-120"/>
                 <a:ea typeface="Microsoft JhengHei" panose="020B0604030504040204" pitchFamily="34" charset="-120"/>
               </a:rPr>
               <a:t>)</a:t>
             </a:r>
-            <a:endParaRPr lang="vi-VN" sz="4400" b="1" dirty="0">
+            <a:endParaRPr lang="vi-VN" sz="3200" b="1" dirty="0">
               <a:solidFill>
                 <a:srgbClr val="660033"/>
               </a:solidFill>
-              <a:effectLst/>
+              <a:latin typeface="Microsoft JhengHei" panose="020B0604030504040204" pitchFamily="34" charset="-120"/>
               <a:ea typeface="Microsoft JhengHei" panose="020B0604030504040204" pitchFamily="34" charset="-120"/>
             </a:endParaRPr>
           </a:p>
@@ -3599,17 +3605,27 @@
                 <a:latin typeface="微軟正黑體" pitchFamily="34" charset="-120"/>
                 <a:ea typeface="微軟正黑體" pitchFamily="34" charset="-120"/>
               </a:rPr>
-              <a:t>在世間  能遇</a:t>
-            </a:r>
-            <a:r>
-              <a:rPr lang="zh-CN" altLang="en-US" sz="6600" b="1" dirty="0">
+              <a:t>在世間  能</a:t>
+            </a:r>
+            <a:r>
+              <a:rPr lang="zh-TW" altLang="en-US" sz="6600" b="1" dirty="0" smtClean="0">
                 <a:solidFill>
                   <a:srgbClr val="660033"/>
                 </a:solidFill>
                 <a:latin typeface="微軟正黑體" pitchFamily="34" charset="-120"/>
                 <a:ea typeface="微軟正黑體" pitchFamily="34" charset="-120"/>
               </a:rPr>
-              <a:t>袮</a:t>
+              <a:t>遇</a:t>
+            </a:r>
+            <a:r>
+              <a:rPr lang="zh-CN" altLang="en-US" sz="6600" b="1" dirty="0" smtClean="0">
+                <a:solidFill>
+                  <a:srgbClr val="660033"/>
+                </a:solidFill>
+                <a:latin typeface="微軟正黑體" pitchFamily="34" charset="-120"/>
+                <a:ea typeface="微軟正黑體" pitchFamily="34" charset="-120"/>
+              </a:rPr>
+              <a:t>祢</a:t>
             </a:r>
             <a:endParaRPr lang="en-US" altLang="zh-TW" sz="6600" b="1" dirty="0">
               <a:solidFill>
@@ -3651,8 +3667,8 @@
         </p:nvSpPr>
         <p:spPr>
           <a:xfrm>
-            <a:off x="178" y="5373216"/>
-            <a:ext cx="12191822" cy="769441"/>
+            <a:off x="178" y="5465549"/>
+            <a:ext cx="12191822" cy="584775"/>
           </a:xfrm>
           <a:prstGeom prst="rect">
             <a:avLst/>
@@ -3667,54 +3683,50 @@
           <a:p>
             <a:pPr algn="ctr"/>
             <a:r>
-              <a:rPr lang="en-US" sz="4400" b="1" dirty="0">
-                <a:solidFill>
-                  <a:srgbClr val="660033"/>
-                </a:solidFill>
-                <a:effectLst/>
+              <a:rPr lang="en-US" sz="3200" b="1" dirty="0">
+                <a:solidFill>
+                  <a:srgbClr val="660033"/>
+                </a:solidFill>
                 <a:latin typeface="Microsoft JhengHei" panose="020B0604030504040204" pitchFamily="34" charset="-120"/>
                 <a:ea typeface="Microsoft JhengHei" panose="020B0604030504040204" pitchFamily="34" charset="-120"/>
               </a:rPr>
               <a:t>( </a:t>
             </a:r>
             <a:r>
-              <a:rPr lang="zh-CN" altLang="en-US" sz="4400" b="1" dirty="0" smtClean="0">
-                <a:solidFill>
-                  <a:srgbClr val="660033"/>
-                </a:solidFill>
-                <a:effectLst/>
+              <a:rPr lang="zh-CN" altLang="en-US" sz="3200" b="1" dirty="0">
+                <a:solidFill>
+                  <a:srgbClr val="660033"/>
+                </a:solidFill>
                 <a:latin typeface="Microsoft JhengHei" panose="020B0604030504040204" pitchFamily="34" charset="-120"/>
                 <a:ea typeface="Microsoft JhengHei" panose="020B0604030504040204" pitchFamily="34" charset="-120"/>
               </a:rPr>
               <a:t>正</a:t>
             </a:r>
             <a:r>
-              <a:rPr lang="en-US" sz="4400" b="1" dirty="0" smtClean="0">
-                <a:solidFill>
-                  <a:srgbClr val="660033"/>
-                </a:solidFill>
-                <a:effectLst/>
+              <a:rPr lang="en-US" sz="3200" b="1" dirty="0">
+                <a:solidFill>
+                  <a:srgbClr val="660033"/>
+                </a:solidFill>
                 <a:latin typeface="Microsoft JhengHei" panose="020B0604030504040204" pitchFamily="34" charset="-120"/>
                 <a:ea typeface="Microsoft JhengHei" panose="020B0604030504040204" pitchFamily="34" charset="-120"/>
               </a:rPr>
               <a:t> </a:t>
             </a:r>
             <a:r>
-              <a:rPr lang="en-US" sz="4400" b="1" dirty="0">
-                <a:solidFill>
-                  <a:srgbClr val="660033"/>
-                </a:solidFill>
-                <a:effectLst/>
+              <a:rPr lang="en-US" sz="3200" b="1" dirty="0">
+                <a:solidFill>
+                  <a:srgbClr val="660033"/>
+                </a:solidFill>
                 <a:latin typeface="Microsoft JhengHei" panose="020B0604030504040204" pitchFamily="34" charset="-120"/>
                 <a:ea typeface="Microsoft JhengHei" panose="020B0604030504040204" pitchFamily="34" charset="-120"/>
               </a:rPr>
               <a:t>)</a:t>
             </a:r>
-            <a:endParaRPr lang="vi-VN" sz="4400" b="1" dirty="0">
+            <a:endParaRPr lang="vi-VN" sz="3200" b="1" dirty="0">
               <a:solidFill>
                 <a:srgbClr val="660033"/>
               </a:solidFill>
-              <a:effectLst/>
+              <a:latin typeface="Microsoft JhengHei" panose="020B0604030504040204" pitchFamily="34" charset="-120"/>
               <a:ea typeface="Microsoft JhengHei" panose="020B0604030504040204" pitchFamily="34" charset="-120"/>
             </a:endParaRPr>
           </a:p>
@@ -3798,44 +3810,64 @@
               <a:buNone/>
             </a:pPr>
             <a:r>
-              <a:rPr lang="zh-CN" altLang="en-US" sz="6600" b="1" dirty="0">
+              <a:rPr lang="zh-CN" altLang="en-US" sz="6600" b="1" dirty="0" smtClean="0">
                 <a:solidFill>
                   <a:srgbClr val="660033"/>
                 </a:solidFill>
                 <a:latin typeface="微軟正黑體" pitchFamily="34" charset="-120"/>
                 <a:ea typeface="微軟正黑體" pitchFamily="34" charset="-120"/>
               </a:rPr>
-              <a:t>袮</a:t>
-            </a:r>
-            <a:r>
-              <a:rPr lang="zh-TW" altLang="en-US" sz="6600" b="1" dirty="0">
+              <a:t>祢</a:t>
+            </a:r>
+            <a:r>
+              <a:rPr lang="zh-TW" altLang="en-US" sz="6600" b="1" dirty="0" smtClean="0">
                 <a:solidFill>
                   <a:srgbClr val="660033"/>
                 </a:solidFill>
                 <a:latin typeface="微軟正黑體" pitchFamily="34" charset="-120"/>
                 <a:ea typeface="微軟正黑體" pitchFamily="34" charset="-120"/>
               </a:rPr>
-              <a:t>杖扶持  </a:t>
-            </a:r>
-            <a:r>
-              <a:rPr lang="zh-CN" altLang="en-US" sz="6600" b="1" dirty="0">
+              <a:t>杖</a:t>
+            </a:r>
+            <a:r>
+              <a:rPr lang="zh-TW" altLang="en-US" sz="6600" b="1" dirty="0">
                 <a:solidFill>
                   <a:srgbClr val="660033"/>
                 </a:solidFill>
                 <a:latin typeface="微軟正黑體" pitchFamily="34" charset="-120"/>
                 <a:ea typeface="微軟正黑體" pitchFamily="34" charset="-120"/>
               </a:rPr>
-              <a:t>袮</a:t>
-            </a:r>
-            <a:r>
-              <a:rPr lang="zh-TW" altLang="en-US" sz="6600" b="1" dirty="0">
+              <a:t>扶持  </a:t>
+            </a:r>
+            <a:r>
+              <a:rPr lang="zh-CN" altLang="en-US" sz="6600" b="1" dirty="0" smtClean="0">
                 <a:solidFill>
                   <a:srgbClr val="660033"/>
                 </a:solidFill>
                 <a:latin typeface="微軟正黑體" pitchFamily="34" charset="-120"/>
                 <a:ea typeface="微軟正黑體" pitchFamily="34" charset="-120"/>
               </a:rPr>
-              <a:t>竿引領</a:t>
+              <a:t>祢</a:t>
+            </a:r>
+            <a:r>
+              <a:rPr lang="zh-TW" altLang="en-US" sz="6600" b="1" dirty="0" smtClean="0">
+                <a:solidFill>
+                  <a:srgbClr val="660033"/>
+                </a:solidFill>
+                <a:latin typeface="微軟正黑體" pitchFamily="34" charset="-120"/>
+                <a:ea typeface="微軟正黑體" pitchFamily="34" charset="-120"/>
+              </a:rPr>
+              <a:t>竿</a:t>
+            </a:r>
+            <a:r>
+              <a:rPr lang="zh-TW" altLang="en-US" sz="6600" b="1" dirty="0">
+                <a:solidFill>
+                  <a:srgbClr val="660033"/>
+                </a:solidFill>
+                <a:latin typeface="微軟正黑體" pitchFamily="34" charset="-120"/>
+                <a:ea typeface="微軟正黑體" pitchFamily="34" charset="-120"/>
+              </a:rPr>
+              <a:t>引領</a:t>
             </a:r>
           </a:p>
         </p:txBody>
@@ -3848,8 +3880,8 @@
         </p:nvSpPr>
         <p:spPr>
           <a:xfrm>
-            <a:off x="178" y="5373216"/>
-            <a:ext cx="12191822" cy="769441"/>
+            <a:off x="178" y="5465549"/>
+            <a:ext cx="12191822" cy="584775"/>
           </a:xfrm>
           <a:prstGeom prst="rect">
             <a:avLst/>
@@ -3864,54 +3896,50 @@
           <a:p>
             <a:pPr algn="ctr"/>
             <a:r>
-              <a:rPr lang="en-US" sz="4400" b="1" dirty="0">
-                <a:solidFill>
-                  <a:srgbClr val="660033"/>
-                </a:solidFill>
-                <a:effectLst/>
+              <a:rPr lang="en-US" sz="3200" b="1" dirty="0">
+                <a:solidFill>
+                  <a:srgbClr val="660033"/>
+                </a:solidFill>
                 <a:latin typeface="Microsoft JhengHei" panose="020B0604030504040204" pitchFamily="34" charset="-120"/>
                 <a:ea typeface="Microsoft JhengHei" panose="020B0604030504040204" pitchFamily="34" charset="-120"/>
               </a:rPr>
               <a:t>( </a:t>
             </a:r>
             <a:r>
-              <a:rPr lang="zh-CN" altLang="en-US" sz="4400" b="1" dirty="0" smtClean="0">
-                <a:solidFill>
-                  <a:srgbClr val="660033"/>
-                </a:solidFill>
-                <a:effectLst/>
+              <a:rPr lang="zh-CN" altLang="en-US" sz="3200" b="1" dirty="0">
+                <a:solidFill>
+                  <a:srgbClr val="660033"/>
+                </a:solidFill>
                 <a:latin typeface="Microsoft JhengHei" panose="020B0604030504040204" pitchFamily="34" charset="-120"/>
                 <a:ea typeface="Microsoft JhengHei" panose="020B0604030504040204" pitchFamily="34" charset="-120"/>
               </a:rPr>
               <a:t>正</a:t>
             </a:r>
             <a:r>
-              <a:rPr lang="en-US" sz="4400" b="1" dirty="0" smtClean="0">
-                <a:solidFill>
-                  <a:srgbClr val="660033"/>
-                </a:solidFill>
-                <a:effectLst/>
+              <a:rPr lang="en-US" sz="3200" b="1" dirty="0">
+                <a:solidFill>
+                  <a:srgbClr val="660033"/>
+                </a:solidFill>
                 <a:latin typeface="Microsoft JhengHei" panose="020B0604030504040204" pitchFamily="34" charset="-120"/>
                 <a:ea typeface="Microsoft JhengHei" panose="020B0604030504040204" pitchFamily="34" charset="-120"/>
               </a:rPr>
               <a:t> </a:t>
             </a:r>
             <a:r>
-              <a:rPr lang="en-US" sz="4400" b="1" dirty="0">
-                <a:solidFill>
-                  <a:srgbClr val="660033"/>
-                </a:solidFill>
-                <a:effectLst/>
+              <a:rPr lang="en-US" sz="3200" b="1" dirty="0">
+                <a:solidFill>
+                  <a:srgbClr val="660033"/>
+                </a:solidFill>
                 <a:latin typeface="Microsoft JhengHei" panose="020B0604030504040204" pitchFamily="34" charset="-120"/>
                 <a:ea typeface="Microsoft JhengHei" panose="020B0604030504040204" pitchFamily="34" charset="-120"/>
               </a:rPr>
               <a:t>)</a:t>
             </a:r>
-            <a:endParaRPr lang="vi-VN" sz="4400" b="1" dirty="0">
+            <a:endParaRPr lang="vi-VN" sz="3200" b="1" dirty="0">
               <a:solidFill>
                 <a:srgbClr val="660033"/>
               </a:solidFill>
-              <a:effectLst/>
+              <a:latin typeface="Microsoft JhengHei" panose="020B0604030504040204" pitchFamily="34" charset="-120"/>
               <a:ea typeface="Microsoft JhengHei" panose="020B0604030504040204" pitchFamily="34" charset="-120"/>
             </a:endParaRPr>
           </a:p>
@@ -3980,27 +4008,47 @@
                 <a:latin typeface="微軟正黑體" pitchFamily="34" charset="-120"/>
                 <a:ea typeface="微軟正黑體" pitchFamily="34" charset="-120"/>
               </a:rPr>
-              <a:t>何時我跌倒  何時</a:t>
-            </a:r>
-            <a:r>
-              <a:rPr lang="zh-CN" altLang="en-US" sz="6600" b="1" dirty="0">
+              <a:t>何時我跌倒  何</a:t>
+            </a:r>
+            <a:r>
+              <a:rPr lang="zh-TW" altLang="en-US" sz="6600" b="1" dirty="0" smtClean="0">
                 <a:solidFill>
                   <a:srgbClr val="660033"/>
                 </a:solidFill>
                 <a:latin typeface="微軟正黑體" pitchFamily="34" charset="-120"/>
                 <a:ea typeface="微軟正黑體" pitchFamily="34" charset="-120"/>
               </a:rPr>
-              <a:t>袮</a:t>
-            </a:r>
-            <a:r>
-              <a:rPr lang="zh-TW" altLang="en-US" sz="6600" b="1" dirty="0">
+              <a:t>時</a:t>
+            </a:r>
+            <a:r>
+              <a:rPr lang="zh-CN" altLang="en-US" sz="6600" b="1" dirty="0" smtClean="0">
                 <a:solidFill>
                   <a:srgbClr val="660033"/>
                 </a:solidFill>
                 <a:latin typeface="微軟正黑體" pitchFamily="34" charset="-120"/>
                 <a:ea typeface="微軟正黑體" pitchFamily="34" charset="-120"/>
               </a:rPr>
-              <a:t>扶持</a:t>
+              <a:t>祢</a:t>
+            </a:r>
+            <a:r>
+              <a:rPr lang="zh-TW" altLang="en-US" sz="6600" b="1" dirty="0" smtClean="0">
+                <a:solidFill>
+                  <a:srgbClr val="660033"/>
+                </a:solidFill>
+                <a:latin typeface="微軟正黑體" pitchFamily="34" charset="-120"/>
+                <a:ea typeface="微軟正黑體" pitchFamily="34" charset="-120"/>
+              </a:rPr>
+              <a:t>扶</a:t>
+            </a:r>
+            <a:r>
+              <a:rPr lang="zh-TW" altLang="en-US" sz="6600" b="1" dirty="0">
+                <a:solidFill>
+                  <a:srgbClr val="660033"/>
+                </a:solidFill>
+                <a:latin typeface="微軟正黑體" pitchFamily="34" charset="-120"/>
+                <a:ea typeface="微軟正黑體" pitchFamily="34" charset="-120"/>
+              </a:rPr>
+              <a:t>持</a:t>
             </a:r>
             <a:endParaRPr lang="en-US" altLang="zh-TW" sz="6600" b="1" dirty="0">
               <a:solidFill>
@@ -4025,24 +4073,34 @@
               <a:t>危難遇風雪  </a:t>
             </a:r>
             <a:r>
-              <a:rPr lang="zh-CN" altLang="en-US" sz="6600" b="1" dirty="0">
+              <a:rPr lang="zh-CN" altLang="en-US" sz="6600" b="1" dirty="0" smtClean="0">
                 <a:solidFill>
                   <a:srgbClr val="660033"/>
                 </a:solidFill>
                 <a:latin typeface="微軟正黑體" pitchFamily="34" charset="-120"/>
                 <a:ea typeface="微軟正黑體" pitchFamily="34" charset="-120"/>
               </a:rPr>
-              <a:t>袮</a:t>
-            </a:r>
-            <a:r>
-              <a:rPr lang="zh-TW" altLang="en-US" sz="6600" b="1" dirty="0">
+              <a:t>祢</a:t>
+            </a:r>
+            <a:r>
+              <a:rPr lang="zh-TW" altLang="en-US" sz="6600" b="1" dirty="0" smtClean="0">
                 <a:solidFill>
                   <a:srgbClr val="660033"/>
                 </a:solidFill>
                 <a:latin typeface="微軟正黑體" pitchFamily="34" charset="-120"/>
                 <a:ea typeface="微軟正黑體" pitchFamily="34" charset="-120"/>
               </a:rPr>
-              <a:t>必庇佑</a:t>
+              <a:t>必</a:t>
+            </a:r>
+            <a:r>
+              <a:rPr lang="zh-TW" altLang="en-US" sz="6600" b="1" dirty="0">
+                <a:solidFill>
+                  <a:srgbClr val="660033"/>
+                </a:solidFill>
+                <a:latin typeface="微軟正黑體" pitchFamily="34" charset="-120"/>
+                <a:ea typeface="微軟正黑體" pitchFamily="34" charset="-120"/>
+              </a:rPr>
+              <a:t>庇佑</a:t>
             </a:r>
             <a:endParaRPr lang="en-US" altLang="zh-TW" sz="6600" b="1" dirty="0">
               <a:solidFill>
@@ -4062,8 +4120,8 @@
         </p:nvSpPr>
         <p:spPr>
           <a:xfrm>
-            <a:off x="178" y="5373216"/>
-            <a:ext cx="12191822" cy="769441"/>
+            <a:off x="178" y="5465549"/>
+            <a:ext cx="12191822" cy="584775"/>
           </a:xfrm>
           <a:prstGeom prst="rect">
             <a:avLst/>
@@ -4078,54 +4136,50 @@
           <a:p>
             <a:pPr algn="ctr"/>
             <a:r>
-              <a:rPr lang="en-US" sz="4400" b="1" dirty="0">
-                <a:solidFill>
-                  <a:srgbClr val="660033"/>
-                </a:solidFill>
-                <a:effectLst/>
+              <a:rPr lang="en-US" sz="3200" b="1" dirty="0">
+                <a:solidFill>
+                  <a:srgbClr val="660033"/>
+                </a:solidFill>
                 <a:latin typeface="Microsoft JhengHei" panose="020B0604030504040204" pitchFamily="34" charset="-120"/>
                 <a:ea typeface="Microsoft JhengHei" panose="020B0604030504040204" pitchFamily="34" charset="-120"/>
               </a:rPr>
               <a:t>( </a:t>
             </a:r>
             <a:r>
-              <a:rPr lang="zh-CN" altLang="en-US" sz="4400" b="1" dirty="0">
-                <a:solidFill>
-                  <a:srgbClr val="660033"/>
-                </a:solidFill>
-                <a:effectLst/>
+              <a:rPr lang="zh-CN" altLang="en-US" sz="3200" b="1" dirty="0">
+                <a:solidFill>
+                  <a:srgbClr val="660033"/>
+                </a:solidFill>
                 <a:latin typeface="Microsoft JhengHei" panose="020B0604030504040204" pitchFamily="34" charset="-120"/>
                 <a:ea typeface="Microsoft JhengHei" panose="020B0604030504040204" pitchFamily="34" charset="-120"/>
               </a:rPr>
               <a:t>副</a:t>
             </a:r>
             <a:r>
-              <a:rPr lang="en-US" sz="4400" b="1" dirty="0" smtClean="0">
-                <a:solidFill>
-                  <a:srgbClr val="660033"/>
-                </a:solidFill>
-                <a:effectLst/>
+              <a:rPr lang="en-US" sz="3200" b="1" dirty="0">
+                <a:solidFill>
+                  <a:srgbClr val="660033"/>
+                </a:solidFill>
                 <a:latin typeface="Microsoft JhengHei" panose="020B0604030504040204" pitchFamily="34" charset="-120"/>
                 <a:ea typeface="Microsoft JhengHei" panose="020B0604030504040204" pitchFamily="34" charset="-120"/>
               </a:rPr>
               <a:t> </a:t>
             </a:r>
             <a:r>
-              <a:rPr lang="en-US" sz="4400" b="1" dirty="0">
-                <a:solidFill>
-                  <a:srgbClr val="660033"/>
-                </a:solidFill>
-                <a:effectLst/>
+              <a:rPr lang="en-US" sz="3200" b="1" dirty="0">
+                <a:solidFill>
+                  <a:srgbClr val="660033"/>
+                </a:solidFill>
                 <a:latin typeface="Microsoft JhengHei" panose="020B0604030504040204" pitchFamily="34" charset="-120"/>
                 <a:ea typeface="Microsoft JhengHei" panose="020B0604030504040204" pitchFamily="34" charset="-120"/>
               </a:rPr>
               <a:t>)</a:t>
             </a:r>
-            <a:endParaRPr lang="vi-VN" sz="4400" b="1" dirty="0">
+            <a:endParaRPr lang="vi-VN" sz="3200" b="1" dirty="0">
               <a:solidFill>
                 <a:srgbClr val="660033"/>
               </a:solidFill>
-              <a:effectLst/>
+              <a:latin typeface="Microsoft JhengHei" panose="020B0604030504040204" pitchFamily="34" charset="-120"/>
               <a:ea typeface="Microsoft JhengHei" panose="020B0604030504040204" pitchFamily="34" charset="-120"/>
             </a:endParaRPr>
           </a:p>
@@ -4194,27 +4248,47 @@
                 <a:latin typeface="微軟正黑體" pitchFamily="34" charset="-120"/>
                 <a:ea typeface="微軟正黑體" pitchFamily="34" charset="-120"/>
               </a:rPr>
-              <a:t>前途在</a:t>
-            </a:r>
-            <a:r>
-              <a:rPr lang="zh-CN" altLang="en-US" sz="6600" b="1" dirty="0">
+              <a:t>前途</a:t>
+            </a:r>
+            <a:r>
+              <a:rPr lang="zh-TW" altLang="en-US" sz="6600" b="1" dirty="0" smtClean="0">
                 <a:solidFill>
                   <a:srgbClr val="660033"/>
                 </a:solidFill>
                 <a:latin typeface="微軟正黑體" pitchFamily="34" charset="-120"/>
                 <a:ea typeface="微軟正黑體" pitchFamily="34" charset="-120"/>
               </a:rPr>
-              <a:t>袮</a:t>
-            </a:r>
-            <a:r>
-              <a:rPr lang="zh-TW" altLang="en-US" sz="6600" b="1" dirty="0">
+              <a:t>在</a:t>
+            </a:r>
+            <a:r>
+              <a:rPr lang="zh-CN" altLang="en-US" sz="6600" b="1" dirty="0" smtClean="0">
                 <a:solidFill>
                   <a:srgbClr val="660033"/>
                 </a:solidFill>
                 <a:latin typeface="微軟正黑體" pitchFamily="34" charset="-120"/>
                 <a:ea typeface="微軟正黑體" pitchFamily="34" charset="-120"/>
               </a:rPr>
-              <a:t>手  牽我到白頭</a:t>
+              <a:t>祢</a:t>
+            </a:r>
+            <a:r>
+              <a:rPr lang="zh-TW" altLang="en-US" sz="6600" b="1" dirty="0" smtClean="0">
+                <a:solidFill>
+                  <a:srgbClr val="660033"/>
+                </a:solidFill>
+                <a:latin typeface="微軟正黑體" pitchFamily="34" charset="-120"/>
+                <a:ea typeface="微軟正黑體" pitchFamily="34" charset="-120"/>
+              </a:rPr>
+              <a:t>手  </a:t>
+            </a:r>
+            <a:r>
+              <a:rPr lang="zh-TW" altLang="en-US" sz="6600" b="1" dirty="0">
+                <a:solidFill>
+                  <a:srgbClr val="660033"/>
+                </a:solidFill>
+                <a:latin typeface="微軟正黑體" pitchFamily="34" charset="-120"/>
+                <a:ea typeface="微軟正黑體" pitchFamily="34" charset="-120"/>
+              </a:rPr>
+              <a:t>牽我到白頭</a:t>
             </a:r>
             <a:endParaRPr lang="en-US" altLang="zh-TW" sz="6600" b="1" dirty="0">
               <a:solidFill>
@@ -4289,8 +4363,8 @@
         </p:nvSpPr>
         <p:spPr>
           <a:xfrm>
-            <a:off x="178" y="5373216"/>
-            <a:ext cx="12191822" cy="769441"/>
+            <a:off x="178" y="5465549"/>
+            <a:ext cx="12191822" cy="584775"/>
           </a:xfrm>
           <a:prstGeom prst="rect">
             <a:avLst/>
@@ -4305,54 +4379,50 @@
           <a:p>
             <a:pPr algn="ctr"/>
             <a:r>
-              <a:rPr lang="en-US" sz="4400" b="1" dirty="0">
-                <a:solidFill>
-                  <a:srgbClr val="660033"/>
-                </a:solidFill>
-                <a:effectLst/>
+              <a:rPr lang="en-US" sz="3200" b="1" dirty="0">
+                <a:solidFill>
+                  <a:srgbClr val="660033"/>
+                </a:solidFill>
                 <a:latin typeface="Microsoft JhengHei" panose="020B0604030504040204" pitchFamily="34" charset="-120"/>
                 <a:ea typeface="Microsoft JhengHei" panose="020B0604030504040204" pitchFamily="34" charset="-120"/>
               </a:rPr>
               <a:t>( </a:t>
             </a:r>
             <a:r>
-              <a:rPr lang="zh-CN" altLang="en-US" sz="4400" b="1" dirty="0">
-                <a:solidFill>
-                  <a:srgbClr val="660033"/>
-                </a:solidFill>
-                <a:effectLst/>
+              <a:rPr lang="zh-CN" altLang="en-US" sz="3200" b="1" dirty="0">
+                <a:solidFill>
+                  <a:srgbClr val="660033"/>
+                </a:solidFill>
                 <a:latin typeface="Microsoft JhengHei" panose="020B0604030504040204" pitchFamily="34" charset="-120"/>
                 <a:ea typeface="Microsoft JhengHei" panose="020B0604030504040204" pitchFamily="34" charset="-120"/>
               </a:rPr>
               <a:t>副</a:t>
             </a:r>
             <a:r>
-              <a:rPr lang="en-US" sz="4400" b="1" dirty="0" smtClean="0">
-                <a:solidFill>
-                  <a:srgbClr val="660033"/>
-                </a:solidFill>
-                <a:effectLst/>
+              <a:rPr lang="en-US" sz="3200" b="1" dirty="0">
+                <a:solidFill>
+                  <a:srgbClr val="660033"/>
+                </a:solidFill>
                 <a:latin typeface="Microsoft JhengHei" panose="020B0604030504040204" pitchFamily="34" charset="-120"/>
                 <a:ea typeface="Microsoft JhengHei" panose="020B0604030504040204" pitchFamily="34" charset="-120"/>
               </a:rPr>
               <a:t> </a:t>
             </a:r>
             <a:r>
-              <a:rPr lang="en-US" sz="4400" b="1" dirty="0">
-                <a:solidFill>
-                  <a:srgbClr val="660033"/>
-                </a:solidFill>
-                <a:effectLst/>
+              <a:rPr lang="en-US" sz="3200" b="1" dirty="0">
+                <a:solidFill>
+                  <a:srgbClr val="660033"/>
+                </a:solidFill>
                 <a:latin typeface="Microsoft JhengHei" panose="020B0604030504040204" pitchFamily="34" charset="-120"/>
                 <a:ea typeface="Microsoft JhengHei" panose="020B0604030504040204" pitchFamily="34" charset="-120"/>
               </a:rPr>
               <a:t>)</a:t>
             </a:r>
-            <a:endParaRPr lang="vi-VN" sz="4400" b="1" dirty="0">
+            <a:endParaRPr lang="vi-VN" sz="3200" b="1" dirty="0">
               <a:solidFill>
                 <a:srgbClr val="660033"/>
               </a:solidFill>
-              <a:effectLst/>
+              <a:latin typeface="Microsoft JhengHei" panose="020B0604030504040204" pitchFamily="34" charset="-120"/>
               <a:ea typeface="Microsoft JhengHei" panose="020B0604030504040204" pitchFamily="34" charset="-120"/>
             </a:endParaRPr>
           </a:p>
